--- a/Capstone Project Phase – 2,review 1.pptx
+++ b/Capstone Project Phase – 2,review 1.pptx
@@ -5,10 +5,10 @@
     <p:sldMasterId id="2147483657" r:id="rId1"/>
   </p:sldMasterIdLst>
   <p:notesMasterIdLst>
-    <p:notesMasterId r:id="rId41"/>
+    <p:notesMasterId r:id="rId51"/>
   </p:notesMasterIdLst>
   <p:handoutMasterIdLst>
-    <p:handoutMasterId r:id="rId42"/>
+    <p:handoutMasterId r:id="rId52"/>
   </p:handoutMasterIdLst>
   <p:sldIdLst>
     <p:sldId id="538" r:id="rId2"/>
@@ -30,26 +30,36 @@
     <p:sldId id="593" r:id="rId18"/>
     <p:sldId id="594" r:id="rId19"/>
     <p:sldId id="571" r:id="rId20"/>
-    <p:sldId id="566" r:id="rId21"/>
-    <p:sldId id="595" r:id="rId22"/>
-    <p:sldId id="596" r:id="rId23"/>
-    <p:sldId id="597" r:id="rId24"/>
-    <p:sldId id="598" r:id="rId25"/>
-    <p:sldId id="599" r:id="rId26"/>
-    <p:sldId id="567" r:id="rId27"/>
-    <p:sldId id="600" r:id="rId28"/>
-    <p:sldId id="564" r:id="rId29"/>
-    <p:sldId id="601" r:id="rId30"/>
-    <p:sldId id="602" r:id="rId31"/>
-    <p:sldId id="603" r:id="rId32"/>
-    <p:sldId id="604" r:id="rId33"/>
-    <p:sldId id="583" r:id="rId34"/>
-    <p:sldId id="605" r:id="rId35"/>
-    <p:sldId id="606" r:id="rId36"/>
-    <p:sldId id="545" r:id="rId37"/>
-    <p:sldId id="584" r:id="rId38"/>
-    <p:sldId id="552" r:id="rId39"/>
-    <p:sldId id="549" r:id="rId40"/>
+    <p:sldId id="607" r:id="rId21"/>
+    <p:sldId id="608" r:id="rId22"/>
+    <p:sldId id="566" r:id="rId23"/>
+    <p:sldId id="595" r:id="rId24"/>
+    <p:sldId id="596" r:id="rId25"/>
+    <p:sldId id="597" r:id="rId26"/>
+    <p:sldId id="598" r:id="rId27"/>
+    <p:sldId id="599" r:id="rId28"/>
+    <p:sldId id="567" r:id="rId29"/>
+    <p:sldId id="600" r:id="rId30"/>
+    <p:sldId id="564" r:id="rId31"/>
+    <p:sldId id="601" r:id="rId32"/>
+    <p:sldId id="602" r:id="rId33"/>
+    <p:sldId id="603" r:id="rId34"/>
+    <p:sldId id="604" r:id="rId35"/>
+    <p:sldId id="583" r:id="rId36"/>
+    <p:sldId id="605" r:id="rId37"/>
+    <p:sldId id="606" r:id="rId38"/>
+    <p:sldId id="609" r:id="rId39"/>
+    <p:sldId id="610" r:id="rId40"/>
+    <p:sldId id="611" r:id="rId41"/>
+    <p:sldId id="612" r:id="rId42"/>
+    <p:sldId id="613" r:id="rId43"/>
+    <p:sldId id="614" r:id="rId44"/>
+    <p:sldId id="615" r:id="rId45"/>
+    <p:sldId id="545" r:id="rId46"/>
+    <p:sldId id="616" r:id="rId47"/>
+    <p:sldId id="584" r:id="rId48"/>
+    <p:sldId id="552" r:id="rId49"/>
+    <p:sldId id="549" r:id="rId50"/>
   </p:sldIdLst>
   <p:sldSz cx="12192000" cy="6858000"/>
   <p:notesSz cx="7010400" cy="9296400"/>
@@ -288,7 +298,7 @@
               <a:pPr>
                 <a:defRPr/>
               </a:pPr>
-              <a:t>1/27/2025</a:t>
+              <a:t>2/2/2025</a:t>
             </a:fld>
             <a:endParaRPr lang="en-US"/>
           </a:p>
@@ -471,7 +481,7 @@
               <a:pPr>
                 <a:defRPr/>
               </a:pPr>
-              <a:t>1/27/2025</a:t>
+              <a:t>2/2/2025</a:t>
             </a:fld>
             <a:endParaRPr lang="en-US"/>
           </a:p>
@@ -1160,7 +1170,7 @@
                 <a:buSzPts val="1400"/>
                 <a:buNone/>
               </a:pPr>
-              <a:t>28</a:t>
+              <a:t>30</a:t>
             </a:fld>
             <a:endParaRPr/>
           </a:p>
@@ -1252,7 +1262,7 @@
               <a:pPr>
                 <a:defRPr/>
               </a:pPr>
-              <a:t>38</a:t>
+              <a:t>48</a:t>
             </a:fld>
             <a:endParaRPr lang="en-US"/>
           </a:p>
@@ -2295,7 +2305,7 @@
             <a:fld id="{2D1A7037-0853-0447-B5BA-F1548123F733}" type="datetimeFigureOut">
               <a:rPr lang="en-US" smtClean="0"/>
               <a:pPr/>
-              <a:t>1/27/2025</a:t>
+              <a:t>2/2/2025</a:t>
             </a:fld>
             <a:endParaRPr lang="en-US"/>
           </a:p>
@@ -2495,7 +2505,7 @@
             <a:fld id="{2D1A7037-0853-0447-B5BA-F1548123F733}" type="datetimeFigureOut">
               <a:rPr lang="en-US" smtClean="0"/>
               <a:pPr/>
-              <a:t>1/27/2025</a:t>
+              <a:t>2/2/2025</a:t>
             </a:fld>
             <a:endParaRPr lang="en-US"/>
           </a:p>
@@ -2772,7 +2782,7 @@
             <a:fld id="{2D1A7037-0853-0447-B5BA-F1548123F733}" type="datetimeFigureOut">
               <a:rPr lang="en-US" smtClean="0"/>
               <a:pPr/>
-              <a:t>1/27/2025</a:t>
+              <a:t>2/2/2025</a:t>
             </a:fld>
             <a:endParaRPr lang="en-US"/>
           </a:p>
@@ -3039,7 +3049,7 @@
             <a:fld id="{2D1A7037-0853-0447-B5BA-F1548123F733}" type="datetimeFigureOut">
               <a:rPr lang="en-US" smtClean="0"/>
               <a:pPr/>
-              <a:t>1/27/2025</a:t>
+              <a:t>2/2/2025</a:t>
             </a:fld>
             <a:endParaRPr lang="en-US"/>
           </a:p>
@@ -3453,7 +3463,7 @@
             <a:fld id="{2D1A7037-0853-0447-B5BA-F1548123F733}" type="datetimeFigureOut">
               <a:rPr lang="en-US" smtClean="0"/>
               <a:pPr/>
-              <a:t>1/27/2025</a:t>
+              <a:t>2/2/2025</a:t>
             </a:fld>
             <a:endParaRPr lang="en-US"/>
           </a:p>
@@ -3596,7 +3606,7 @@
             <a:fld id="{2D1A7037-0853-0447-B5BA-F1548123F733}" type="datetimeFigureOut">
               <a:rPr lang="en-US" smtClean="0"/>
               <a:pPr/>
-              <a:t>1/27/2025</a:t>
+              <a:t>2/2/2025</a:t>
             </a:fld>
             <a:endParaRPr lang="en-US"/>
           </a:p>
@@ -3711,7 +3721,7 @@
             <a:fld id="{2D1A7037-0853-0447-B5BA-F1548123F733}" type="datetimeFigureOut">
               <a:rPr lang="en-US" smtClean="0"/>
               <a:pPr/>
-              <a:t>1/27/2025</a:t>
+              <a:t>2/2/2025</a:t>
             </a:fld>
             <a:endParaRPr lang="en-US"/>
           </a:p>
@@ -4024,7 +4034,7 @@
             <a:fld id="{2D1A7037-0853-0447-B5BA-F1548123F733}" type="datetimeFigureOut">
               <a:rPr lang="en-US" smtClean="0"/>
               <a:pPr/>
-              <a:t>1/27/2025</a:t>
+              <a:t>2/2/2025</a:t>
             </a:fld>
             <a:endParaRPr lang="en-US"/>
           </a:p>
@@ -4317,7 +4327,7 @@
             <a:fld id="{2D1A7037-0853-0447-B5BA-F1548123F733}" type="datetimeFigureOut">
               <a:rPr lang="en-US" smtClean="0"/>
               <a:pPr/>
-              <a:t>1/27/2025</a:t>
+              <a:t>2/2/2025</a:t>
             </a:fld>
             <a:endParaRPr lang="en-US"/>
           </a:p>
@@ -4560,7 +4570,7 @@
             <a:fld id="{2D1A7037-0853-0447-B5BA-F1548123F733}" type="datetimeFigureOut">
               <a:rPr lang="en-US" smtClean="0"/>
               <a:pPr/>
-              <a:t>1/27/2025</a:t>
+              <a:t>2/2/2025</a:t>
             </a:fld>
             <a:endParaRPr lang="en-US"/>
           </a:p>
@@ -5403,7 +5413,11 @@
           <a:lstStyle/>
           <a:p>
             <a:r>
-              <a:rPr lang="en-US" sz="2000" b="1" dirty="0"/>
+              <a:rPr lang="en-US" sz="2000" b="1" dirty="0">
+                <a:solidFill>
+                  <a:srgbClr val="FF0000"/>
+                </a:solidFill>
+              </a:rPr>
               <a:t>Detection and Mitigation Process:</a:t>
             </a:r>
           </a:p>
@@ -5978,7 +5992,11 @@
           <a:lstStyle/>
           <a:p>
             <a:r>
-              <a:rPr lang="en-US" sz="2000" b="1" dirty="0"/>
+              <a:rPr lang="en-US" sz="2000" b="1" dirty="0">
+                <a:solidFill>
+                  <a:srgbClr val="FF0000"/>
+                </a:solidFill>
+              </a:rPr>
               <a:t>Benefits of This Approach</a:t>
             </a:r>
           </a:p>
@@ -6232,7 +6250,11 @@
           <a:lstStyle/>
           <a:p>
             <a:r>
-              <a:rPr lang="en-US" sz="2000" b="1" dirty="0"/>
+              <a:rPr lang="en-US" sz="2000" b="1" dirty="0">
+                <a:solidFill>
+                  <a:srgbClr val="FF0000"/>
+                </a:solidFill>
+              </a:rPr>
               <a:t>Drawbacks of This Approach</a:t>
             </a:r>
           </a:p>
@@ -6438,7 +6460,11 @@
           <a:lstStyle/>
           <a:p>
             <a:r>
-              <a:rPr lang="en-US" sz="2400" b="1" dirty="0"/>
+              <a:rPr lang="en-US" sz="2400" b="1" dirty="0">
+                <a:solidFill>
+                  <a:srgbClr val="FF0000"/>
+                </a:solidFill>
+              </a:rPr>
               <a:t>Alternate Design Approaches</a:t>
             </a:r>
           </a:p>
@@ -6971,7 +6997,7 @@
               </a:spcAft>
             </a:pPr>
             <a:r>
-              <a:rPr lang="en-US" sz="2400" dirty="0">
+              <a:rPr lang="en-US" sz="2400" b="1" dirty="0">
                 <a:solidFill>
                   <a:srgbClr val="FF0000"/>
                 </a:solidFill>
@@ -6982,7 +7008,7 @@
               </a:rPr>
               <a:t>Design Constraints</a:t>
             </a:r>
-            <a:endParaRPr lang="en-US" sz="2400" dirty="0"/>
+            <a:endParaRPr lang="en-US" sz="2400" b="1" dirty="0"/>
           </a:p>
         </p:txBody>
       </p:sp>
@@ -7438,7 +7464,7 @@
           <a:lstStyle/>
           <a:p>
             <a:r>
-              <a:rPr lang="en-US" sz="2800" dirty="0">
+              <a:rPr lang="en-US" sz="2800" b="1" dirty="0">
                 <a:solidFill>
                   <a:srgbClr val="FF0000"/>
                 </a:solidFill>
@@ -7449,7 +7475,7 @@
               </a:rPr>
               <a:t>Assumptions</a:t>
             </a:r>
-            <a:endParaRPr lang="en-IN" sz="2800" dirty="0"/>
+            <a:endParaRPr lang="en-IN" sz="2800" b="1" dirty="0"/>
           </a:p>
         </p:txBody>
       </p:sp>
@@ -7569,7 +7595,7 @@
           <a:lstStyle/>
           <a:p>
             <a:r>
-              <a:rPr lang="en-US" sz="2800" dirty="0">
+              <a:rPr lang="en-US" sz="2800" b="1" dirty="0">
                 <a:solidFill>
                   <a:srgbClr val="FF0000"/>
                 </a:solidFill>
@@ -7580,7 +7606,7 @@
               </a:rPr>
               <a:t>Dependencies</a:t>
             </a:r>
-            <a:endParaRPr lang="en-IN" sz="2800" dirty="0"/>
+            <a:endParaRPr lang="en-IN" sz="2800" b="1" dirty="0"/>
           </a:p>
         </p:txBody>
       </p:sp>
@@ -8231,7 +8257,7 @@
         </p:nvSpPr>
         <p:spPr>
           <a:xfrm>
-            <a:off x="2895600" y="1143000"/>
+            <a:off x="2895600" y="980728"/>
             <a:ext cx="7772400" cy="461700"/>
           </a:xfrm>
           <a:prstGeom prst="rect">
@@ -8765,7 +8791,7 @@
   <p:cSld>
     <p:spTree>
       <p:nvGrpSpPr>
-        <p:cNvPr id="1" name="Shape 51"/>
+        <p:cNvPr id="1" name=""/>
         <p:cNvGrpSpPr/>
         <p:nvPr/>
       </p:nvGrpSpPr>
@@ -8779,13 +8805,175 @@
       </p:grpSpPr>
       <p:sp>
         <p:nvSpPr>
-          <p:cNvPr id="52" name="Google Shape;52;p7"/>
+          <p:cNvPr id="2" name="TextBox 1">
+            <a:extLst>
+              <a:ext uri="{FF2B5EF4-FFF2-40B4-BE49-F238E27FC236}">
+                <a16:creationId xmlns:a16="http://schemas.microsoft.com/office/drawing/2014/main" id="{2CFA6D8E-AB0E-AA63-8EF9-38BCC18D94F5}"/>
+              </a:ext>
+            </a:extLst>
+          </p:cNvPr>
+          <p:cNvSpPr txBox="1"/>
+          <p:nvPr/>
+        </p:nvSpPr>
+        <p:spPr>
+          <a:xfrm>
+            <a:off x="110018" y="617008"/>
+            <a:ext cx="11809312" cy="6494085"/>
+          </a:xfrm>
+          <a:prstGeom prst="rect">
+            <a:avLst/>
+          </a:prstGeom>
+          <a:noFill/>
+        </p:spPr>
+        <p:txBody>
+          <a:bodyPr wrap="square" rtlCol="0">
+            <a:spAutoFit/>
+          </a:bodyPr>
+          <a:lstStyle/>
+          <a:p>
+            <a:r>
+              <a:rPr lang="en-US" dirty="0"/>
+              <a:t>Platforms, Systems, and Processes Overview of this project — Detection and Mitigation of Replay Attacks on CCTV Systems—relies on AI-driven scene analysis, HTM-based temporal anomaly detection, cryptographic security, and edge processing to enhance surveillance security.</a:t>
+            </a:r>
+          </a:p>
+          <a:p>
+            <a:endParaRPr lang="en-US" dirty="0"/>
+          </a:p>
+          <a:p>
+            <a:r>
+              <a:rPr lang="en-US" sz="2000" b="1" u="sng" dirty="0"/>
+              <a:t>Key Components and Changes Needed: </a:t>
+            </a:r>
+          </a:p>
+          <a:p>
+            <a:endParaRPr lang="en-US" dirty="0"/>
+          </a:p>
+          <a:p>
+            <a:pPr marL="342900" indent="-342900">
+              <a:buAutoNum type="arabicPeriod"/>
+            </a:pPr>
+            <a:r>
+              <a:rPr lang="en-US" b="1" dirty="0">
+                <a:solidFill>
+                  <a:srgbClr val="FF0000"/>
+                </a:solidFill>
+              </a:rPr>
+              <a:t>Novelty &amp; Innovativeness AI + HTM Hybrid Detection: </a:t>
+            </a:r>
+            <a:r>
+              <a:rPr lang="en-US" dirty="0"/>
+              <a:t>Detects both spatial and temporal anomalies in video streams. </a:t>
+            </a:r>
+          </a:p>
+          <a:p>
+            <a:endParaRPr lang="en-US" dirty="0"/>
+          </a:p>
+          <a:p>
+            <a:r>
+              <a:rPr lang="en-US" dirty="0"/>
+              <a:t>     Blockchain Integrity Checks -&gt; Prevents post-attack tampering.</a:t>
+            </a:r>
+          </a:p>
+          <a:p>
+            <a:endParaRPr lang="en-US" dirty="0"/>
+          </a:p>
+          <a:p>
+            <a:r>
+              <a:rPr lang="en-US" dirty="0"/>
+              <a:t>🔹 Enhancements: Optimize AI models for edge processing; adaptive anomaly thresholds.</a:t>
+            </a:r>
+          </a:p>
+          <a:p>
+            <a:endParaRPr lang="en-US" dirty="0"/>
+          </a:p>
+          <a:p>
+            <a:r>
+              <a:rPr lang="en-US" b="1" dirty="0">
+                <a:solidFill>
+                  <a:srgbClr val="FF0000"/>
+                </a:solidFill>
+              </a:rPr>
+              <a:t>2.   Interoperability &amp; Performance Compatible with RTSP, ONVIF, and various CCTV systems:</a:t>
+            </a:r>
+            <a:r>
+              <a:rPr lang="en-US" dirty="0">
+                <a:solidFill>
+                  <a:srgbClr val="FF0000"/>
+                </a:solidFill>
+              </a:rPr>
+              <a:t> </a:t>
+            </a:r>
+            <a:r>
+              <a:rPr lang="en-US" dirty="0"/>
+              <a:t>Edge             	processing reduces latency while ensuring real-time detection.</a:t>
+            </a:r>
+          </a:p>
+          <a:p>
+            <a:endParaRPr lang="en-US" dirty="0"/>
+          </a:p>
+          <a:p>
+            <a:r>
+              <a:rPr lang="en-US" dirty="0"/>
+              <a:t>🔹 Enhancements: API integration for seamless camera-to-server communication.</a:t>
+            </a:r>
+          </a:p>
+          <a:p>
+            <a:endParaRPr lang="en-US" dirty="0"/>
+          </a:p>
+          <a:p>
+            <a:r>
+              <a:rPr lang="en-US" b="1" dirty="0">
+                <a:solidFill>
+                  <a:srgbClr val="FF0000"/>
+                </a:solidFill>
+              </a:rPr>
+              <a:t>3.   Security &amp; Reliability AES encryption + digital signatures secure video streams:</a:t>
+            </a:r>
+            <a:r>
+              <a:rPr lang="en-US" dirty="0">
+                <a:solidFill>
+                  <a:srgbClr val="FF0000"/>
+                </a:solidFill>
+              </a:rPr>
+              <a:t> </a:t>
+            </a:r>
+            <a:r>
+              <a:rPr lang="en-US" dirty="0"/>
+              <a:t>Tamper-proof blockchain      	logs ensure forensic validity.</a:t>
+            </a:r>
+          </a:p>
+          <a:p>
+            <a:endParaRPr lang="en-US" dirty="0"/>
+          </a:p>
+          <a:p>
+            <a:r>
+              <a:rPr lang="en-US" dirty="0"/>
+              <a:t>🔹 Enhancements: Implement resilience mechanisms for auto-failover.</a:t>
+            </a:r>
+          </a:p>
+          <a:p>
+            <a:r>
+              <a:rPr lang="en-IN" dirty="0"/>
+              <a:t> </a:t>
+            </a:r>
+          </a:p>
+        </p:txBody>
+      </p:sp>
+      <p:sp>
+        <p:nvSpPr>
+          <p:cNvPr id="3" name="Google Shape;45;p6">
+            <a:extLst>
+              <a:ext uri="{FF2B5EF4-FFF2-40B4-BE49-F238E27FC236}">
+                <a16:creationId xmlns:a16="http://schemas.microsoft.com/office/drawing/2014/main" id="{C6703737-0D88-29F2-7841-F5E177AAF67A}"/>
+              </a:ext>
+            </a:extLst>
+          </p:cNvPr>
           <p:cNvSpPr/>
           <p:nvPr/>
         </p:nvSpPr>
         <p:spPr>
           <a:xfrm>
-            <a:off x="3048000" y="1581150"/>
+            <a:off x="191344" y="577296"/>
             <a:ext cx="7620000" cy="36600"/>
           </a:xfrm>
           <a:prstGeom prst="rect">
@@ -8830,14 +9018,20 @@
       </p:sp>
       <p:sp>
         <p:nvSpPr>
-          <p:cNvPr id="53" name="Google Shape;53;p7"/>
+          <p:cNvPr id="4" name="Google Shape;46;p6">
+            <a:extLst>
+              <a:ext uri="{FF2B5EF4-FFF2-40B4-BE49-F238E27FC236}">
+                <a16:creationId xmlns:a16="http://schemas.microsoft.com/office/drawing/2014/main" id="{7B1CB169-63F5-9808-53BE-63FAECC3ECC1}"/>
+              </a:ext>
+            </a:extLst>
+          </p:cNvPr>
           <p:cNvSpPr txBox="1"/>
           <p:nvPr/>
         </p:nvSpPr>
         <p:spPr>
           <a:xfrm>
-            <a:off x="2855640" y="1032563"/>
-            <a:ext cx="7772400" cy="461700"/>
+            <a:off x="-26014" y="152196"/>
+            <a:ext cx="2376264" cy="461700"/>
           </a:xfrm>
           <a:prstGeom prst="rect">
             <a:avLst/>
@@ -8860,9 +9054,13 @@
               <a:spcAft>
                 <a:spcPts val="0"/>
               </a:spcAft>
-            </a:pPr>
-            <a:r>
-              <a:rPr lang="en-US" sz="2400" dirty="0">
+              <a:buClr>
+                <a:srgbClr val="000000"/>
+              </a:buClr>
+              <a:buSzPts val="2400"/>
+            </a:pPr>
+            <a:r>
+              <a:rPr lang="en-US" sz="2400" b="1" dirty="0">
                 <a:solidFill>
                   <a:srgbClr val="FF0000"/>
                 </a:solidFill>
@@ -8871,185 +9069,17 @@
                 <a:cs typeface="Trebuchet MS"/>
                 <a:sym typeface="Trebuchet MS"/>
               </a:rPr>
-              <a:t>Proposed System / Approach</a:t>
-            </a:r>
-            <a:endParaRPr lang="en-US" sz="2400" dirty="0"/>
-          </a:p>
-        </p:txBody>
-      </p:sp>
-      <p:sp>
-        <p:nvSpPr>
-          <p:cNvPr id="54" name="Google Shape;54;p7"/>
-          <p:cNvSpPr txBox="1"/>
-          <p:nvPr/>
-        </p:nvSpPr>
-        <p:spPr>
-          <a:xfrm>
-            <a:off x="2114900" y="1791525"/>
-            <a:ext cx="7005600" cy="4724400"/>
-          </a:xfrm>
-          <a:prstGeom prst="rect">
-            <a:avLst/>
-          </a:prstGeom>
-          <a:noFill/>
-          <a:ln>
-            <a:noFill/>
-          </a:ln>
-        </p:spPr>
-        <p:txBody>
-          <a:bodyPr spcFirstLastPara="1" wrap="square" lIns="91425" tIns="45700" rIns="91425" bIns="45700" anchor="ctr" anchorCtr="0">
-            <a:noAutofit/>
-          </a:bodyPr>
-          <a:lstStyle/>
-          <a:p>
-            <a:pPr algn="just">
-              <a:spcBef>
-                <a:spcPts val="480"/>
-              </a:spcBef>
-              <a:spcAft>
-                <a:spcPts val="0"/>
-              </a:spcAft>
-              <a:buClr>
-                <a:schemeClr val="dk1"/>
-              </a:buClr>
-              <a:buSzPts val="1100"/>
-            </a:pPr>
-            <a:r>
-              <a:rPr lang="en-US" sz="2400" dirty="0">
-                <a:solidFill>
-                  <a:srgbClr val="0033CC"/>
-                </a:solidFill>
-                <a:latin typeface="Trebuchet MS"/>
-                <a:ea typeface="Trebuchet MS"/>
-                <a:cs typeface="Trebuchet MS"/>
-                <a:sym typeface="Trebuchet MS"/>
-              </a:rPr>
-              <a:t>Add as many slides as required to cover the following aspects:</a:t>
-            </a:r>
-          </a:p>
-          <a:p>
-            <a:pPr algn="just">
-              <a:spcBef>
-                <a:spcPts val="480"/>
-              </a:spcBef>
-              <a:spcAft>
-                <a:spcPts val="0"/>
-              </a:spcAft>
-              <a:buClr>
-                <a:schemeClr val="dk1"/>
-              </a:buClr>
-              <a:buSzPts val="1100"/>
-            </a:pPr>
-            <a:endParaRPr lang="en-US" sz="2400" dirty="0">
-              <a:solidFill>
-                <a:srgbClr val="0033CC"/>
-              </a:solidFill>
-              <a:latin typeface="Trebuchet MS"/>
-              <a:sym typeface="Trebuchet MS"/>
-            </a:endParaRPr>
-          </a:p>
-          <a:p>
-            <a:pPr marL="342900" indent="-342900" algn="just">
-              <a:spcBef>
-                <a:spcPts val="480"/>
-              </a:spcBef>
-              <a:spcAft>
-                <a:spcPts val="0"/>
-              </a:spcAft>
-              <a:buClr>
-                <a:srgbClr val="FF0000"/>
-              </a:buClr>
-              <a:buSzPct val="80000"/>
-              <a:buFont typeface="Arial"/>
-              <a:buAutoNum type="arabicPeriod"/>
-            </a:pPr>
-            <a:r>
-              <a:rPr lang="en-US" sz="2400" dirty="0">
-                <a:solidFill>
-                  <a:srgbClr val="0033CC"/>
-                </a:solidFill>
-                <a:latin typeface="Trebuchet MS"/>
-                <a:sym typeface="Trebuchet MS"/>
-              </a:rPr>
-              <a:t>Basic Approach and results obtained</a:t>
-            </a:r>
-          </a:p>
-          <a:p>
-            <a:pPr marL="342900" indent="-342900" algn="just">
-              <a:spcBef>
-                <a:spcPts val="480"/>
-              </a:spcBef>
-              <a:spcAft>
-                <a:spcPts val="0"/>
-              </a:spcAft>
-              <a:buClr>
-                <a:srgbClr val="FF0000"/>
-              </a:buClr>
-              <a:buSzPct val="80000"/>
-              <a:buFont typeface="Arial"/>
-              <a:buAutoNum type="arabicPeriod"/>
-            </a:pPr>
-            <a:r>
-              <a:rPr lang="en-US" sz="2400" dirty="0">
-                <a:solidFill>
-                  <a:srgbClr val="0033CC"/>
-                </a:solidFill>
-                <a:latin typeface="Trebuchet MS"/>
-                <a:sym typeface="Trebuchet MS"/>
-              </a:rPr>
-              <a:t>Is there a need for changing the approach?</a:t>
-            </a:r>
-          </a:p>
-          <a:p>
-            <a:pPr marL="342900" indent="-342900" algn="just">
-              <a:spcBef>
-                <a:spcPts val="480"/>
-              </a:spcBef>
-              <a:spcAft>
-                <a:spcPts val="0"/>
-              </a:spcAft>
-              <a:buClr>
-                <a:srgbClr val="FF0000"/>
-              </a:buClr>
-              <a:buSzPct val="80000"/>
-              <a:buFont typeface="Arial"/>
-              <a:buAutoNum type="arabicPeriod"/>
-            </a:pPr>
-            <a:r>
-              <a:rPr lang="en-US" sz="2400" dirty="0">
-                <a:solidFill>
-                  <a:srgbClr val="0033CC"/>
-                </a:solidFill>
-                <a:latin typeface="Trebuchet MS"/>
-                <a:sym typeface="Trebuchet MS"/>
-              </a:rPr>
-              <a:t>Details of the new approach- benefits/drawbacks</a:t>
-            </a:r>
-          </a:p>
-          <a:p>
-            <a:pPr marL="342900" indent="-342900" algn="just">
-              <a:spcBef>
-                <a:spcPts val="480"/>
-              </a:spcBef>
-              <a:spcAft>
-                <a:spcPts val="0"/>
-              </a:spcAft>
-              <a:buClr>
-                <a:srgbClr val="FF0000"/>
-              </a:buClr>
-              <a:buSzPct val="80000"/>
-              <a:buFont typeface="Arial"/>
-              <a:buAutoNum type="arabicPeriod"/>
-            </a:pPr>
-            <a:endParaRPr lang="en-US" sz="2400" dirty="0">
-              <a:solidFill>
-                <a:srgbClr val="0033CC"/>
-              </a:solidFill>
-            </a:endParaRPr>
+              <a:t>Design Details</a:t>
+            </a:r>
           </a:p>
         </p:txBody>
       </p:sp>
     </p:spTree>
+    <p:extLst>
+      <p:ext uri="{BB962C8B-B14F-4D97-AF65-F5344CB8AC3E}">
+        <p14:creationId xmlns:p14="http://schemas.microsoft.com/office/powerpoint/2010/main" val="3493530003"/>
+      </p:ext>
+    </p:extLst>
   </p:cSld>
   <p:clrMapOvr>
     <a:masterClrMapping/>
@@ -9076,10 +9106,10 @@
       </p:grpSpPr>
       <p:sp>
         <p:nvSpPr>
-          <p:cNvPr id="3" name="TextBox 2">
+          <p:cNvPr id="2" name="TextBox 1">
             <a:extLst>
               <a:ext uri="{FF2B5EF4-FFF2-40B4-BE49-F238E27FC236}">
-                <a16:creationId xmlns:a16="http://schemas.microsoft.com/office/drawing/2014/main" id="{D355C7C8-3810-3584-948D-FEF88D5721CA}"/>
+                <a16:creationId xmlns:a16="http://schemas.microsoft.com/office/drawing/2014/main" id="{599C7E46-6E07-5F7E-3665-9D19F6638B52}"/>
               </a:ext>
             </a:extLst>
           </p:cNvPr>
@@ -9088,8 +9118,8 @@
         </p:nvSpPr>
         <p:spPr>
           <a:xfrm>
-            <a:off x="263352" y="296056"/>
-            <a:ext cx="6094602" cy="461665"/>
+            <a:off x="119336" y="1351508"/>
+            <a:ext cx="11881320" cy="4154984"/>
           </a:xfrm>
           <a:prstGeom prst="rect">
             <a:avLst/>
@@ -9097,233 +9127,98 @@
           <a:noFill/>
         </p:spPr>
         <p:txBody>
-          <a:bodyPr wrap="square">
+          <a:bodyPr wrap="square" rtlCol="0">
             <a:spAutoFit/>
           </a:bodyPr>
           <a:lstStyle/>
           <a:p>
-            <a:pPr algn="just">
-              <a:spcBef>
-                <a:spcPts val="480"/>
-              </a:spcBef>
-              <a:spcAft>
-                <a:spcPts val="0"/>
-              </a:spcAft>
-              <a:buClr>
-                <a:srgbClr val="FF0000"/>
-              </a:buClr>
-              <a:buSzPct val="80000"/>
-            </a:pPr>
+            <a:r>
+              <a:rPr lang="en-US" sz="2400" b="1" dirty="0">
+                <a:solidFill>
+                  <a:srgbClr val="FF0000"/>
+                </a:solidFill>
+              </a:rPr>
+              <a:t>4.  </a:t>
+            </a:r>
+            <a:r>
+              <a:rPr lang="en-US" sz="2400" b="1" u="sng" dirty="0">
+                <a:solidFill>
+                  <a:srgbClr val="FF0000"/>
+                </a:solidFill>
+              </a:rPr>
+              <a:t>Maintainability &amp; Scalability Modular design supports easy updates and cloud   integration:</a:t>
+            </a:r>
             <a:r>
               <a:rPr lang="en-US" sz="2400" dirty="0">
                 <a:solidFill>
                   <a:srgbClr val="FF0000"/>
                 </a:solidFill>
-                <a:latin typeface="Trebuchet MS"/>
-                <a:sym typeface="Trebuchet MS"/>
               </a:rPr>
-              <a:t>Basic Approach and results obtained</a:t>
-            </a:r>
-          </a:p>
-        </p:txBody>
-      </p:sp>
-      <p:sp>
-        <p:nvSpPr>
-          <p:cNvPr id="4" name="Google Shape;52;p7">
-            <a:extLst>
-              <a:ext uri="{FF2B5EF4-FFF2-40B4-BE49-F238E27FC236}">
-                <a16:creationId xmlns:a16="http://schemas.microsoft.com/office/drawing/2014/main" id="{E25B4D51-193C-D3A3-0A92-A3DE2E6FE399}"/>
-              </a:ext>
-            </a:extLst>
-          </p:cNvPr>
-          <p:cNvSpPr/>
-          <p:nvPr/>
-        </p:nvSpPr>
-        <p:spPr>
-          <a:xfrm>
-            <a:off x="335360" y="757721"/>
-            <a:ext cx="7620000" cy="36600"/>
-          </a:xfrm>
-          <a:prstGeom prst="rect">
-            <a:avLst/>
-          </a:prstGeom>
-          <a:solidFill>
-            <a:srgbClr val="33CCCC"/>
-          </a:solidFill>
-          <a:ln>
-            <a:noFill/>
-          </a:ln>
-        </p:spPr>
-        <p:txBody>
-          <a:bodyPr spcFirstLastPara="1" wrap="square" lIns="91425" tIns="45700" rIns="91425" bIns="45700" anchor="ctr" anchorCtr="0">
-            <a:noAutofit/>
-          </a:bodyPr>
-          <a:lstStyle/>
-          <a:p>
-            <a:pPr>
-              <a:spcBef>
-                <a:spcPts val="0"/>
-              </a:spcBef>
-              <a:spcAft>
-                <a:spcPts val="0"/>
-              </a:spcAft>
-              <a:buClr>
-                <a:srgbClr val="000000"/>
-              </a:buClr>
-              <a:buSzPts val="1800"/>
-            </a:pPr>
-            <a:endParaRPr>
-              <a:solidFill>
-                <a:schemeClr val="dk1"/>
-              </a:solidFill>
-              <a:latin typeface="Arial"/>
-              <a:ea typeface="Arial"/>
-              <a:cs typeface="Arial"/>
-              <a:sym typeface="Arial"/>
-            </a:endParaRPr>
-          </a:p>
-        </p:txBody>
-      </p:sp>
-      <p:sp>
-        <p:nvSpPr>
-          <p:cNvPr id="6" name="TextBox 5">
-            <a:extLst>
-              <a:ext uri="{FF2B5EF4-FFF2-40B4-BE49-F238E27FC236}">
-                <a16:creationId xmlns:a16="http://schemas.microsoft.com/office/drawing/2014/main" id="{527E76B2-5F2E-BF41-7277-B272D39A59A1}"/>
-              </a:ext>
-            </a:extLst>
-          </p:cNvPr>
-          <p:cNvSpPr txBox="1"/>
-          <p:nvPr/>
-        </p:nvSpPr>
-        <p:spPr>
-          <a:xfrm>
-            <a:off x="0" y="1700808"/>
-            <a:ext cx="12192000" cy="3970318"/>
-          </a:xfrm>
-          <a:prstGeom prst="rect">
-            <a:avLst/>
-          </a:prstGeom>
-          <a:noFill/>
-        </p:spPr>
-        <p:txBody>
-          <a:bodyPr wrap="square">
-            <a:spAutoFit/>
-          </a:bodyPr>
-          <a:lstStyle/>
-          <a:p>
-            <a:pPr marL="285750" indent="-285750">
-              <a:buFont typeface="Wingdings" panose="05000000000000000000" pitchFamily="2" charset="2"/>
-              <a:buChar char="Ø"/>
-            </a:pPr>
-            <a:r>
-              <a:rPr lang="en-US" b="1" dirty="0"/>
-              <a:t>Basic Approach:</a:t>
-            </a:r>
-          </a:p>
-          <a:p>
-            <a:endParaRPr lang="en-US" b="1" dirty="0"/>
-          </a:p>
-          <a:p>
-            <a:r>
-              <a:rPr lang="en-US" b="1" dirty="0"/>
-              <a:t>Detection:</a:t>
-            </a:r>
-            <a:endParaRPr lang="en-US" dirty="0"/>
-          </a:p>
-          <a:p>
-            <a:pPr marL="742950" lvl="1" indent="-285750">
-              <a:buFont typeface="Arial" panose="020B0604020202020204" pitchFamily="34" charset="0"/>
-              <a:buChar char="•"/>
-            </a:pPr>
-            <a:r>
-              <a:rPr lang="en-US" b="1" dirty="0"/>
-              <a:t>AI Models:</a:t>
-            </a:r>
-            <a:r>
-              <a:rPr lang="en-US" dirty="0"/>
-              <a:t> Use Generative Adversarial Networks (GANs) and Convolutional LSTM (</a:t>
-            </a:r>
-            <a:r>
-              <a:rPr lang="en-US" dirty="0" err="1"/>
-              <a:t>ConvLSTM</a:t>
-            </a:r>
-            <a:r>
-              <a:rPr lang="en-US" dirty="0"/>
-              <a:t>) for real-time detection of replay attacks.</a:t>
-            </a:r>
-          </a:p>
-          <a:p>
-            <a:pPr marL="742950" lvl="1" indent="-285750">
-              <a:buFont typeface="Arial" panose="020B0604020202020204" pitchFamily="34" charset="0"/>
-              <a:buChar char="•"/>
-            </a:pPr>
-            <a:r>
-              <a:rPr lang="en-US" b="1" dirty="0"/>
-              <a:t>Process:</a:t>
-            </a:r>
-            <a:r>
-              <a:rPr lang="en-US" dirty="0"/>
-              <a:t> Analyze video feeds frame-by-frame to identify discrepancies and anomalies indicative of replay attacks.</a:t>
-            </a:r>
-          </a:p>
-          <a:p>
-            <a:pPr lvl="1"/>
-            <a:endParaRPr lang="en-US" dirty="0"/>
-          </a:p>
-          <a:p>
-            <a:pPr>
-              <a:buFont typeface="Arial" panose="020B0604020202020204" pitchFamily="34" charset="0"/>
-              <a:buChar char="•"/>
-            </a:pPr>
-            <a:r>
-              <a:rPr lang="en-US" b="1" dirty="0"/>
-              <a:t>Protection:</a:t>
-            </a:r>
-            <a:endParaRPr lang="en-US" dirty="0"/>
-          </a:p>
-          <a:p>
-            <a:pPr marL="742950" lvl="1" indent="-285750">
-              <a:buFont typeface="Arial" panose="020B0604020202020204" pitchFamily="34" charset="0"/>
-              <a:buChar char="•"/>
-            </a:pPr>
-            <a:r>
-              <a:rPr lang="en-US" b="1" dirty="0"/>
-              <a:t>Blockchain:</a:t>
-            </a:r>
-            <a:r>
-              <a:rPr lang="en-US" dirty="0"/>
-              <a:t> Implement blockchain to hash each video frame and store these hashes immutably, ensuring the integrity of the footage.</a:t>
-            </a:r>
-          </a:p>
-          <a:p>
-            <a:pPr marL="742950" lvl="1" indent="-285750">
-              <a:buFont typeface="Arial" panose="020B0604020202020204" pitchFamily="34" charset="0"/>
-              <a:buChar char="•"/>
-            </a:pPr>
-            <a:r>
-              <a:rPr lang="en-US" b="1" dirty="0"/>
-              <a:t>Encryption:</a:t>
-            </a:r>
-            <a:r>
-              <a:rPr lang="en-US" dirty="0"/>
-              <a:t> Securely encrypt the hashes before storing them on the blockchain to prevent tampering.</a:t>
-            </a:r>
-          </a:p>
-          <a:p>
-            <a:pPr lvl="1"/>
-            <a:endParaRPr lang="en-US" dirty="0"/>
-          </a:p>
-          <a:p>
-            <a:pPr lvl="1"/>
-            <a:endParaRPr lang="en-US" dirty="0"/>
+              <a:t> </a:t>
+            </a:r>
+            <a:r>
+              <a:rPr lang="en-US" sz="2400" dirty="0"/>
+              <a:t>Expandable from single-camera to multi-camera deployments.</a:t>
+            </a:r>
+          </a:p>
+          <a:p>
+            <a:endParaRPr lang="en-US" sz="2400" dirty="0"/>
+          </a:p>
+          <a:p>
+            <a:r>
+              <a:rPr lang="en-US" sz="2400" dirty="0"/>
+              <a:t>🔹 Enhancements: Auto-scaling for cloud-based processing; model retraining pipelines.</a:t>
+            </a:r>
+          </a:p>
+          <a:p>
+            <a:endParaRPr lang="en-US" sz="2400" dirty="0"/>
+          </a:p>
+          <a:p>
+            <a:r>
+              <a:rPr lang="en-US" sz="2400" b="1" dirty="0">
+                <a:solidFill>
+                  <a:srgbClr val="FF0000"/>
+                </a:solidFill>
+              </a:rPr>
+              <a:t>5.  </a:t>
+            </a:r>
+            <a:r>
+              <a:rPr lang="en-US" sz="2400" b="1" u="sng" dirty="0">
+                <a:solidFill>
+                  <a:srgbClr val="FF0000"/>
+                </a:solidFill>
+              </a:rPr>
+              <a:t>Portability &amp; Reusability Deployable on Linux/Windows, edge devices, and cloud: </a:t>
+            </a:r>
+            <a:r>
+              <a:rPr lang="en-US" sz="2400" dirty="0">
+                <a:solidFill>
+                  <a:srgbClr val="FF0000"/>
+                </a:solidFill>
+              </a:rPr>
+              <a:t> </a:t>
+            </a:r>
+            <a:r>
+              <a:rPr lang="en-US" sz="2400" dirty="0"/>
+              <a:t>AI detection + blockchain security can be reused in other fields (e.g., fraud detection).</a:t>
+            </a:r>
+          </a:p>
+          <a:p>
+            <a:endParaRPr lang="en-US" sz="2400" dirty="0"/>
+          </a:p>
+          <a:p>
+            <a:r>
+              <a:rPr lang="en-US" sz="2400" dirty="0"/>
+              <a:t>🔹 Enhancements: Model compression for resource-constrained environments.</a:t>
+            </a:r>
+            <a:endParaRPr lang="en-IN" sz="2800" b="1" u="sng" dirty="0"/>
           </a:p>
         </p:txBody>
       </p:sp>
     </p:spTree>
     <p:extLst>
       <p:ext uri="{BB962C8B-B14F-4D97-AF65-F5344CB8AC3E}">
-        <p14:creationId xmlns:p14="http://schemas.microsoft.com/office/powerpoint/2010/main" val="2627681569"/>
+        <p14:creationId xmlns:p14="http://schemas.microsoft.com/office/powerpoint/2010/main" val="230423672"/>
       </p:ext>
     </p:extLst>
   </p:cSld>
@@ -9338,7 +9233,7 @@
   <p:cSld>
     <p:spTree>
       <p:nvGrpSpPr>
-        <p:cNvPr id="1" name=""/>
+        <p:cNvPr id="1" name="Shape 51"/>
         <p:cNvGrpSpPr/>
         <p:nvPr/>
       </p:nvGrpSpPr>
@@ -9352,108 +9247,277 @@
       </p:grpSpPr>
       <p:sp>
         <p:nvSpPr>
-          <p:cNvPr id="3" name="TextBox 2">
-            <a:extLst>
-              <a:ext uri="{FF2B5EF4-FFF2-40B4-BE49-F238E27FC236}">
-                <a16:creationId xmlns:a16="http://schemas.microsoft.com/office/drawing/2014/main" id="{54109C07-E6A7-B550-AC84-AE0C51D10605}"/>
-              </a:ext>
-            </a:extLst>
-          </p:cNvPr>
+          <p:cNvPr id="52" name="Google Shape;52;p7"/>
+          <p:cNvSpPr/>
+          <p:nvPr/>
+        </p:nvSpPr>
+        <p:spPr>
+          <a:xfrm>
+            <a:off x="3048000" y="1581150"/>
+            <a:ext cx="7620000" cy="36600"/>
+          </a:xfrm>
+          <a:prstGeom prst="rect">
+            <a:avLst/>
+          </a:prstGeom>
+          <a:solidFill>
+            <a:srgbClr val="33CCCC"/>
+          </a:solidFill>
+          <a:ln>
+            <a:noFill/>
+          </a:ln>
+        </p:spPr>
+        <p:txBody>
+          <a:bodyPr spcFirstLastPara="1" wrap="square" lIns="91425" tIns="45700" rIns="91425" bIns="45700" anchor="ctr" anchorCtr="0">
+            <a:noAutofit/>
+          </a:bodyPr>
+          <a:lstStyle/>
+          <a:p>
+            <a:pPr>
+              <a:spcBef>
+                <a:spcPts val="0"/>
+              </a:spcBef>
+              <a:spcAft>
+                <a:spcPts val="0"/>
+              </a:spcAft>
+              <a:buClr>
+                <a:srgbClr val="000000"/>
+              </a:buClr>
+              <a:buSzPts val="1800"/>
+            </a:pPr>
+            <a:endParaRPr>
+              <a:solidFill>
+                <a:schemeClr val="dk1"/>
+              </a:solidFill>
+              <a:latin typeface="Arial"/>
+              <a:ea typeface="Arial"/>
+              <a:cs typeface="Arial"/>
+              <a:sym typeface="Arial"/>
+            </a:endParaRPr>
+          </a:p>
+        </p:txBody>
+      </p:sp>
+      <p:sp>
+        <p:nvSpPr>
+          <p:cNvPr id="53" name="Google Shape;53;p7"/>
           <p:cNvSpPr txBox="1"/>
           <p:nvPr/>
         </p:nvSpPr>
         <p:spPr>
           <a:xfrm>
-            <a:off x="9772" y="2060848"/>
-            <a:ext cx="12192000" cy="2862322"/>
+            <a:off x="2855640" y="1032563"/>
+            <a:ext cx="7772400" cy="461700"/>
           </a:xfrm>
           <a:prstGeom prst="rect">
             <a:avLst/>
           </a:prstGeom>
           <a:noFill/>
+          <a:ln>
+            <a:noFill/>
+          </a:ln>
         </p:spPr>
         <p:txBody>
-          <a:bodyPr wrap="square">
-            <a:spAutoFit/>
+          <a:bodyPr spcFirstLastPara="1" wrap="square" lIns="91425" tIns="45700" rIns="91425" bIns="45700" anchor="t" anchorCtr="0">
+            <a:noAutofit/>
           </a:bodyPr>
           <a:lstStyle/>
           <a:p>
-            <a:pPr marL="285750" indent="-285750">
-              <a:buFont typeface="Wingdings" panose="05000000000000000000" pitchFamily="2" charset="2"/>
-              <a:buChar char="Ø"/>
-            </a:pPr>
-            <a:r>
-              <a:rPr lang="en-US" b="1" dirty="0"/>
-              <a:t>Results Obtained:</a:t>
-            </a:r>
-          </a:p>
-          <a:p>
-            <a:endParaRPr lang="en-US" b="1" dirty="0"/>
-          </a:p>
-          <a:p>
-            <a:pPr>
-              <a:buFont typeface="Arial" panose="020B0604020202020204" pitchFamily="34" charset="0"/>
-              <a:buChar char="•"/>
-            </a:pPr>
-            <a:r>
-              <a:rPr lang="en-US" b="1" dirty="0"/>
-              <a:t>Detection Accuracy:</a:t>
-            </a:r>
-            <a:r>
-              <a:rPr lang="en-US" dirty="0"/>
-              <a:t> Present metrics showing the effectiveness of GAN and </a:t>
-            </a:r>
-            <a:r>
-              <a:rPr lang="en-US" dirty="0" err="1"/>
-              <a:t>ConvLSTM</a:t>
-            </a:r>
-            <a:r>
-              <a:rPr lang="en-US" dirty="0"/>
-              <a:t> models in detecting replay attacks, including detection rate and false positive/negative rates.</a:t>
-            </a:r>
-          </a:p>
-          <a:p>
-            <a:endParaRPr lang="en-US" dirty="0"/>
-          </a:p>
-          <a:p>
-            <a:pPr>
-              <a:buFont typeface="Arial" panose="020B0604020202020204" pitchFamily="34" charset="0"/>
-              <a:buChar char="•"/>
-            </a:pPr>
-            <a:r>
-              <a:rPr lang="en-US" b="1" dirty="0"/>
-              <a:t>Performance:</a:t>
-            </a:r>
-            <a:r>
-              <a:rPr lang="en-US" dirty="0"/>
-              <a:t> Highlight the efficiency of real-time processing on the edge device (C-type web camera or existing system).</a:t>
-            </a:r>
-          </a:p>
-          <a:p>
-            <a:endParaRPr lang="en-US" dirty="0"/>
-          </a:p>
-          <a:p>
-            <a:pPr>
-              <a:buFont typeface="Arial" panose="020B0604020202020204" pitchFamily="34" charset="0"/>
-              <a:buChar char="•"/>
-            </a:pPr>
-            <a:r>
-              <a:rPr lang="en-US" b="1" dirty="0"/>
-              <a:t>Security:</a:t>
-            </a:r>
-            <a:r>
-              <a:rPr lang="en-US" dirty="0"/>
-              <a:t> Demonstrate the robustness of blockchain in maintaining the integrity and authenticity of video footage, showcasing any successful detection of tampering or replay attacks.</a:t>
-            </a:r>
+            <a:pPr marL="342900" indent="-342900" algn="r">
+              <a:spcBef>
+                <a:spcPts val="0"/>
+              </a:spcBef>
+              <a:spcAft>
+                <a:spcPts val="0"/>
+              </a:spcAft>
+            </a:pPr>
+            <a:r>
+              <a:rPr lang="en-US" sz="2400" dirty="0">
+                <a:solidFill>
+                  <a:srgbClr val="FF0000"/>
+                </a:solidFill>
+                <a:latin typeface="Trebuchet MS"/>
+                <a:ea typeface="Trebuchet MS"/>
+                <a:cs typeface="Trebuchet MS"/>
+                <a:sym typeface="Trebuchet MS"/>
+              </a:rPr>
+              <a:t>Proposed System / Approach</a:t>
+            </a:r>
+            <a:endParaRPr lang="en-US" sz="2400" dirty="0"/>
+          </a:p>
+        </p:txBody>
+      </p:sp>
+      <p:sp>
+        <p:nvSpPr>
+          <p:cNvPr id="54" name="Google Shape;54;p7"/>
+          <p:cNvSpPr txBox="1"/>
+          <p:nvPr/>
+        </p:nvSpPr>
+        <p:spPr>
+          <a:xfrm>
+            <a:off x="2114900" y="1791525"/>
+            <a:ext cx="7005600" cy="4724400"/>
+          </a:xfrm>
+          <a:prstGeom prst="rect">
+            <a:avLst/>
+          </a:prstGeom>
+          <a:noFill/>
+          <a:ln>
+            <a:noFill/>
+          </a:ln>
+        </p:spPr>
+        <p:txBody>
+          <a:bodyPr spcFirstLastPara="1" wrap="square" lIns="91425" tIns="45700" rIns="91425" bIns="45700" anchor="ctr" anchorCtr="0">
+            <a:noAutofit/>
+          </a:bodyPr>
+          <a:lstStyle/>
+          <a:p>
+            <a:pPr algn="just">
+              <a:spcBef>
+                <a:spcPts val="480"/>
+              </a:spcBef>
+              <a:spcAft>
+                <a:spcPts val="0"/>
+              </a:spcAft>
+              <a:buClr>
+                <a:schemeClr val="dk1"/>
+              </a:buClr>
+              <a:buSzPts val="1100"/>
+            </a:pPr>
+            <a:r>
+              <a:rPr lang="en-US" sz="2400" dirty="0">
+                <a:solidFill>
+                  <a:srgbClr val="0033CC"/>
+                </a:solidFill>
+                <a:latin typeface="Trebuchet MS"/>
+                <a:ea typeface="Trebuchet MS"/>
+                <a:cs typeface="Trebuchet MS"/>
+                <a:sym typeface="Trebuchet MS"/>
+              </a:rPr>
+              <a:t>*** Add as many slides as required to cover the following aspects:</a:t>
+            </a:r>
+          </a:p>
+          <a:p>
+            <a:pPr algn="just">
+              <a:spcBef>
+                <a:spcPts val="480"/>
+              </a:spcBef>
+              <a:spcAft>
+                <a:spcPts val="0"/>
+              </a:spcAft>
+              <a:buClr>
+                <a:schemeClr val="dk1"/>
+              </a:buClr>
+              <a:buSzPts val="1100"/>
+            </a:pPr>
+            <a:endParaRPr lang="en-US" sz="2400" dirty="0">
+              <a:solidFill>
+                <a:srgbClr val="0033CC"/>
+              </a:solidFill>
+              <a:latin typeface="Trebuchet MS"/>
+              <a:sym typeface="Trebuchet MS"/>
+            </a:endParaRPr>
+          </a:p>
+          <a:p>
+            <a:pPr marL="342900" indent="-342900" algn="just">
+              <a:spcBef>
+                <a:spcPts val="480"/>
+              </a:spcBef>
+              <a:spcAft>
+                <a:spcPts val="0"/>
+              </a:spcAft>
+              <a:buClr>
+                <a:srgbClr val="FF0000"/>
+              </a:buClr>
+              <a:buSzPct val="80000"/>
+              <a:buFont typeface="Arial"/>
+              <a:buAutoNum type="arabicPeriod"/>
+            </a:pPr>
+            <a:r>
+              <a:rPr lang="en-US" sz="2400" dirty="0">
+                <a:solidFill>
+                  <a:srgbClr val="0033CC"/>
+                </a:solidFill>
+                <a:latin typeface="Trebuchet MS"/>
+                <a:sym typeface="Trebuchet MS"/>
+              </a:rPr>
+              <a:t>Basic Approach and results obtained</a:t>
+            </a:r>
+          </a:p>
+          <a:p>
+            <a:pPr marL="342900" indent="-342900" algn="just">
+              <a:spcBef>
+                <a:spcPts val="480"/>
+              </a:spcBef>
+              <a:spcAft>
+                <a:spcPts val="0"/>
+              </a:spcAft>
+              <a:buClr>
+                <a:srgbClr val="FF0000"/>
+              </a:buClr>
+              <a:buSzPct val="80000"/>
+              <a:buFont typeface="Arial"/>
+              <a:buAutoNum type="arabicPeriod"/>
+            </a:pPr>
+            <a:r>
+              <a:rPr lang="en-US" sz="2400" dirty="0">
+                <a:solidFill>
+                  <a:srgbClr val="0033CC"/>
+                </a:solidFill>
+                <a:latin typeface="Trebuchet MS"/>
+                <a:sym typeface="Trebuchet MS"/>
+              </a:rPr>
+              <a:t>Is there a need for changing the approach?</a:t>
+            </a:r>
+          </a:p>
+          <a:p>
+            <a:pPr marL="342900" indent="-342900" algn="just">
+              <a:spcBef>
+                <a:spcPts val="480"/>
+              </a:spcBef>
+              <a:spcAft>
+                <a:spcPts val="0"/>
+              </a:spcAft>
+              <a:buClr>
+                <a:srgbClr val="FF0000"/>
+              </a:buClr>
+              <a:buSzPct val="80000"/>
+              <a:buFont typeface="Arial"/>
+              <a:buAutoNum type="arabicPeriod"/>
+            </a:pPr>
+            <a:r>
+              <a:rPr lang="en-US" sz="2400" dirty="0">
+                <a:solidFill>
+                  <a:srgbClr val="0033CC"/>
+                </a:solidFill>
+                <a:latin typeface="Trebuchet MS"/>
+                <a:sym typeface="Trebuchet MS"/>
+              </a:rPr>
+              <a:t>Details of the new approach- benefits/drawbacks</a:t>
+            </a:r>
+          </a:p>
+          <a:p>
+            <a:pPr marL="342900" indent="-342900" algn="just">
+              <a:spcBef>
+                <a:spcPts val="480"/>
+              </a:spcBef>
+              <a:spcAft>
+                <a:spcPts val="0"/>
+              </a:spcAft>
+              <a:buClr>
+                <a:srgbClr val="FF0000"/>
+              </a:buClr>
+              <a:buSzPct val="80000"/>
+              <a:buFont typeface="Arial"/>
+              <a:buAutoNum type="arabicPeriod"/>
+            </a:pPr>
+            <a:endParaRPr lang="en-US" sz="2400" dirty="0">
+              <a:solidFill>
+                <a:srgbClr val="0033CC"/>
+              </a:solidFill>
+            </a:endParaRPr>
           </a:p>
         </p:txBody>
       </p:sp>
     </p:spTree>
-    <p:extLst>
-      <p:ext uri="{BB962C8B-B14F-4D97-AF65-F5344CB8AC3E}">
-        <p14:creationId xmlns:p14="http://schemas.microsoft.com/office/powerpoint/2010/main" val="3342014549"/>
-      </p:ext>
-    </p:extLst>
   </p:cSld>
   <p:clrMapOvr>
     <a:masterClrMapping/>
@@ -9483,7 +9547,7 @@
           <p:cNvPr id="3" name="TextBox 2">
             <a:extLst>
               <a:ext uri="{FF2B5EF4-FFF2-40B4-BE49-F238E27FC236}">
-                <a16:creationId xmlns:a16="http://schemas.microsoft.com/office/drawing/2014/main" id="{2F52CC27-B6F4-4760-9D8E-7D76DA4E77C4}"/>
+                <a16:creationId xmlns:a16="http://schemas.microsoft.com/office/drawing/2014/main" id="{D355C7C8-3810-3584-948D-FEF88D5721CA}"/>
               </a:ext>
             </a:extLst>
           </p:cNvPr>
@@ -9492,7 +9556,7 @@
         </p:nvSpPr>
         <p:spPr>
           <a:xfrm>
-            <a:off x="263352" y="404664"/>
+            <a:off x="263352" y="296056"/>
             <a:ext cx="6094602" cy="461665"/>
           </a:xfrm>
           <a:prstGeom prst="rect">
@@ -9519,14 +9583,14 @@
               <a:buSzPct val="80000"/>
             </a:pPr>
             <a:r>
-              <a:rPr lang="en-US" sz="2400" dirty="0">
+              <a:rPr lang="en-US" sz="2400" b="1" dirty="0">
                 <a:solidFill>
                   <a:srgbClr val="FF0000"/>
                 </a:solidFill>
                 <a:latin typeface="Trebuchet MS"/>
                 <a:sym typeface="Trebuchet MS"/>
               </a:rPr>
-              <a:t>Is there a need for changing the approach?</a:t>
+              <a:t>Basic Approach and results obtained</a:t>
             </a:r>
           </a:p>
         </p:txBody>
@@ -9536,7 +9600,7 @@
           <p:cNvPr id="4" name="Google Shape;52;p7">
             <a:extLst>
               <a:ext uri="{FF2B5EF4-FFF2-40B4-BE49-F238E27FC236}">
-                <a16:creationId xmlns:a16="http://schemas.microsoft.com/office/drawing/2014/main" id="{DEF2DCE1-C1A9-2E75-FD1F-AEDAEDB27633}"/>
+                <a16:creationId xmlns:a16="http://schemas.microsoft.com/office/drawing/2014/main" id="{E25B4D51-193C-D3A3-0A92-A3DE2E6FE399}"/>
               </a:ext>
             </a:extLst>
           </p:cNvPr>
@@ -9545,7 +9609,7 @@
         </p:nvSpPr>
         <p:spPr>
           <a:xfrm>
-            <a:off x="335360" y="848029"/>
+            <a:off x="335360" y="757721"/>
             <a:ext cx="7620000" cy="36600"/>
           </a:xfrm>
           <a:prstGeom prst="rect">
@@ -9590,397 +9654,148 @@
       </p:sp>
       <p:sp>
         <p:nvSpPr>
-          <p:cNvPr id="8" name="Rectangle 2">
+          <p:cNvPr id="6" name="TextBox 5">
             <a:extLst>
               <a:ext uri="{FF2B5EF4-FFF2-40B4-BE49-F238E27FC236}">
-                <a16:creationId xmlns:a16="http://schemas.microsoft.com/office/drawing/2014/main" id="{382AC363-46A4-CFD0-00F7-A0507E71B711}"/>
+                <a16:creationId xmlns:a16="http://schemas.microsoft.com/office/drawing/2014/main" id="{527E76B2-5F2E-BF41-7277-B272D39A59A1}"/>
               </a:ext>
             </a:extLst>
           </p:cNvPr>
-          <p:cNvSpPr>
-            <a:spLocks noChangeArrowheads="1"/>
-          </p:cNvSpPr>
+          <p:cNvSpPr txBox="1"/>
           <p:nvPr/>
         </p:nvSpPr>
-        <p:spPr bwMode="auto">
+        <p:spPr>
           <a:xfrm>
-            <a:off x="3468" y="2089879"/>
-            <a:ext cx="12185064" cy="3139321"/>
+            <a:off x="7604" y="1412776"/>
+            <a:ext cx="12192000" cy="5539978"/>
           </a:xfrm>
           <a:prstGeom prst="rect">
             <a:avLst/>
           </a:prstGeom>
           <a:noFill/>
-          <a:ln>
-            <a:noFill/>
-          </a:ln>
-          <a:effectLst/>
-          <a:extLst>
-            <a:ext uri="{909E8E84-426E-40DD-AFC4-6F175D3DCCD1}">
-              <a14:hiddenFill xmlns:a14="http://schemas.microsoft.com/office/drawing/2010/main">
-                <a:solidFill>
-                  <a:schemeClr val="accent1"/>
-                </a:solidFill>
-              </a14:hiddenFill>
-            </a:ext>
-            <a:ext uri="{91240B29-F687-4F45-9708-019B960494DF}">
-              <a14:hiddenLine xmlns:a14="http://schemas.microsoft.com/office/drawing/2010/main" w="9525">
-                <a:solidFill>
-                  <a:schemeClr val="tx1"/>
-                </a:solidFill>
-                <a:miter lim="800000"/>
-                <a:headEnd/>
-                <a:tailEnd/>
-              </a14:hiddenLine>
-            </a:ext>
-            <a:ext uri="{AF507438-7753-43E0-B8FC-AC1667EBCBE1}">
-              <a14:hiddenEffects xmlns:a14="http://schemas.microsoft.com/office/drawing/2010/main">
-                <a:effectLst>
-                  <a:outerShdw dist="35921" dir="2700000" algn="ctr" rotWithShape="0">
-                    <a:schemeClr val="bg2"/>
-                  </a:outerShdw>
-                </a:effectLst>
-              </a14:hiddenEffects>
-            </a:ext>
-          </a:extLst>
         </p:spPr>
         <p:txBody>
-          <a:bodyPr vert="horz" wrap="square" lIns="91440" tIns="45720" rIns="91440" bIns="45720" numCol="1" anchor="ctr" anchorCtr="0" compatLnSpc="1">
-            <a:prstTxWarp prst="textNoShape">
-              <a:avLst/>
-            </a:prstTxWarp>
+          <a:bodyPr wrap="square">
             <a:spAutoFit/>
           </a:bodyPr>
           <a:lstStyle/>
           <a:p>
-            <a:pPr marL="0" marR="0" lvl="0" indent="0" algn="l" defTabSz="914400" rtl="0" eaLnBrk="0" fontAlgn="base" latinLnBrk="0" hangingPunct="0">
-              <a:lnSpc>
-                <a:spcPct val="100000"/>
-              </a:lnSpc>
-              <a:spcBef>
-                <a:spcPct val="0"/>
-              </a:spcBef>
-              <a:spcAft>
-                <a:spcPct val="0"/>
-              </a:spcAft>
-              <a:buClrTx/>
-              <a:buSzTx/>
-              <a:tabLst/>
-            </a:pPr>
-            <a:r>
-              <a:rPr kumimoji="0" lang="en-US" altLang="en-US" sz="1800" b="1" i="0" u="none" strike="noStrike" cap="none" normalizeH="0" baseline="0" dirty="0">
-                <a:ln>
-                  <a:noFill/>
-                </a:ln>
-                <a:solidFill>
-                  <a:schemeClr val="tx1"/>
-                </a:solidFill>
-                <a:effectLst/>
-                <a:latin typeface="Arial" panose="020B0604020202020204" pitchFamily="34" charset="0"/>
+            <a:pPr marL="285750" indent="-285750">
+              <a:buFont typeface="Wingdings" panose="05000000000000000000" pitchFamily="2" charset="2"/>
+              <a:buChar char="Ø"/>
+            </a:pPr>
+            <a:r>
+              <a:rPr lang="en-US" sz="2400" b="1" dirty="0">
+                <a:solidFill>
+                  <a:srgbClr val="FF0000"/>
+                </a:solidFill>
               </a:rPr>
-              <a:t>1.  Resource Intensity:</a:t>
-            </a:r>
-            <a:r>
-              <a:rPr kumimoji="0" lang="en-US" altLang="en-US" sz="1800" b="0" i="0" u="none" strike="noStrike" cap="none" normalizeH="0" baseline="0" dirty="0">
-                <a:ln>
-                  <a:noFill/>
-                </a:ln>
-                <a:solidFill>
-                  <a:schemeClr val="tx1"/>
-                </a:solidFill>
-                <a:effectLst/>
-                <a:latin typeface="Arial" panose="020B0604020202020204" pitchFamily="34" charset="0"/>
-              </a:rPr>
-              <a:t> </a:t>
-            </a:r>
-          </a:p>
-          <a:p>
-            <a:pPr marL="285750" marR="0" lvl="0" indent="-285750" algn="l" defTabSz="914400" rtl="0" eaLnBrk="0" fontAlgn="base" latinLnBrk="0" hangingPunct="0">
-              <a:lnSpc>
-                <a:spcPct val="100000"/>
-              </a:lnSpc>
-              <a:spcBef>
-                <a:spcPct val="0"/>
-              </a:spcBef>
-              <a:spcAft>
-                <a:spcPct val="0"/>
-              </a:spcAft>
-              <a:buClrTx/>
-              <a:buSzTx/>
-              <a:buFontTx/>
-              <a:buChar char="-"/>
-              <a:tabLst/>
-            </a:pPr>
-            <a:r>
-              <a:rPr kumimoji="0" lang="en-US" altLang="en-US" sz="1800" b="0" i="0" u="none" strike="noStrike" cap="none" normalizeH="0" baseline="0" dirty="0">
-                <a:ln>
-                  <a:noFill/>
-                </a:ln>
-                <a:solidFill>
-                  <a:schemeClr val="tx1"/>
-                </a:solidFill>
-                <a:effectLst/>
-                <a:latin typeface="Arial" panose="020B0604020202020204" pitchFamily="34" charset="0"/>
-              </a:rPr>
-              <a:t>Discuss the computational demands of GAN and </a:t>
-            </a:r>
-            <a:r>
-              <a:rPr kumimoji="0" lang="en-US" altLang="en-US" sz="1800" b="0" i="0" u="none" strike="noStrike" cap="none" normalizeH="0" baseline="0" dirty="0" err="1">
-                <a:ln>
-                  <a:noFill/>
-                </a:ln>
-                <a:solidFill>
-                  <a:schemeClr val="tx1"/>
-                </a:solidFill>
-                <a:effectLst/>
-                <a:latin typeface="Arial" panose="020B0604020202020204" pitchFamily="34" charset="0"/>
-              </a:rPr>
+              <a:t>Basic Approach:</a:t>
+            </a:r>
+          </a:p>
+          <a:p>
+            <a:endParaRPr lang="en-US" sz="2400" b="1" dirty="0"/>
+          </a:p>
+          <a:p>
+            <a:r>
+              <a:rPr lang="en-US" sz="2400" b="1" dirty="0"/>
+              <a:t>Detection:</a:t>
+            </a:r>
+            <a:endParaRPr lang="en-US" sz="2400" dirty="0"/>
+          </a:p>
+          <a:p>
+            <a:pPr marL="742950" lvl="1" indent="-285750">
+              <a:buFont typeface="Arial" panose="020B0604020202020204" pitchFamily="34" charset="0"/>
+              <a:buChar char="•"/>
+            </a:pPr>
+            <a:r>
+              <a:rPr lang="en-US" sz="2400" b="1" dirty="0"/>
+              <a:t>AI Models:</a:t>
+            </a:r>
+            <a:r>
+              <a:rPr lang="en-US" sz="2400" dirty="0"/>
+              <a:t> Use Generative Adversarial Networks (GANs) and Convolutional LSTM (</a:t>
+            </a:r>
+            <a:r>
+              <a:rPr lang="en-US" sz="2400" dirty="0" err="1"/>
               <a:t>ConvLSTM</a:t>
             </a:r>
             <a:r>
-              <a:rPr kumimoji="0" lang="en-US" altLang="en-US" sz="1800" b="0" i="0" u="none" strike="noStrike" cap="none" normalizeH="0" baseline="0" dirty="0">
-                <a:ln>
-                  <a:noFill/>
-                </a:ln>
-                <a:solidFill>
-                  <a:schemeClr val="tx1"/>
-                </a:solidFill>
-                <a:effectLst/>
-                <a:latin typeface="Arial" panose="020B0604020202020204" pitchFamily="34" charset="0"/>
-              </a:rPr>
-              <a:t> models, and whether they are manageable with your current hardware.</a:t>
-            </a:r>
-          </a:p>
-          <a:p>
-            <a:pPr marR="0" lvl="0" algn="l" defTabSz="914400" rtl="0" eaLnBrk="0" fontAlgn="base" latinLnBrk="0" hangingPunct="0">
-              <a:lnSpc>
-                <a:spcPct val="100000"/>
-              </a:lnSpc>
-              <a:spcBef>
-                <a:spcPct val="0"/>
-              </a:spcBef>
-              <a:spcAft>
-                <a:spcPct val="0"/>
-              </a:spcAft>
-              <a:buClrTx/>
-              <a:buSzTx/>
-              <a:tabLst/>
-            </a:pPr>
-            <a:endParaRPr kumimoji="0" lang="en-US" altLang="en-US" sz="1800" b="0" i="0" u="none" strike="noStrike" cap="none" normalizeH="0" baseline="0" dirty="0">
-              <a:ln>
-                <a:noFill/>
-              </a:ln>
-              <a:solidFill>
-                <a:schemeClr val="tx1"/>
-              </a:solidFill>
-              <a:effectLst/>
-              <a:latin typeface="Arial" panose="020B0604020202020204" pitchFamily="34" charset="0"/>
-            </a:endParaRPr>
-          </a:p>
-          <a:p>
-            <a:pPr marL="0" marR="0" lvl="0" indent="0" algn="l" defTabSz="914400" rtl="0" eaLnBrk="0" fontAlgn="base" latinLnBrk="0" hangingPunct="0">
-              <a:lnSpc>
-                <a:spcPct val="100000"/>
-              </a:lnSpc>
-              <a:spcBef>
-                <a:spcPct val="0"/>
-              </a:spcBef>
-              <a:spcAft>
-                <a:spcPct val="0"/>
-              </a:spcAft>
-              <a:buClrTx/>
-              <a:buSzTx/>
-              <a:tabLst/>
-            </a:pPr>
-            <a:r>
-              <a:rPr kumimoji="0" lang="en-US" altLang="en-US" sz="1800" b="1" i="0" u="none" strike="noStrike" cap="none" normalizeH="0" baseline="0" dirty="0">
-                <a:ln>
-                  <a:noFill/>
-                </a:ln>
-                <a:solidFill>
-                  <a:schemeClr val="tx1"/>
-                </a:solidFill>
-                <a:effectLst/>
-                <a:latin typeface="Arial" panose="020B0604020202020204" pitchFamily="34" charset="0"/>
-              </a:rPr>
-              <a:t>2.  Scalability Concerns:</a:t>
-            </a:r>
-            <a:r>
-              <a:rPr kumimoji="0" lang="en-US" altLang="en-US" sz="1800" b="0" i="0" u="none" strike="noStrike" cap="none" normalizeH="0" baseline="0" dirty="0">
-                <a:ln>
-                  <a:noFill/>
-                </a:ln>
-                <a:solidFill>
-                  <a:schemeClr val="tx1"/>
-                </a:solidFill>
-                <a:effectLst/>
-                <a:latin typeface="Arial" panose="020B0604020202020204" pitchFamily="34" charset="0"/>
-              </a:rPr>
-              <a:t> </a:t>
-            </a:r>
-          </a:p>
-          <a:p>
-            <a:pPr marL="285750" marR="0" lvl="0" indent="-285750" algn="l" defTabSz="914400" rtl="0" eaLnBrk="0" fontAlgn="base" latinLnBrk="0" hangingPunct="0">
-              <a:lnSpc>
-                <a:spcPct val="100000"/>
-              </a:lnSpc>
-              <a:spcBef>
-                <a:spcPct val="0"/>
-              </a:spcBef>
-              <a:spcAft>
-                <a:spcPct val="0"/>
-              </a:spcAft>
-              <a:buClrTx/>
-              <a:buSzTx/>
-              <a:buFontTx/>
-              <a:buChar char="-"/>
-              <a:tabLst/>
-            </a:pPr>
-            <a:r>
-              <a:rPr kumimoji="0" lang="en-US" altLang="en-US" sz="1800" b="0" i="0" u="none" strike="noStrike" cap="none" normalizeH="0" baseline="0" dirty="0">
-                <a:ln>
-                  <a:noFill/>
-                </a:ln>
-                <a:solidFill>
-                  <a:schemeClr val="tx1"/>
-                </a:solidFill>
-                <a:effectLst/>
-                <a:latin typeface="Arial" panose="020B0604020202020204" pitchFamily="34" charset="0"/>
-              </a:rPr>
-              <a:t>Evaluate if the current approach can scale to larger systems with multiple cameras without significant performance degradation.</a:t>
-            </a:r>
-          </a:p>
-          <a:p>
-            <a:pPr marR="0" lvl="0" algn="l" defTabSz="914400" rtl="0" eaLnBrk="0" fontAlgn="base" latinLnBrk="0" hangingPunct="0">
-              <a:lnSpc>
-                <a:spcPct val="100000"/>
-              </a:lnSpc>
-              <a:spcBef>
-                <a:spcPct val="0"/>
-              </a:spcBef>
-              <a:spcAft>
-                <a:spcPct val="0"/>
-              </a:spcAft>
-              <a:buClrTx/>
-              <a:buSzTx/>
-              <a:tabLst/>
-            </a:pPr>
-            <a:endParaRPr kumimoji="0" lang="en-US" altLang="en-US" sz="1800" b="0" i="0" u="none" strike="noStrike" cap="none" normalizeH="0" baseline="0" dirty="0">
-              <a:ln>
-                <a:noFill/>
-              </a:ln>
-              <a:solidFill>
-                <a:schemeClr val="tx1"/>
-              </a:solidFill>
-              <a:effectLst/>
-              <a:latin typeface="Arial" panose="020B0604020202020204" pitchFamily="34" charset="0"/>
-            </a:endParaRPr>
-          </a:p>
-          <a:p>
-            <a:pPr marL="0" marR="0" lvl="0" indent="0" algn="l" defTabSz="914400" rtl="0" eaLnBrk="0" fontAlgn="base" latinLnBrk="0" hangingPunct="0">
-              <a:lnSpc>
-                <a:spcPct val="100000"/>
-              </a:lnSpc>
-              <a:spcBef>
-                <a:spcPct val="0"/>
-              </a:spcBef>
-              <a:spcAft>
-                <a:spcPct val="0"/>
-              </a:spcAft>
-              <a:buClrTx/>
-              <a:buSzTx/>
-              <a:tabLst/>
-            </a:pPr>
-            <a:r>
-              <a:rPr kumimoji="0" lang="en-US" altLang="en-US" sz="1800" b="1" i="0" u="none" strike="noStrike" cap="none" normalizeH="0" baseline="0" dirty="0">
-                <a:ln>
-                  <a:noFill/>
-                </a:ln>
-                <a:solidFill>
-                  <a:schemeClr val="tx1"/>
-                </a:solidFill>
-                <a:effectLst/>
-                <a:latin typeface="Arial" panose="020B0604020202020204" pitchFamily="34" charset="0"/>
-              </a:rPr>
-              <a:t>3.  False Positives/Negatives:</a:t>
-            </a:r>
-            <a:r>
-              <a:rPr kumimoji="0" lang="en-US" altLang="en-US" sz="1800" b="0" i="0" u="none" strike="noStrike" cap="none" normalizeH="0" baseline="0" dirty="0">
-                <a:ln>
-                  <a:noFill/>
-                </a:ln>
-                <a:solidFill>
-                  <a:schemeClr val="tx1"/>
-                </a:solidFill>
-                <a:effectLst/>
-                <a:latin typeface="Arial" panose="020B0604020202020204" pitchFamily="34" charset="0"/>
-              </a:rPr>
-              <a:t> </a:t>
-            </a:r>
-          </a:p>
-          <a:p>
-            <a:pPr marL="285750" marR="0" lvl="0" indent="-285750" algn="l" defTabSz="914400" rtl="0" eaLnBrk="0" fontAlgn="base" latinLnBrk="0" hangingPunct="0">
-              <a:lnSpc>
-                <a:spcPct val="100000"/>
-              </a:lnSpc>
-              <a:spcBef>
-                <a:spcPct val="0"/>
-              </a:spcBef>
-              <a:spcAft>
-                <a:spcPct val="0"/>
-              </a:spcAft>
-              <a:buClrTx/>
-              <a:buSzTx/>
-              <a:buFontTx/>
-              <a:buChar char="-"/>
-              <a:tabLst/>
-            </a:pPr>
-            <a:r>
-              <a:rPr kumimoji="0" lang="en-US" altLang="en-US" sz="1800" b="0" i="0" u="none" strike="noStrike" cap="none" normalizeH="0" baseline="0" dirty="0">
-                <a:ln>
-                  <a:noFill/>
-                </a:ln>
-                <a:solidFill>
-                  <a:schemeClr val="tx1"/>
-                </a:solidFill>
-                <a:effectLst/>
-                <a:latin typeface="Arial" panose="020B0604020202020204" pitchFamily="34" charset="0"/>
-              </a:rPr>
-              <a:t>Address any observed issues with false detections and their impact on system reliability.</a:t>
-            </a:r>
-          </a:p>
-          <a:p>
-            <a:pPr marR="0" lvl="0" algn="l" defTabSz="914400" rtl="0" eaLnBrk="0" fontAlgn="base" latinLnBrk="0" hangingPunct="0">
-              <a:lnSpc>
-                <a:spcPct val="100000"/>
-              </a:lnSpc>
-              <a:spcBef>
-                <a:spcPct val="0"/>
-              </a:spcBef>
-              <a:spcAft>
-                <a:spcPct val="0"/>
-              </a:spcAft>
-              <a:buClrTx/>
-              <a:buSzTx/>
-              <a:tabLst/>
-            </a:pPr>
-            <a:endParaRPr kumimoji="0" lang="en-US" altLang="en-US" sz="1800" b="0" i="0" u="none" strike="noStrike" cap="none" normalizeH="0" baseline="0" dirty="0">
-              <a:ln>
-                <a:noFill/>
-              </a:ln>
-              <a:solidFill>
-                <a:schemeClr val="tx1"/>
-              </a:solidFill>
-              <a:effectLst/>
-              <a:latin typeface="Arial" panose="020B0604020202020204" pitchFamily="34" charset="0"/>
-            </a:endParaRPr>
+              <a:rPr lang="en-US" sz="2400" dirty="0"/>
+              <a:t>) for real-time detection of replay attacks.</a:t>
+            </a:r>
+          </a:p>
+          <a:p>
+            <a:pPr marL="742950" lvl="1" indent="-285750">
+              <a:buFont typeface="Arial" panose="020B0604020202020204" pitchFamily="34" charset="0"/>
+              <a:buChar char="•"/>
+            </a:pPr>
+            <a:r>
+              <a:rPr lang="en-US" sz="2400" b="1" dirty="0"/>
+              <a:t>Process:</a:t>
+            </a:r>
+            <a:r>
+              <a:rPr lang="en-US" sz="2400" dirty="0"/>
+              <a:t> Analyze video feeds frame-by-frame to identify discrepancies and anomalies indicative of replay attacks.</a:t>
+            </a:r>
+          </a:p>
+          <a:p>
+            <a:pPr lvl="1"/>
+            <a:endParaRPr lang="en-US" sz="2400" dirty="0"/>
+          </a:p>
+          <a:p>
+            <a:pPr>
+              <a:buFont typeface="Arial" panose="020B0604020202020204" pitchFamily="34" charset="0"/>
+              <a:buChar char="•"/>
+            </a:pPr>
+            <a:r>
+              <a:rPr lang="en-US" sz="2400" b="1" dirty="0"/>
+              <a:t>Protection:</a:t>
+            </a:r>
+            <a:endParaRPr lang="en-US" sz="2400" dirty="0"/>
+          </a:p>
+          <a:p>
+            <a:pPr marL="742950" lvl="1" indent="-285750">
+              <a:buFont typeface="Arial" panose="020B0604020202020204" pitchFamily="34" charset="0"/>
+              <a:buChar char="•"/>
+            </a:pPr>
+            <a:r>
+              <a:rPr lang="en-US" sz="2400" b="1" dirty="0"/>
+              <a:t>Blockchain:</a:t>
+            </a:r>
+            <a:r>
+              <a:rPr lang="en-US" sz="2400" dirty="0"/>
+              <a:t> Implement blockchain to hash each video frame and store these hashes immutably, ensuring the integrity of the footage.</a:t>
+            </a:r>
+          </a:p>
+          <a:p>
+            <a:pPr marL="742950" lvl="1" indent="-285750">
+              <a:buFont typeface="Arial" panose="020B0604020202020204" pitchFamily="34" charset="0"/>
+              <a:buChar char="•"/>
+            </a:pPr>
+            <a:r>
+              <a:rPr lang="en-US" sz="2400" b="1" dirty="0"/>
+              <a:t>Encryption:</a:t>
+            </a:r>
+            <a:r>
+              <a:rPr lang="en-US" sz="2400" dirty="0"/>
+              <a:t> Securely encrypt the hashes before storing them on the blockchain to prevent tampering.</a:t>
+            </a:r>
+          </a:p>
+          <a:p>
+            <a:pPr lvl="1"/>
+            <a:endParaRPr lang="en-US" sz="2400" dirty="0"/>
+          </a:p>
+          <a:p>
+            <a:pPr lvl="1"/>
+            <a:endParaRPr lang="en-US" dirty="0"/>
           </a:p>
         </p:txBody>
       </p:sp>
     </p:spTree>
     <p:extLst>
       <p:ext uri="{BB962C8B-B14F-4D97-AF65-F5344CB8AC3E}">
-        <p14:creationId xmlns:p14="http://schemas.microsoft.com/office/powerpoint/2010/main" val="412748358"/>
+        <p14:creationId xmlns:p14="http://schemas.microsoft.com/office/powerpoint/2010/main" val="2627681569"/>
       </p:ext>
     </p:extLst>
   </p:cSld>
@@ -10012,7 +9827,7 @@
           <p:cNvPr id="3" name="TextBox 2">
             <a:extLst>
               <a:ext uri="{FF2B5EF4-FFF2-40B4-BE49-F238E27FC236}">
-                <a16:creationId xmlns:a16="http://schemas.microsoft.com/office/drawing/2014/main" id="{B264C77E-D2C2-149E-4BB1-B25D1A181089}"/>
+                <a16:creationId xmlns:a16="http://schemas.microsoft.com/office/drawing/2014/main" id="{54109C07-E6A7-B550-AC84-AE0C51D10605}"/>
               </a:ext>
             </a:extLst>
           </p:cNvPr>
@@ -10021,8 +9836,8 @@
         </p:nvSpPr>
         <p:spPr>
           <a:xfrm>
-            <a:off x="191344" y="432094"/>
-            <a:ext cx="7272808" cy="461665"/>
+            <a:off x="119336" y="1340768"/>
+            <a:ext cx="12192000" cy="4524315"/>
           </a:xfrm>
           <a:prstGeom prst="rect">
             <a:avLst/>
@@ -10035,277 +9850,84 @@
           </a:bodyPr>
           <a:lstStyle/>
           <a:p>
-            <a:pPr algn="just">
-              <a:spcBef>
-                <a:spcPts val="480"/>
-              </a:spcBef>
-              <a:spcAft>
-                <a:spcPts val="0"/>
-              </a:spcAft>
-              <a:buClr>
-                <a:srgbClr val="FF0000"/>
-              </a:buClr>
-              <a:buSzPct val="80000"/>
-            </a:pPr>
-            <a:r>
-              <a:rPr lang="en-US" sz="2400" dirty="0">
+            <a:pPr marL="285750" indent="-285750">
+              <a:buFont typeface="Wingdings" panose="05000000000000000000" pitchFamily="2" charset="2"/>
+              <a:buChar char="Ø"/>
+            </a:pPr>
+            <a:r>
+              <a:rPr lang="en-US" sz="2400" b="1" dirty="0">
                 <a:solidFill>
                   <a:srgbClr val="FF0000"/>
                 </a:solidFill>
-                <a:latin typeface="Trebuchet MS"/>
-                <a:sym typeface="Trebuchet MS"/>
               </a:rPr>
-              <a:t>Details of the new approach - benefits/drawbacks</a:t>
-            </a:r>
-          </a:p>
-        </p:txBody>
-      </p:sp>
-      <p:sp>
-        <p:nvSpPr>
-          <p:cNvPr id="4" name="Google Shape;52;p7">
-            <a:extLst>
-              <a:ext uri="{FF2B5EF4-FFF2-40B4-BE49-F238E27FC236}">
-                <a16:creationId xmlns:a16="http://schemas.microsoft.com/office/drawing/2014/main" id="{715FB4A6-AF4F-6C56-72CC-830794DCA46B}"/>
-              </a:ext>
-            </a:extLst>
-          </p:cNvPr>
-          <p:cNvSpPr/>
-          <p:nvPr/>
-        </p:nvSpPr>
-        <p:spPr>
-          <a:xfrm>
-            <a:off x="263352" y="860944"/>
-            <a:ext cx="7620000" cy="36600"/>
-          </a:xfrm>
-          <a:prstGeom prst="rect">
-            <a:avLst/>
-          </a:prstGeom>
-          <a:solidFill>
-            <a:srgbClr val="33CCCC"/>
-          </a:solidFill>
-          <a:ln>
-            <a:noFill/>
-          </a:ln>
-        </p:spPr>
-        <p:txBody>
-          <a:bodyPr spcFirstLastPara="1" wrap="square" lIns="91425" tIns="45700" rIns="91425" bIns="45700" anchor="ctr" anchorCtr="0">
-            <a:noAutofit/>
-          </a:bodyPr>
-          <a:lstStyle/>
+              <a:t>Results Obtained:</a:t>
+            </a:r>
+          </a:p>
+          <a:p>
+            <a:endParaRPr lang="en-US" sz="2400" b="1" dirty="0"/>
+          </a:p>
           <a:p>
             <a:pPr>
-              <a:spcBef>
-                <a:spcPts val="0"/>
-              </a:spcBef>
-              <a:spcAft>
-                <a:spcPts val="0"/>
-              </a:spcAft>
-              <a:buClr>
-                <a:srgbClr val="000000"/>
-              </a:buClr>
-              <a:buSzPts val="1800"/>
-            </a:pPr>
-            <a:endParaRPr>
-              <a:solidFill>
-                <a:schemeClr val="dk1"/>
-              </a:solidFill>
-              <a:latin typeface="Arial"/>
-              <a:ea typeface="Arial"/>
-              <a:cs typeface="Arial"/>
-              <a:sym typeface="Arial"/>
-            </a:endParaRPr>
-          </a:p>
-        </p:txBody>
-      </p:sp>
-      <p:sp>
-        <p:nvSpPr>
-          <p:cNvPr id="6" name="TextBox 5">
-            <a:extLst>
-              <a:ext uri="{FF2B5EF4-FFF2-40B4-BE49-F238E27FC236}">
-                <a16:creationId xmlns:a16="http://schemas.microsoft.com/office/drawing/2014/main" id="{4E8DC6AF-7A5B-602A-60A9-5AEE70CD09D0}"/>
-              </a:ext>
-            </a:extLst>
-          </p:cNvPr>
-          <p:cNvSpPr txBox="1"/>
-          <p:nvPr/>
-        </p:nvSpPr>
-        <p:spPr>
-          <a:xfrm>
-            <a:off x="0" y="893759"/>
-            <a:ext cx="12192000" cy="6463308"/>
-          </a:xfrm>
-          <a:prstGeom prst="rect">
-            <a:avLst/>
-          </a:prstGeom>
-          <a:noFill/>
-        </p:spPr>
-        <p:txBody>
-          <a:bodyPr wrap="square">
-            <a:spAutoFit/>
-          </a:bodyPr>
-          <a:lstStyle/>
-          <a:p>
-            <a:pPr marL="342900" indent="-342900">
-              <a:buAutoNum type="arabicPeriod"/>
-            </a:pPr>
-            <a:r>
-              <a:rPr lang="en-IN" b="1" u="sng" dirty="0"/>
-              <a:t>Hybrid Anomaly Detection System:   </a:t>
-            </a:r>
-          </a:p>
-          <a:p>
-            <a:pPr marL="285750" indent="-285750">
-              <a:buFontTx/>
-              <a:buChar char="-"/>
-            </a:pPr>
-            <a:r>
-              <a:rPr lang="en-IN" dirty="0"/>
-              <a:t>Combine HTM for temporal anomaly detection with spatial analysis techniques (e.g., deep learning models for object detection).   </a:t>
-            </a:r>
-          </a:p>
-          <a:p>
-            <a:endParaRPr lang="en-IN" dirty="0"/>
-          </a:p>
-          <a:p>
-            <a:pPr marL="285750" indent="-285750">
-              <a:buFontTx/>
-              <a:buChar char="-"/>
-            </a:pPr>
-            <a:r>
-              <a:rPr lang="en-IN" b="1" u="sng" dirty="0"/>
-              <a:t>Benefits:     </a:t>
-            </a:r>
-          </a:p>
-          <a:p>
-            <a:r>
-              <a:rPr lang="en-IN" dirty="0"/>
-              <a:t>	- Enhanced accuracy by detecting both temporal and spatial anomalies.     - Improved robustness against sophisticated replay attacks.   </a:t>
-            </a:r>
-          </a:p>
-          <a:p>
-            <a:endParaRPr lang="en-IN" dirty="0"/>
-          </a:p>
-          <a:p>
-            <a:pPr marL="285750" indent="-285750">
-              <a:buFontTx/>
-              <a:buChar char="-"/>
-            </a:pPr>
-            <a:r>
-              <a:rPr lang="en-IN" b="1" u="sng" dirty="0"/>
-              <a:t>Drawbacks:</a:t>
-            </a:r>
-            <a:r>
-              <a:rPr lang="en-IN" dirty="0"/>
-              <a:t>     </a:t>
-            </a:r>
-          </a:p>
-          <a:p>
-            <a:pPr marL="742950" lvl="1" indent="-285750">
-              <a:buFontTx/>
-              <a:buChar char="-"/>
-            </a:pPr>
-            <a:r>
-              <a:rPr lang="en-IN" dirty="0"/>
-              <a:t>Increased computational requirements.     </a:t>
-            </a:r>
-          </a:p>
-          <a:p>
-            <a:pPr marL="742950" lvl="1" indent="-285750">
-              <a:buFontTx/>
-              <a:buChar char="-"/>
-            </a:pPr>
-            <a:r>
-              <a:rPr lang="en-IN" dirty="0"/>
-              <a:t>Need for integration between HTM and deep learning frameworks.</a:t>
-            </a:r>
-          </a:p>
-          <a:p>
-            <a:endParaRPr lang="en-IN" dirty="0"/>
-          </a:p>
-          <a:p>
-            <a:pPr marL="342900" indent="-342900">
-              <a:buAutoNum type="arabicPeriod" startAt="2"/>
-            </a:pPr>
-            <a:r>
-              <a:rPr lang="en-IN" b="1" u="sng" dirty="0"/>
-              <a:t>Optimized Blockchain Infrastructure: </a:t>
-            </a:r>
-            <a:r>
-              <a:rPr lang="en-IN" dirty="0"/>
-              <a:t>  </a:t>
-            </a:r>
-          </a:p>
-          <a:p>
-            <a:r>
-              <a:rPr lang="en-IN" dirty="0"/>
-              <a:t>-  Use lightweight consensus mechanisms (e.g., Proof-of-Authority or Proof-of-Stake) to reduce blockchain overhead.  -   Implement batch hashing to process video chunks instead of individual frames.   </a:t>
-            </a:r>
-          </a:p>
-          <a:p>
-            <a:pPr marL="285750" indent="-285750">
-              <a:buFontTx/>
-              <a:buChar char="-"/>
-            </a:pPr>
-            <a:endParaRPr lang="en-IN" dirty="0"/>
-          </a:p>
-          <a:p>
-            <a:pPr marL="285750" indent="-285750">
-              <a:buFontTx/>
-              <a:buChar char="-"/>
-            </a:pPr>
-            <a:r>
-              <a:rPr lang="en-IN" b="1" u="sng" dirty="0"/>
-              <a:t>Benefits:     </a:t>
-            </a:r>
-          </a:p>
-          <a:p>
-            <a:pPr marL="742950" lvl="1" indent="-285750">
-              <a:buFontTx/>
-              <a:buChar char="-"/>
-            </a:pPr>
-            <a:r>
-              <a:rPr lang="en-IN" dirty="0"/>
-              <a:t>Reduced computational and storage requirements.     </a:t>
-            </a:r>
-          </a:p>
-          <a:p>
-            <a:pPr marL="742950" lvl="1" indent="-285750">
-              <a:buFontTx/>
-              <a:buChar char="-"/>
-            </a:pPr>
-            <a:r>
-              <a:rPr lang="en-IN" dirty="0"/>
-              <a:t>Improved scalability for large-scale deployments.   </a:t>
-            </a:r>
-          </a:p>
-          <a:p>
-            <a:endParaRPr lang="en-IN" dirty="0"/>
-          </a:p>
-          <a:p>
-            <a:pPr marL="285750" indent="-285750">
-              <a:buFontTx/>
-              <a:buChar char="-"/>
-            </a:pPr>
-            <a:r>
-              <a:rPr lang="en-IN" b="1" u="sng" dirty="0"/>
-              <a:t>Drawbacks:     </a:t>
-            </a:r>
-          </a:p>
-          <a:p>
-            <a:r>
-              <a:rPr lang="en-IN" dirty="0"/>
-              <a:t>	- Potential trade-off in detection granularity.</a:t>
-            </a:r>
-          </a:p>
-          <a:p>
-            <a:endParaRPr lang="en-IN" dirty="0"/>
+              <a:buFont typeface="Arial" panose="020B0604020202020204" pitchFamily="34" charset="0"/>
+              <a:buChar char="•"/>
+            </a:pPr>
+            <a:r>
+              <a:rPr lang="en-US" sz="2400" b="1" dirty="0"/>
+              <a:t>Detection Accuracy:</a:t>
+            </a:r>
+            <a:r>
+              <a:rPr lang="en-US" sz="2400" dirty="0"/>
+              <a:t> Present metrics showing the effectiveness of GAN and </a:t>
+            </a:r>
+            <a:r>
+              <a:rPr lang="en-US" sz="2400" dirty="0" err="1"/>
+              <a:t>ConvLSTM</a:t>
+            </a:r>
+            <a:r>
+              <a:rPr lang="en-US" sz="2400" dirty="0"/>
+              <a:t> models in detecting replay attacks, including detection rate and false positive/negative rates.</a:t>
+            </a:r>
+          </a:p>
+          <a:p>
+            <a:endParaRPr lang="en-US" sz="2400" dirty="0"/>
+          </a:p>
+          <a:p>
+            <a:pPr>
+              <a:buFont typeface="Arial" panose="020B0604020202020204" pitchFamily="34" charset="0"/>
+              <a:buChar char="•"/>
+            </a:pPr>
+            <a:r>
+              <a:rPr lang="en-US" sz="2400" b="1" dirty="0"/>
+              <a:t>Performance:</a:t>
+            </a:r>
+            <a:r>
+              <a:rPr lang="en-US" sz="2400" dirty="0"/>
+              <a:t> Highlight the efficiency of real-time processing on the edge device (C-type web camera or existing system).</a:t>
+            </a:r>
+          </a:p>
+          <a:p>
+            <a:endParaRPr lang="en-US" sz="2400" dirty="0"/>
+          </a:p>
+          <a:p>
+            <a:pPr>
+              <a:buFont typeface="Arial" panose="020B0604020202020204" pitchFamily="34" charset="0"/>
+              <a:buChar char="•"/>
+            </a:pPr>
+            <a:r>
+              <a:rPr lang="en-US" sz="2400" b="1" dirty="0"/>
+              <a:t>Security:</a:t>
+            </a:r>
+            <a:r>
+              <a:rPr lang="en-US" sz="2400" dirty="0"/>
+              <a:t> Demonstrate the robustness of blockchain in maintaining the integrity and authenticity of video footage, showcasing any successful detection of tampering or replay attacks.</a:t>
+            </a:r>
           </a:p>
         </p:txBody>
       </p:sp>
     </p:spTree>
     <p:extLst>
       <p:ext uri="{BB962C8B-B14F-4D97-AF65-F5344CB8AC3E}">
-        <p14:creationId xmlns:p14="http://schemas.microsoft.com/office/powerpoint/2010/main" val="1272218730"/>
+        <p14:creationId xmlns:p14="http://schemas.microsoft.com/office/powerpoint/2010/main" val="3342014549"/>
       </p:ext>
     </p:extLst>
   </p:cSld>
@@ -10337,7 +9959,7 @@
           <p:cNvPr id="3" name="TextBox 2">
             <a:extLst>
               <a:ext uri="{FF2B5EF4-FFF2-40B4-BE49-F238E27FC236}">
-                <a16:creationId xmlns:a16="http://schemas.microsoft.com/office/drawing/2014/main" id="{22C64203-A07D-B0F0-D79D-56902ED276F3}"/>
+                <a16:creationId xmlns:a16="http://schemas.microsoft.com/office/drawing/2014/main" id="{2F52CC27-B6F4-4760-9D8E-7D76DA4E77C4}"/>
               </a:ext>
             </a:extLst>
           </p:cNvPr>
@@ -10346,8 +9968,8 @@
         </p:nvSpPr>
         <p:spPr>
           <a:xfrm>
-            <a:off x="0" y="1916832"/>
-            <a:ext cx="12192000" cy="2862322"/>
+            <a:off x="263352" y="404664"/>
+            <a:ext cx="7692008" cy="523220"/>
           </a:xfrm>
           <a:prstGeom prst="rect">
             <a:avLst/>
@@ -10360,102 +9982,481 @@
           </a:bodyPr>
           <a:lstStyle/>
           <a:p>
-            <a:r>
-              <a:rPr lang="en-IN" b="1" dirty="0"/>
-              <a:t>3. </a:t>
-            </a:r>
-            <a:r>
-              <a:rPr lang="en-IN" b="1" u="sng" dirty="0"/>
-              <a:t>Edge-Cloud Collaboration:   </a:t>
-            </a:r>
-          </a:p>
-          <a:p>
-            <a:pPr marL="285750" indent="-285750">
+            <a:pPr algn="just">
+              <a:spcBef>
+                <a:spcPts val="480"/>
+              </a:spcBef>
+              <a:spcAft>
+                <a:spcPts val="0"/>
+              </a:spcAft>
+              <a:buClr>
+                <a:srgbClr val="FF0000"/>
+              </a:buClr>
+              <a:buSzPct val="80000"/>
+            </a:pPr>
+            <a:r>
+              <a:rPr lang="en-US" sz="2800" b="1" dirty="0">
+                <a:solidFill>
+                  <a:srgbClr val="FF0000"/>
+                </a:solidFill>
+                <a:latin typeface="Trebuchet MS"/>
+                <a:sym typeface="Trebuchet MS"/>
+              </a:rPr>
+              <a:t>Is there a need for changing the approach?</a:t>
+            </a:r>
+          </a:p>
+        </p:txBody>
+      </p:sp>
+      <p:sp>
+        <p:nvSpPr>
+          <p:cNvPr id="4" name="Google Shape;52;p7">
+            <a:extLst>
+              <a:ext uri="{FF2B5EF4-FFF2-40B4-BE49-F238E27FC236}">
+                <a16:creationId xmlns:a16="http://schemas.microsoft.com/office/drawing/2014/main" id="{DEF2DCE1-C1A9-2E75-FD1F-AEDAEDB27633}"/>
+              </a:ext>
+            </a:extLst>
+          </p:cNvPr>
+          <p:cNvSpPr/>
+          <p:nvPr/>
+        </p:nvSpPr>
+        <p:spPr>
+          <a:xfrm>
+            <a:off x="335360" y="848029"/>
+            <a:ext cx="7620000" cy="36600"/>
+          </a:xfrm>
+          <a:prstGeom prst="rect">
+            <a:avLst/>
+          </a:prstGeom>
+          <a:solidFill>
+            <a:srgbClr val="33CCCC"/>
+          </a:solidFill>
+          <a:ln>
+            <a:noFill/>
+          </a:ln>
+        </p:spPr>
+        <p:txBody>
+          <a:bodyPr spcFirstLastPara="1" wrap="square" lIns="91425" tIns="45700" rIns="91425" bIns="45700" anchor="ctr" anchorCtr="0">
+            <a:noAutofit/>
+          </a:bodyPr>
+          <a:lstStyle/>
+          <a:p>
+            <a:pPr>
+              <a:spcBef>
+                <a:spcPts val="0"/>
+              </a:spcBef>
+              <a:spcAft>
+                <a:spcPts val="0"/>
+              </a:spcAft>
+              <a:buClr>
+                <a:srgbClr val="000000"/>
+              </a:buClr>
+              <a:buSzPts val="1800"/>
+            </a:pPr>
+            <a:endParaRPr>
+              <a:solidFill>
+                <a:schemeClr val="dk1"/>
+              </a:solidFill>
+              <a:latin typeface="Arial"/>
+              <a:ea typeface="Arial"/>
+              <a:cs typeface="Arial"/>
+              <a:sym typeface="Arial"/>
+            </a:endParaRPr>
+          </a:p>
+        </p:txBody>
+      </p:sp>
+      <p:sp>
+        <p:nvSpPr>
+          <p:cNvPr id="8" name="Rectangle 2">
+            <a:extLst>
+              <a:ext uri="{FF2B5EF4-FFF2-40B4-BE49-F238E27FC236}">
+                <a16:creationId xmlns:a16="http://schemas.microsoft.com/office/drawing/2014/main" id="{382AC363-46A4-CFD0-00F7-A0507E71B711}"/>
+              </a:ext>
+            </a:extLst>
+          </p:cNvPr>
+          <p:cNvSpPr>
+            <a:spLocks noChangeArrowheads="1"/>
+          </p:cNvSpPr>
+          <p:nvPr/>
+        </p:nvSpPr>
+        <p:spPr bwMode="auto">
+          <a:xfrm>
+            <a:off x="3468" y="1443549"/>
+            <a:ext cx="12185064" cy="4431983"/>
+          </a:xfrm>
+          <a:prstGeom prst="rect">
+            <a:avLst/>
+          </a:prstGeom>
+          <a:noFill/>
+          <a:ln>
+            <a:noFill/>
+          </a:ln>
+          <a:effectLst/>
+          <a:extLst>
+            <a:ext uri="{909E8E84-426E-40DD-AFC4-6F175D3DCCD1}">
+              <a14:hiddenFill xmlns:a14="http://schemas.microsoft.com/office/drawing/2010/main">
+                <a:solidFill>
+                  <a:schemeClr val="accent1"/>
+                </a:solidFill>
+              </a14:hiddenFill>
+            </a:ext>
+            <a:ext uri="{91240B29-F687-4F45-9708-019B960494DF}">
+              <a14:hiddenLine xmlns:a14="http://schemas.microsoft.com/office/drawing/2010/main" w="9525">
+                <a:solidFill>
+                  <a:schemeClr val="tx1"/>
+                </a:solidFill>
+                <a:miter lim="800000"/>
+                <a:headEnd/>
+                <a:tailEnd/>
+              </a14:hiddenLine>
+            </a:ext>
+            <a:ext uri="{AF507438-7753-43E0-B8FC-AC1667EBCBE1}">
+              <a14:hiddenEffects xmlns:a14="http://schemas.microsoft.com/office/drawing/2010/main">
+                <a:effectLst>
+                  <a:outerShdw dist="35921" dir="2700000" algn="ctr" rotWithShape="0">
+                    <a:schemeClr val="bg2"/>
+                  </a:outerShdw>
+                </a:effectLst>
+              </a14:hiddenEffects>
+            </a:ext>
+          </a:extLst>
+        </p:spPr>
+        <p:txBody>
+          <a:bodyPr vert="horz" wrap="square" lIns="91440" tIns="45720" rIns="91440" bIns="45720" numCol="1" anchor="ctr" anchorCtr="0" compatLnSpc="1">
+            <a:prstTxWarp prst="textNoShape">
+              <a:avLst/>
+            </a:prstTxWarp>
+            <a:spAutoFit/>
+          </a:bodyPr>
+          <a:lstStyle/>
+          <a:p>
+            <a:pPr marL="0" marR="0" lvl="0" indent="0" algn="l" defTabSz="914400" rtl="0" eaLnBrk="0" fontAlgn="base" latinLnBrk="0" hangingPunct="0">
+              <a:lnSpc>
+                <a:spcPct val="100000"/>
+              </a:lnSpc>
+              <a:spcBef>
+                <a:spcPct val="0"/>
+              </a:spcBef>
+              <a:spcAft>
+                <a:spcPct val="0"/>
+              </a:spcAft>
+              <a:buClrTx/>
+              <a:buSzTx/>
+              <a:tabLst/>
+            </a:pPr>
+            <a:r>
+              <a:rPr kumimoji="0" lang="en-US" altLang="en-US" sz="2400" b="1" i="0" u="none" strike="noStrike" cap="none" normalizeH="0" baseline="0" dirty="0">
+                <a:ln>
+                  <a:noFill/>
+                </a:ln>
+                <a:solidFill>
+                  <a:schemeClr val="tx1"/>
+                </a:solidFill>
+                <a:effectLst/>
+                <a:latin typeface="Arial" panose="020B0604020202020204" pitchFamily="34" charset="0"/>
+              </a:rPr>
+              <a:t>1.  Resource Intensity:</a:t>
+            </a:r>
+            <a:r>
+              <a:rPr kumimoji="0" lang="en-US" altLang="en-US" sz="2400" b="0" i="0" u="none" strike="noStrike" cap="none" normalizeH="0" baseline="0" dirty="0">
+                <a:ln>
+                  <a:noFill/>
+                </a:ln>
+                <a:solidFill>
+                  <a:schemeClr val="tx1"/>
+                </a:solidFill>
+                <a:effectLst/>
+                <a:latin typeface="Arial" panose="020B0604020202020204" pitchFamily="34" charset="0"/>
+              </a:rPr>
+              <a:t> </a:t>
+            </a:r>
+          </a:p>
+          <a:p>
+            <a:pPr marL="285750" marR="0" lvl="0" indent="-285750" algn="l" defTabSz="914400" rtl="0" eaLnBrk="0" fontAlgn="base" latinLnBrk="0" hangingPunct="0">
+              <a:lnSpc>
+                <a:spcPct val="100000"/>
+              </a:lnSpc>
+              <a:spcBef>
+                <a:spcPct val="0"/>
+              </a:spcBef>
+              <a:spcAft>
+                <a:spcPct val="0"/>
+              </a:spcAft>
+              <a:buClrTx/>
+              <a:buSzTx/>
               <a:buFontTx/>
               <a:buChar char="-"/>
-            </a:pPr>
-            <a:r>
-              <a:rPr lang="en-IN" dirty="0"/>
-              <a:t>Perform HTM-based anomaly detection at the edge for real-time response.  </a:t>
-            </a:r>
-          </a:p>
-          <a:p>
-            <a:pPr marL="285750" indent="-285750">
+              <a:tabLst/>
+            </a:pPr>
+            <a:r>
+              <a:rPr kumimoji="0" lang="en-US" altLang="en-US" sz="2400" b="0" i="0" u="none" strike="noStrike" cap="none" normalizeH="0" baseline="0" dirty="0">
+                <a:ln>
+                  <a:noFill/>
+                </a:ln>
+                <a:solidFill>
+                  <a:schemeClr val="tx1"/>
+                </a:solidFill>
+                <a:effectLst/>
+                <a:latin typeface="Arial" panose="020B0604020202020204" pitchFamily="34" charset="0"/>
+              </a:rPr>
+              <a:t>Discuss the computational demands of GAN and </a:t>
+            </a:r>
+            <a:r>
+              <a:rPr kumimoji="0" lang="en-US" altLang="en-US" sz="2400" b="0" i="0" u="none" strike="noStrike" cap="none" normalizeH="0" baseline="0" dirty="0" err="1">
+                <a:ln>
+                  <a:noFill/>
+                </a:ln>
+                <a:solidFill>
+                  <a:schemeClr val="tx1"/>
+                </a:solidFill>
+                <a:effectLst/>
+                <a:latin typeface="Arial" panose="020B0604020202020204" pitchFamily="34" charset="0"/>
+              </a:rPr>
+              <a:t>ConvLSTM</a:t>
+            </a:r>
+            <a:r>
+              <a:rPr kumimoji="0" lang="en-US" altLang="en-US" sz="2400" b="0" i="0" u="none" strike="noStrike" cap="none" normalizeH="0" baseline="0" dirty="0">
+                <a:ln>
+                  <a:noFill/>
+                </a:ln>
+                <a:solidFill>
+                  <a:schemeClr val="tx1"/>
+                </a:solidFill>
+                <a:effectLst/>
+                <a:latin typeface="Arial" panose="020B0604020202020204" pitchFamily="34" charset="0"/>
+              </a:rPr>
+              <a:t> models, and whether they are manageable with your current hardware.</a:t>
+            </a:r>
+          </a:p>
+          <a:p>
+            <a:pPr marR="0" lvl="0" algn="l" defTabSz="914400" rtl="0" eaLnBrk="0" fontAlgn="base" latinLnBrk="0" hangingPunct="0">
+              <a:lnSpc>
+                <a:spcPct val="100000"/>
+              </a:lnSpc>
+              <a:spcBef>
+                <a:spcPct val="0"/>
+              </a:spcBef>
+              <a:spcAft>
+                <a:spcPct val="0"/>
+              </a:spcAft>
+              <a:buClrTx/>
+              <a:buSzTx/>
+              <a:tabLst/>
+            </a:pPr>
+            <a:endParaRPr kumimoji="0" lang="en-US" altLang="en-US" sz="2400" b="0" i="0" u="none" strike="noStrike" cap="none" normalizeH="0" baseline="0" dirty="0">
+              <a:ln>
+                <a:noFill/>
+              </a:ln>
+              <a:solidFill>
+                <a:schemeClr val="tx1"/>
+              </a:solidFill>
+              <a:effectLst/>
+              <a:latin typeface="Arial" panose="020B0604020202020204" pitchFamily="34" charset="0"/>
+            </a:endParaRPr>
+          </a:p>
+          <a:p>
+            <a:pPr marL="0" marR="0" lvl="0" indent="0" algn="l" defTabSz="914400" rtl="0" eaLnBrk="0" fontAlgn="base" latinLnBrk="0" hangingPunct="0">
+              <a:lnSpc>
+                <a:spcPct val="100000"/>
+              </a:lnSpc>
+              <a:spcBef>
+                <a:spcPct val="0"/>
+              </a:spcBef>
+              <a:spcAft>
+                <a:spcPct val="0"/>
+              </a:spcAft>
+              <a:buClrTx/>
+              <a:buSzTx/>
+              <a:tabLst/>
+            </a:pPr>
+            <a:r>
+              <a:rPr kumimoji="0" lang="en-US" altLang="en-US" sz="2400" b="1" i="0" u="none" strike="noStrike" cap="none" normalizeH="0" baseline="0" dirty="0">
+                <a:ln>
+                  <a:noFill/>
+                </a:ln>
+                <a:solidFill>
+                  <a:schemeClr val="tx1"/>
+                </a:solidFill>
+                <a:effectLst/>
+                <a:latin typeface="Arial" panose="020B0604020202020204" pitchFamily="34" charset="0"/>
+              </a:rPr>
+              <a:t>2.  Scalability Concerns:</a:t>
+            </a:r>
+            <a:r>
+              <a:rPr kumimoji="0" lang="en-US" altLang="en-US" sz="2400" b="0" i="0" u="none" strike="noStrike" cap="none" normalizeH="0" baseline="0" dirty="0">
+                <a:ln>
+                  <a:noFill/>
+                </a:ln>
+                <a:solidFill>
+                  <a:schemeClr val="tx1"/>
+                </a:solidFill>
+                <a:effectLst/>
+                <a:latin typeface="Arial" panose="020B0604020202020204" pitchFamily="34" charset="0"/>
+              </a:rPr>
+              <a:t> </a:t>
+            </a:r>
+          </a:p>
+          <a:p>
+            <a:pPr marL="285750" marR="0" lvl="0" indent="-285750" algn="l" defTabSz="914400" rtl="0" eaLnBrk="0" fontAlgn="base" latinLnBrk="0" hangingPunct="0">
+              <a:lnSpc>
+                <a:spcPct val="100000"/>
+              </a:lnSpc>
+              <a:spcBef>
+                <a:spcPct val="0"/>
+              </a:spcBef>
+              <a:spcAft>
+                <a:spcPct val="0"/>
+              </a:spcAft>
+              <a:buClrTx/>
+              <a:buSzTx/>
               <a:buFontTx/>
               <a:buChar char="-"/>
-            </a:pPr>
-            <a:r>
-              <a:rPr lang="en-IN" dirty="0"/>
-              <a:t>Offload blockchain logging and deep learning-based spatial analysis to the cloud.   </a:t>
-            </a:r>
-          </a:p>
-          <a:p>
-            <a:pPr marL="285750" indent="-285750">
+              <a:tabLst/>
+            </a:pPr>
+            <a:r>
+              <a:rPr kumimoji="0" lang="en-US" altLang="en-US" sz="2400" b="0" i="0" u="none" strike="noStrike" cap="none" normalizeH="0" baseline="0" dirty="0">
+                <a:ln>
+                  <a:noFill/>
+                </a:ln>
+                <a:solidFill>
+                  <a:schemeClr val="tx1"/>
+                </a:solidFill>
+                <a:effectLst/>
+                <a:latin typeface="Arial" panose="020B0604020202020204" pitchFamily="34" charset="0"/>
+              </a:rPr>
+              <a:t>Evaluate if the current approach can scale to larger systems with multiple cameras without significant performance degradation.</a:t>
+            </a:r>
+          </a:p>
+          <a:p>
+            <a:pPr marR="0" lvl="0" algn="l" defTabSz="914400" rtl="0" eaLnBrk="0" fontAlgn="base" latinLnBrk="0" hangingPunct="0">
+              <a:lnSpc>
+                <a:spcPct val="100000"/>
+              </a:lnSpc>
+              <a:spcBef>
+                <a:spcPct val="0"/>
+              </a:spcBef>
+              <a:spcAft>
+                <a:spcPct val="0"/>
+              </a:spcAft>
+              <a:buClrTx/>
+              <a:buSzTx/>
+              <a:tabLst/>
+            </a:pPr>
+            <a:endParaRPr kumimoji="0" lang="en-US" altLang="en-US" sz="2400" b="0" i="0" u="none" strike="noStrike" cap="none" normalizeH="0" baseline="0" dirty="0">
+              <a:ln>
+                <a:noFill/>
+              </a:ln>
+              <a:solidFill>
+                <a:schemeClr val="tx1"/>
+              </a:solidFill>
+              <a:effectLst/>
+              <a:latin typeface="Arial" panose="020B0604020202020204" pitchFamily="34" charset="0"/>
+            </a:endParaRPr>
+          </a:p>
+          <a:p>
+            <a:pPr marL="0" marR="0" lvl="0" indent="0" algn="l" defTabSz="914400" rtl="0" eaLnBrk="0" fontAlgn="base" latinLnBrk="0" hangingPunct="0">
+              <a:lnSpc>
+                <a:spcPct val="100000"/>
+              </a:lnSpc>
+              <a:spcBef>
+                <a:spcPct val="0"/>
+              </a:spcBef>
+              <a:spcAft>
+                <a:spcPct val="0"/>
+              </a:spcAft>
+              <a:buClrTx/>
+              <a:buSzTx/>
+              <a:tabLst/>
+            </a:pPr>
+            <a:r>
+              <a:rPr kumimoji="0" lang="en-US" altLang="en-US" sz="2400" b="1" i="0" u="none" strike="noStrike" cap="none" normalizeH="0" baseline="0" dirty="0">
+                <a:ln>
+                  <a:noFill/>
+                </a:ln>
+                <a:solidFill>
+                  <a:schemeClr val="tx1"/>
+                </a:solidFill>
+                <a:effectLst/>
+                <a:latin typeface="Arial" panose="020B0604020202020204" pitchFamily="34" charset="0"/>
+              </a:rPr>
+              <a:t>3.  False Positives/Negatives:</a:t>
+            </a:r>
+            <a:r>
+              <a:rPr kumimoji="0" lang="en-US" altLang="en-US" sz="2400" b="0" i="0" u="none" strike="noStrike" cap="none" normalizeH="0" baseline="0" dirty="0">
+                <a:ln>
+                  <a:noFill/>
+                </a:ln>
+                <a:solidFill>
+                  <a:schemeClr val="tx1"/>
+                </a:solidFill>
+                <a:effectLst/>
+                <a:latin typeface="Arial" panose="020B0604020202020204" pitchFamily="34" charset="0"/>
+              </a:rPr>
+              <a:t> </a:t>
+            </a:r>
+          </a:p>
+          <a:p>
+            <a:pPr marL="285750" marR="0" lvl="0" indent="-285750" algn="l" defTabSz="914400" rtl="0" eaLnBrk="0" fontAlgn="base" latinLnBrk="0" hangingPunct="0">
+              <a:lnSpc>
+                <a:spcPct val="100000"/>
+              </a:lnSpc>
+              <a:spcBef>
+                <a:spcPct val="0"/>
+              </a:spcBef>
+              <a:spcAft>
+                <a:spcPct val="0"/>
+              </a:spcAft>
+              <a:buClrTx/>
+              <a:buSzTx/>
               <a:buFontTx/>
               <a:buChar char="-"/>
-            </a:pPr>
-            <a:endParaRPr lang="en-IN" dirty="0"/>
-          </a:p>
-          <a:p>
-            <a:pPr marL="285750" indent="-285750">
-              <a:buFontTx/>
-              <a:buChar char="-"/>
-            </a:pPr>
-            <a:r>
-              <a:rPr lang="en-IN" b="1" u="sng" dirty="0"/>
-              <a:t>Benefits:     </a:t>
-            </a:r>
-          </a:p>
-          <a:p>
-            <a:pPr marL="742950" lvl="1" indent="-285750">
-              <a:buFontTx/>
-              <a:buChar char="-"/>
-            </a:pPr>
-            <a:r>
-              <a:rPr lang="en-IN" dirty="0"/>
-              <a:t>Reduced latency for real-time detection.     </a:t>
-            </a:r>
-          </a:p>
-          <a:p>
-            <a:pPr marL="742950" lvl="1" indent="-285750">
-              <a:buFontTx/>
-              <a:buChar char="-"/>
-            </a:pPr>
-            <a:r>
-              <a:rPr lang="en-IN" dirty="0"/>
-              <a:t>Offloading heavy computation to the cloud improves edge device efficiency.   </a:t>
-            </a:r>
-          </a:p>
-          <a:p>
-            <a:pPr marL="742950" lvl="1" indent="-285750">
-              <a:buFontTx/>
-              <a:buChar char="-"/>
-            </a:pPr>
-            <a:endParaRPr lang="en-IN" dirty="0"/>
-          </a:p>
-          <a:p>
-            <a:pPr marL="285750" indent="-285750">
-              <a:buFontTx/>
-              <a:buChar char="-"/>
-            </a:pPr>
-            <a:r>
-              <a:rPr lang="en-IN" b="1" u="sng" dirty="0"/>
-              <a:t>Drawbacks:     </a:t>
-            </a:r>
-          </a:p>
-          <a:p>
-            <a:pPr lvl="1"/>
-            <a:r>
-              <a:rPr lang="en-IN" dirty="0"/>
-              <a:t>-   Dependence on reliable network connectivity.</a:t>
-            </a:r>
+              <a:tabLst/>
+            </a:pPr>
+            <a:r>
+              <a:rPr kumimoji="0" lang="en-US" altLang="en-US" sz="2400" b="0" i="0" u="none" strike="noStrike" cap="none" normalizeH="0" baseline="0" dirty="0">
+                <a:ln>
+                  <a:noFill/>
+                </a:ln>
+                <a:solidFill>
+                  <a:schemeClr val="tx1"/>
+                </a:solidFill>
+                <a:effectLst/>
+                <a:latin typeface="Arial" panose="020B0604020202020204" pitchFamily="34" charset="0"/>
+              </a:rPr>
+              <a:t>Address any observed issues with false detections and their impact on system reliability.</a:t>
+            </a:r>
+          </a:p>
+          <a:p>
+            <a:pPr marR="0" lvl="0" algn="l" defTabSz="914400" rtl="0" eaLnBrk="0" fontAlgn="base" latinLnBrk="0" hangingPunct="0">
+              <a:lnSpc>
+                <a:spcPct val="100000"/>
+              </a:lnSpc>
+              <a:spcBef>
+                <a:spcPct val="0"/>
+              </a:spcBef>
+              <a:spcAft>
+                <a:spcPct val="0"/>
+              </a:spcAft>
+              <a:buClrTx/>
+              <a:buSzTx/>
+              <a:tabLst/>
+            </a:pPr>
+            <a:endParaRPr kumimoji="0" lang="en-US" altLang="en-US" sz="1800" b="0" i="0" u="none" strike="noStrike" cap="none" normalizeH="0" baseline="0" dirty="0">
+              <a:ln>
+                <a:noFill/>
+              </a:ln>
+              <a:solidFill>
+                <a:schemeClr val="tx1"/>
+              </a:solidFill>
+              <a:effectLst/>
+              <a:latin typeface="Arial" panose="020B0604020202020204" pitchFamily="34" charset="0"/>
+            </a:endParaRPr>
           </a:p>
         </p:txBody>
       </p:sp>
     </p:spTree>
     <p:extLst>
       <p:ext uri="{BB962C8B-B14F-4D97-AF65-F5344CB8AC3E}">
-        <p14:creationId xmlns:p14="http://schemas.microsoft.com/office/powerpoint/2010/main" val="3216894138"/>
+        <p14:creationId xmlns:p14="http://schemas.microsoft.com/office/powerpoint/2010/main" val="412748358"/>
       </p:ext>
     </p:extLst>
   </p:cSld>
@@ -10470,7 +10471,7 @@
   <p:cSld>
     <p:spTree>
       <p:nvGrpSpPr>
-        <p:cNvPr id="1" name="Shape 51"/>
+        <p:cNvPr id="1" name=""/>
         <p:cNvGrpSpPr/>
         <p:nvPr/>
       </p:nvGrpSpPr>
@@ -10484,13 +10485,72 @@
       </p:grpSpPr>
       <p:sp>
         <p:nvSpPr>
-          <p:cNvPr id="52" name="Google Shape;52;p7"/>
+          <p:cNvPr id="3" name="TextBox 2">
+            <a:extLst>
+              <a:ext uri="{FF2B5EF4-FFF2-40B4-BE49-F238E27FC236}">
+                <a16:creationId xmlns:a16="http://schemas.microsoft.com/office/drawing/2014/main" id="{B264C77E-D2C2-149E-4BB1-B25D1A181089}"/>
+              </a:ext>
+            </a:extLst>
+          </p:cNvPr>
+          <p:cNvSpPr txBox="1"/>
+          <p:nvPr/>
+        </p:nvSpPr>
+        <p:spPr>
+          <a:xfrm>
+            <a:off x="191344" y="260648"/>
+            <a:ext cx="7272808" cy="461665"/>
+          </a:xfrm>
+          <a:prstGeom prst="rect">
+            <a:avLst/>
+          </a:prstGeom>
+          <a:noFill/>
+        </p:spPr>
+        <p:txBody>
+          <a:bodyPr wrap="square">
+            <a:spAutoFit/>
+          </a:bodyPr>
+          <a:lstStyle/>
+          <a:p>
+            <a:pPr algn="just">
+              <a:spcBef>
+                <a:spcPts val="480"/>
+              </a:spcBef>
+              <a:spcAft>
+                <a:spcPts val="0"/>
+              </a:spcAft>
+              <a:buClr>
+                <a:srgbClr val="FF0000"/>
+              </a:buClr>
+              <a:buSzPct val="80000"/>
+            </a:pPr>
+            <a:r>
+              <a:rPr lang="en-US" sz="2400" dirty="0">
+                <a:solidFill>
+                  <a:srgbClr val="FF0000"/>
+                </a:solidFill>
+                <a:latin typeface="Trebuchet MS"/>
+                <a:sym typeface="Trebuchet MS"/>
+              </a:rPr>
+              <a:t>Details of the new approach - benefits/drawbacks</a:t>
+            </a:r>
+          </a:p>
+        </p:txBody>
+      </p:sp>
+      <p:sp>
+        <p:nvSpPr>
+          <p:cNvPr id="4" name="Google Shape;52;p7">
+            <a:extLst>
+              <a:ext uri="{FF2B5EF4-FFF2-40B4-BE49-F238E27FC236}">
+                <a16:creationId xmlns:a16="http://schemas.microsoft.com/office/drawing/2014/main" id="{715FB4A6-AF4F-6C56-72CC-830794DCA46B}"/>
+              </a:ext>
+            </a:extLst>
+          </p:cNvPr>
           <p:cNvSpPr/>
           <p:nvPr/>
         </p:nvSpPr>
         <p:spPr>
           <a:xfrm>
-            <a:off x="3048000" y="1581150"/>
+            <a:off x="263352" y="685713"/>
             <a:ext cx="7620000" cy="36600"/>
           </a:xfrm>
           <a:prstGeom prst="rect">
@@ -10535,155 +10595,211 @@
       </p:sp>
       <p:sp>
         <p:nvSpPr>
-          <p:cNvPr id="53" name="Google Shape;53;p7"/>
+          <p:cNvPr id="6" name="TextBox 5">
+            <a:extLst>
+              <a:ext uri="{FF2B5EF4-FFF2-40B4-BE49-F238E27FC236}">
+                <a16:creationId xmlns:a16="http://schemas.microsoft.com/office/drawing/2014/main" id="{4E8DC6AF-7A5B-602A-60A9-5AEE70CD09D0}"/>
+              </a:ext>
+            </a:extLst>
+          </p:cNvPr>
           <p:cNvSpPr txBox="1"/>
           <p:nvPr/>
         </p:nvSpPr>
         <p:spPr>
           <a:xfrm>
-            <a:off x="2895600" y="1108306"/>
-            <a:ext cx="7772400" cy="461700"/>
+            <a:off x="0" y="725425"/>
+            <a:ext cx="12192000" cy="6463308"/>
           </a:xfrm>
           <a:prstGeom prst="rect">
             <a:avLst/>
           </a:prstGeom>
           <a:noFill/>
-          <a:ln>
-            <a:noFill/>
-          </a:ln>
         </p:spPr>
         <p:txBody>
-          <a:bodyPr spcFirstLastPara="1" wrap="square" lIns="91425" tIns="45700" rIns="91425" bIns="45700" anchor="t" anchorCtr="0">
-            <a:noAutofit/>
+          <a:bodyPr wrap="square">
+            <a:spAutoFit/>
           </a:bodyPr>
           <a:lstStyle/>
           <a:p>
-            <a:pPr marL="342900" indent="-342900" algn="r">
-              <a:spcBef>
-                <a:spcPts val="0"/>
-              </a:spcBef>
-              <a:spcAft>
-                <a:spcPts val="0"/>
-              </a:spcAft>
-            </a:pPr>
-            <a:r>
-              <a:rPr lang="en-US" sz="2400" dirty="0">
+            <a:pPr marL="342900" indent="-342900">
+              <a:buAutoNum type="arabicPeriod"/>
+            </a:pPr>
+            <a:r>
+              <a:rPr lang="en-IN" b="1" u="sng" dirty="0">
                 <a:solidFill>
                   <a:srgbClr val="FF0000"/>
                 </a:solidFill>
-                <a:latin typeface="Trebuchet MS"/>
-                <a:ea typeface="Trebuchet MS"/>
-                <a:cs typeface="Trebuchet MS"/>
-                <a:sym typeface="Trebuchet MS"/>
               </a:rPr>
-              <a:t>Architecture</a:t>
-            </a:r>
-            <a:endParaRPr lang="en-US" sz="2400" dirty="0"/>
-          </a:p>
-        </p:txBody>
-      </p:sp>
-      <p:sp>
-        <p:nvSpPr>
-          <p:cNvPr id="54" name="Google Shape;54;p7"/>
-          <p:cNvSpPr txBox="1"/>
-          <p:nvPr/>
-        </p:nvSpPr>
-        <p:spPr>
-          <a:xfrm>
-            <a:off x="2114900" y="1791525"/>
-            <a:ext cx="8553100" cy="3777075"/>
-          </a:xfrm>
-          <a:prstGeom prst="rect">
-            <a:avLst/>
-          </a:prstGeom>
-          <a:noFill/>
-          <a:ln>
-            <a:noFill/>
-          </a:ln>
-        </p:spPr>
-        <p:txBody>
-          <a:bodyPr spcFirstLastPara="1" wrap="square" lIns="91425" tIns="45700" rIns="91425" bIns="45700" anchor="ctr" anchorCtr="0">
-            <a:noAutofit/>
-          </a:bodyPr>
-          <a:lstStyle/>
-          <a:p>
-            <a:pPr algn="just">
-              <a:spcBef>
-                <a:spcPts val="480"/>
-              </a:spcBef>
-              <a:spcAft>
-                <a:spcPts val="0"/>
-              </a:spcAft>
-              <a:buClr>
-                <a:schemeClr val="dk1"/>
-              </a:buClr>
-              <a:buSzPts val="1100"/>
-            </a:pPr>
-            <a:r>
-              <a:rPr lang="en-US" sz="2400" dirty="0">
-                <a:solidFill>
-                  <a:srgbClr val="0033CC"/>
-                </a:solidFill>
-                <a:latin typeface="Trebuchet MS"/>
-                <a:ea typeface="Trebuchet MS"/>
-                <a:cs typeface="Trebuchet MS"/>
-                <a:sym typeface="Trebuchet MS"/>
+              <a:t>Hybrid Anomaly Detection System: </a:t>
+            </a:r>
+            <a:r>
+              <a:rPr lang="en-IN" b="1" u="sng" dirty="0"/>
+              <a:t>  </a:t>
+            </a:r>
+          </a:p>
+          <a:p>
+            <a:pPr marL="285750" indent="-285750">
+              <a:buFontTx/>
+              <a:buChar char="-"/>
+            </a:pPr>
+            <a:r>
+              <a:rPr lang="en-IN" dirty="0"/>
+              <a:t>Combine HTM for temporal anomaly detection with spatial analysis techniques (e.g., deep learning models for object detection).   </a:t>
+            </a:r>
+          </a:p>
+          <a:p>
+            <a:endParaRPr lang="en-IN" dirty="0"/>
+          </a:p>
+          <a:p>
+            <a:pPr marL="285750" indent="-285750">
+              <a:buFontTx/>
+              <a:buChar char="-"/>
+            </a:pPr>
+            <a:r>
+              <a:rPr lang="en-IN" b="1" u="sng" dirty="0"/>
+              <a:t>Benefits:     </a:t>
+            </a:r>
+          </a:p>
+          <a:p>
+            <a:r>
+              <a:rPr lang="en-IN" dirty="0"/>
+              <a:t>	- Enhanced accuracy by detecting both temporal and spatial anomalies.     - Improved robustness against sophisticated replay attacks.   </a:t>
+            </a:r>
+          </a:p>
+          <a:p>
+            <a:endParaRPr lang="en-IN" dirty="0"/>
+          </a:p>
+          <a:p>
+            <a:pPr marL="285750" indent="-285750">
+              <a:buFontTx/>
+              <a:buChar char="-"/>
+            </a:pPr>
+            <a:r>
+              <a:rPr lang="en-IN" b="1" u="sng" dirty="0"/>
+              <a:t>Drawbacks:</a:t>
+            </a:r>
+            <a:r>
+              <a:rPr lang="en-IN" dirty="0"/>
+              <a:t>     </a:t>
+            </a:r>
+          </a:p>
+          <a:p>
+            <a:pPr marL="742950" lvl="1" indent="-285750">
+              <a:buFontTx/>
+              <a:buChar char="-"/>
+            </a:pPr>
+            <a:r>
+              <a:rPr lang="en-IN" dirty="0"/>
+              <a:t>Increased computational requirements.     </a:t>
+            </a:r>
+          </a:p>
+          <a:p>
+            <a:pPr marL="742950" lvl="1" indent="-285750">
+              <a:buFontTx/>
+              <a:buChar char="-"/>
+            </a:pPr>
+            <a:r>
+              <a:rPr lang="en-IN" dirty="0"/>
+              <a:t>Need for integration between HTM and deep learning frameworks.</a:t>
+            </a:r>
+          </a:p>
+          <a:p>
+            <a:endParaRPr lang="en-IN" dirty="0"/>
+          </a:p>
+          <a:p>
+            <a:pPr marL="342900" indent="-342900">
+              <a:buAutoNum type="arabicPeriod" startAt="2"/>
+            </a:pPr>
+            <a:r>
+              <a:rPr lang="en-IN" b="1" u="sng" dirty="0">
+                <a:solidFill>
+                  <a:srgbClr val="FF0000"/>
+                </a:solidFill>
               </a:rPr>
-              <a:t>Provide high-level design view of the system.</a:t>
-            </a:r>
-          </a:p>
-          <a:p>
-            <a:pPr algn="just">
-              <a:spcBef>
-                <a:spcPts val="480"/>
-              </a:spcBef>
-              <a:spcAft>
-                <a:spcPts val="0"/>
-              </a:spcAft>
-              <a:buClr>
-                <a:schemeClr val="dk1"/>
-              </a:buClr>
-              <a:buSzPts val="1100"/>
-            </a:pPr>
-            <a:endParaRPr lang="en-US" sz="2400" dirty="0">
-              <a:solidFill>
-                <a:srgbClr val="0033CC"/>
-              </a:solidFill>
-              <a:latin typeface="Trebuchet MS"/>
-              <a:ea typeface="Trebuchet MS"/>
-              <a:cs typeface="Trebuchet MS"/>
-              <a:sym typeface="Trebuchet MS"/>
-            </a:endParaRPr>
-          </a:p>
-          <a:p>
-            <a:pPr algn="just">
-              <a:spcBef>
-                <a:spcPts val="480"/>
-              </a:spcBef>
-              <a:spcAft>
-                <a:spcPts val="0"/>
-              </a:spcAft>
-              <a:buClr>
-                <a:schemeClr val="dk1"/>
-              </a:buClr>
-              <a:buSzPts val="1100"/>
-            </a:pPr>
-            <a:r>
-              <a:rPr lang="en-US" sz="2400" dirty="0">
-                <a:solidFill>
-                  <a:srgbClr val="0033CC"/>
-                </a:solidFill>
-                <a:latin typeface="Trebuchet MS"/>
-                <a:ea typeface="Trebuchet MS"/>
-                <a:cs typeface="Trebuchet MS"/>
-                <a:sym typeface="Trebuchet MS"/>
+              <a:t>Optimized Blockchain Infrastructure: </a:t>
+            </a:r>
+            <a:r>
+              <a:rPr lang="en-IN" dirty="0">
+                <a:solidFill>
+                  <a:srgbClr val="FF0000"/>
+                </a:solidFill>
               </a:rPr>
-              <a:t>Identify the logical user groups, application components, data components, and interfacing systems. Illustrate the collaboration and interaction between the major components.</a:t>
-            </a:r>
+              <a:t>  </a:t>
+            </a:r>
+          </a:p>
+          <a:p>
+            <a:r>
+              <a:rPr lang="en-IN" dirty="0"/>
+              <a:t>-  Use lightweight consensus mechanisms (e.g., Proof-of-Authority or Proof-of-Stake) to reduce blockchain overhead.  -   Implement batch hashing to process video chunks instead of individual frames.   </a:t>
+            </a:r>
+          </a:p>
+          <a:p>
+            <a:pPr marL="285750" indent="-285750">
+              <a:buFontTx/>
+              <a:buChar char="-"/>
+            </a:pPr>
+            <a:endParaRPr lang="en-IN" dirty="0"/>
+          </a:p>
+          <a:p>
+            <a:pPr marL="285750" indent="-285750">
+              <a:buFontTx/>
+              <a:buChar char="-"/>
+            </a:pPr>
+            <a:r>
+              <a:rPr lang="en-IN" b="1" u="sng" dirty="0"/>
+              <a:t>Benefits:     </a:t>
+            </a:r>
+          </a:p>
+          <a:p>
+            <a:pPr marL="742950" lvl="1" indent="-285750">
+              <a:buFontTx/>
+              <a:buChar char="-"/>
+            </a:pPr>
+            <a:r>
+              <a:rPr lang="en-IN" dirty="0"/>
+              <a:t>Reduced computational and storage requirements.     </a:t>
+            </a:r>
+          </a:p>
+          <a:p>
+            <a:pPr marL="742950" lvl="1" indent="-285750">
+              <a:buFontTx/>
+              <a:buChar char="-"/>
+            </a:pPr>
+            <a:r>
+              <a:rPr lang="en-IN" dirty="0"/>
+              <a:t>Improved scalability for large-scale deployments.   </a:t>
+            </a:r>
+          </a:p>
+          <a:p>
+            <a:endParaRPr lang="en-IN" dirty="0"/>
+          </a:p>
+          <a:p>
+            <a:pPr marL="285750" indent="-285750">
+              <a:buFontTx/>
+              <a:buChar char="-"/>
+            </a:pPr>
+            <a:r>
+              <a:rPr lang="en-IN" b="1" u="sng" dirty="0"/>
+              <a:t>Drawbacks:     </a:t>
+            </a:r>
+          </a:p>
+          <a:p>
+            <a:r>
+              <a:rPr lang="en-IN" dirty="0"/>
+              <a:t>	- Potential trade-off in detection granularity.</a:t>
+            </a:r>
+          </a:p>
+          <a:p>
+            <a:endParaRPr lang="en-IN" dirty="0"/>
           </a:p>
         </p:txBody>
       </p:sp>
     </p:spTree>
+    <p:extLst>
+      <p:ext uri="{BB962C8B-B14F-4D97-AF65-F5344CB8AC3E}">
+        <p14:creationId xmlns:p14="http://schemas.microsoft.com/office/powerpoint/2010/main" val="1272218730"/>
+      </p:ext>
+    </p:extLst>
   </p:cSld>
   <p:clrMapOvr>
     <a:masterClrMapping/>
@@ -10713,6 +10829,390 @@
           <p:cNvPr id="3" name="TextBox 2">
             <a:extLst>
               <a:ext uri="{FF2B5EF4-FFF2-40B4-BE49-F238E27FC236}">
+                <a16:creationId xmlns:a16="http://schemas.microsoft.com/office/drawing/2014/main" id="{22C64203-A07D-B0F0-D79D-56902ED276F3}"/>
+              </a:ext>
+            </a:extLst>
+          </p:cNvPr>
+          <p:cNvSpPr txBox="1"/>
+          <p:nvPr/>
+        </p:nvSpPr>
+        <p:spPr>
+          <a:xfrm>
+            <a:off x="0" y="1916832"/>
+            <a:ext cx="12192000" cy="3785652"/>
+          </a:xfrm>
+          <a:prstGeom prst="rect">
+            <a:avLst/>
+          </a:prstGeom>
+          <a:noFill/>
+        </p:spPr>
+        <p:txBody>
+          <a:bodyPr wrap="square">
+            <a:spAutoFit/>
+          </a:bodyPr>
+          <a:lstStyle/>
+          <a:p>
+            <a:r>
+              <a:rPr lang="en-IN" sz="2400" b="1" dirty="0">
+                <a:solidFill>
+                  <a:srgbClr val="FF0000"/>
+                </a:solidFill>
+              </a:rPr>
+              <a:t>3. </a:t>
+            </a:r>
+            <a:r>
+              <a:rPr lang="en-IN" sz="2400" b="1" u="sng" dirty="0">
+                <a:solidFill>
+                  <a:srgbClr val="FF0000"/>
+                </a:solidFill>
+              </a:rPr>
+              <a:t>Edge-Cloud Collaboration:   </a:t>
+            </a:r>
+          </a:p>
+          <a:p>
+            <a:pPr marL="285750" indent="-285750">
+              <a:buFontTx/>
+              <a:buChar char="-"/>
+            </a:pPr>
+            <a:r>
+              <a:rPr lang="en-IN" sz="2400" dirty="0"/>
+              <a:t>Perform HTM-based anomaly detection at the edge for real-time response.  </a:t>
+            </a:r>
+          </a:p>
+          <a:p>
+            <a:pPr marL="285750" indent="-285750">
+              <a:buFontTx/>
+              <a:buChar char="-"/>
+            </a:pPr>
+            <a:r>
+              <a:rPr lang="en-IN" sz="2400" dirty="0"/>
+              <a:t>Offload blockchain logging and deep learning-based spatial analysis to the cloud.   </a:t>
+            </a:r>
+          </a:p>
+          <a:p>
+            <a:pPr marL="285750" indent="-285750">
+              <a:buFontTx/>
+              <a:buChar char="-"/>
+            </a:pPr>
+            <a:endParaRPr lang="en-IN" sz="2400" dirty="0"/>
+          </a:p>
+          <a:p>
+            <a:pPr marL="285750" indent="-285750">
+              <a:buFontTx/>
+              <a:buChar char="-"/>
+            </a:pPr>
+            <a:r>
+              <a:rPr lang="en-IN" sz="2400" b="1" u="sng" dirty="0"/>
+              <a:t>Benefits:     </a:t>
+            </a:r>
+          </a:p>
+          <a:p>
+            <a:pPr marL="742950" lvl="1" indent="-285750">
+              <a:buFontTx/>
+              <a:buChar char="-"/>
+            </a:pPr>
+            <a:r>
+              <a:rPr lang="en-IN" sz="2400" dirty="0"/>
+              <a:t>Reduced latency for real-time detection.     </a:t>
+            </a:r>
+          </a:p>
+          <a:p>
+            <a:pPr marL="742950" lvl="1" indent="-285750">
+              <a:buFontTx/>
+              <a:buChar char="-"/>
+            </a:pPr>
+            <a:r>
+              <a:rPr lang="en-IN" sz="2400" dirty="0"/>
+              <a:t>Offloading heavy computation to the cloud improves edge device efficiency.   </a:t>
+            </a:r>
+          </a:p>
+          <a:p>
+            <a:pPr marL="742950" lvl="1" indent="-285750">
+              <a:buFontTx/>
+              <a:buChar char="-"/>
+            </a:pPr>
+            <a:endParaRPr lang="en-IN" sz="2400" dirty="0"/>
+          </a:p>
+          <a:p>
+            <a:pPr marL="285750" indent="-285750">
+              <a:buFontTx/>
+              <a:buChar char="-"/>
+            </a:pPr>
+            <a:r>
+              <a:rPr lang="en-IN" sz="2400" b="1" u="sng" dirty="0"/>
+              <a:t>Drawbacks:     </a:t>
+            </a:r>
+          </a:p>
+          <a:p>
+            <a:pPr lvl="1"/>
+            <a:r>
+              <a:rPr lang="en-IN" sz="2400" dirty="0"/>
+              <a:t>-   Dependence on reliable network connectivity.</a:t>
+            </a:r>
+          </a:p>
+        </p:txBody>
+      </p:sp>
+    </p:spTree>
+    <p:extLst>
+      <p:ext uri="{BB962C8B-B14F-4D97-AF65-F5344CB8AC3E}">
+        <p14:creationId xmlns:p14="http://schemas.microsoft.com/office/powerpoint/2010/main" val="3216894138"/>
+      </p:ext>
+    </p:extLst>
+  </p:cSld>
+  <p:clrMapOvr>
+    <a:masterClrMapping/>
+  </p:clrMapOvr>
+</p:sld>
+</file>
+
+<file path=ppt/slides/slide28.xml><?xml version="1.0" encoding="utf-8"?>
+<p:sld xmlns:a="http://schemas.openxmlformats.org/drawingml/2006/main" xmlns:r="http://schemas.openxmlformats.org/officeDocument/2006/relationships" xmlns:p="http://schemas.openxmlformats.org/presentationml/2006/main">
+  <p:cSld>
+    <p:spTree>
+      <p:nvGrpSpPr>
+        <p:cNvPr id="1" name="Shape 51"/>
+        <p:cNvGrpSpPr/>
+        <p:nvPr/>
+      </p:nvGrpSpPr>
+      <p:grpSpPr>
+        <a:xfrm>
+          <a:off x="0" y="0"/>
+          <a:ext cx="0" cy="0"/>
+          <a:chOff x="0" y="0"/>
+          <a:chExt cx="0" cy="0"/>
+        </a:xfrm>
+      </p:grpSpPr>
+      <p:sp>
+        <p:nvSpPr>
+          <p:cNvPr id="52" name="Google Shape;52;p7"/>
+          <p:cNvSpPr/>
+          <p:nvPr/>
+        </p:nvSpPr>
+        <p:spPr>
+          <a:xfrm>
+            <a:off x="3048000" y="1581150"/>
+            <a:ext cx="7620000" cy="36600"/>
+          </a:xfrm>
+          <a:prstGeom prst="rect">
+            <a:avLst/>
+          </a:prstGeom>
+          <a:solidFill>
+            <a:srgbClr val="33CCCC"/>
+          </a:solidFill>
+          <a:ln>
+            <a:noFill/>
+          </a:ln>
+        </p:spPr>
+        <p:txBody>
+          <a:bodyPr spcFirstLastPara="1" wrap="square" lIns="91425" tIns="45700" rIns="91425" bIns="45700" anchor="ctr" anchorCtr="0">
+            <a:noAutofit/>
+          </a:bodyPr>
+          <a:lstStyle/>
+          <a:p>
+            <a:pPr>
+              <a:spcBef>
+                <a:spcPts val="0"/>
+              </a:spcBef>
+              <a:spcAft>
+                <a:spcPts val="0"/>
+              </a:spcAft>
+              <a:buClr>
+                <a:srgbClr val="000000"/>
+              </a:buClr>
+              <a:buSzPts val="1800"/>
+            </a:pPr>
+            <a:endParaRPr>
+              <a:solidFill>
+                <a:schemeClr val="dk1"/>
+              </a:solidFill>
+              <a:latin typeface="Arial"/>
+              <a:ea typeface="Arial"/>
+              <a:cs typeface="Arial"/>
+              <a:sym typeface="Arial"/>
+            </a:endParaRPr>
+          </a:p>
+        </p:txBody>
+      </p:sp>
+      <p:sp>
+        <p:nvSpPr>
+          <p:cNvPr id="53" name="Google Shape;53;p7"/>
+          <p:cNvSpPr txBox="1"/>
+          <p:nvPr/>
+        </p:nvSpPr>
+        <p:spPr>
+          <a:xfrm>
+            <a:off x="2895600" y="1108306"/>
+            <a:ext cx="7772400" cy="461700"/>
+          </a:xfrm>
+          <a:prstGeom prst="rect">
+            <a:avLst/>
+          </a:prstGeom>
+          <a:noFill/>
+          <a:ln>
+            <a:noFill/>
+          </a:ln>
+        </p:spPr>
+        <p:txBody>
+          <a:bodyPr spcFirstLastPara="1" wrap="square" lIns="91425" tIns="45700" rIns="91425" bIns="45700" anchor="t" anchorCtr="0">
+            <a:noAutofit/>
+          </a:bodyPr>
+          <a:lstStyle/>
+          <a:p>
+            <a:pPr marL="342900" indent="-342900" algn="r">
+              <a:spcBef>
+                <a:spcPts val="0"/>
+              </a:spcBef>
+              <a:spcAft>
+                <a:spcPts val="0"/>
+              </a:spcAft>
+            </a:pPr>
+            <a:r>
+              <a:rPr lang="en-US" sz="2400" dirty="0">
+                <a:solidFill>
+                  <a:srgbClr val="FF0000"/>
+                </a:solidFill>
+                <a:latin typeface="Trebuchet MS"/>
+                <a:ea typeface="Trebuchet MS"/>
+                <a:cs typeface="Trebuchet MS"/>
+                <a:sym typeface="Trebuchet MS"/>
+              </a:rPr>
+              <a:t>Architecture</a:t>
+            </a:r>
+            <a:endParaRPr lang="en-US" sz="2400" dirty="0"/>
+          </a:p>
+        </p:txBody>
+      </p:sp>
+      <p:sp>
+        <p:nvSpPr>
+          <p:cNvPr id="54" name="Google Shape;54;p7"/>
+          <p:cNvSpPr txBox="1"/>
+          <p:nvPr/>
+        </p:nvSpPr>
+        <p:spPr>
+          <a:xfrm>
+            <a:off x="2114900" y="1791525"/>
+            <a:ext cx="8553100" cy="3777075"/>
+          </a:xfrm>
+          <a:prstGeom prst="rect">
+            <a:avLst/>
+          </a:prstGeom>
+          <a:noFill/>
+          <a:ln>
+            <a:noFill/>
+          </a:ln>
+        </p:spPr>
+        <p:txBody>
+          <a:bodyPr spcFirstLastPara="1" wrap="square" lIns="91425" tIns="45700" rIns="91425" bIns="45700" anchor="ctr" anchorCtr="0">
+            <a:noAutofit/>
+          </a:bodyPr>
+          <a:lstStyle/>
+          <a:p>
+            <a:pPr algn="just">
+              <a:spcBef>
+                <a:spcPts val="480"/>
+              </a:spcBef>
+              <a:spcAft>
+                <a:spcPts val="0"/>
+              </a:spcAft>
+              <a:buClr>
+                <a:schemeClr val="dk1"/>
+              </a:buClr>
+              <a:buSzPts val="1100"/>
+            </a:pPr>
+            <a:r>
+              <a:rPr lang="en-US" sz="2400" dirty="0">
+                <a:solidFill>
+                  <a:srgbClr val="0033CC"/>
+                </a:solidFill>
+                <a:latin typeface="Trebuchet MS"/>
+                <a:ea typeface="Trebuchet MS"/>
+                <a:cs typeface="Trebuchet MS"/>
+                <a:sym typeface="Trebuchet MS"/>
+              </a:rPr>
+              <a:t>Provide high-level design view of the system.</a:t>
+            </a:r>
+          </a:p>
+          <a:p>
+            <a:pPr algn="just">
+              <a:spcBef>
+                <a:spcPts val="480"/>
+              </a:spcBef>
+              <a:spcAft>
+                <a:spcPts val="0"/>
+              </a:spcAft>
+              <a:buClr>
+                <a:schemeClr val="dk1"/>
+              </a:buClr>
+              <a:buSzPts val="1100"/>
+            </a:pPr>
+            <a:endParaRPr lang="en-US" sz="2400" dirty="0">
+              <a:solidFill>
+                <a:srgbClr val="0033CC"/>
+              </a:solidFill>
+              <a:latin typeface="Trebuchet MS"/>
+              <a:ea typeface="Trebuchet MS"/>
+              <a:cs typeface="Trebuchet MS"/>
+              <a:sym typeface="Trebuchet MS"/>
+            </a:endParaRPr>
+          </a:p>
+          <a:p>
+            <a:pPr algn="just">
+              <a:spcBef>
+                <a:spcPts val="480"/>
+              </a:spcBef>
+              <a:spcAft>
+                <a:spcPts val="0"/>
+              </a:spcAft>
+              <a:buClr>
+                <a:schemeClr val="dk1"/>
+              </a:buClr>
+              <a:buSzPts val="1100"/>
+            </a:pPr>
+            <a:r>
+              <a:rPr lang="en-US" sz="2400" dirty="0">
+                <a:solidFill>
+                  <a:srgbClr val="0033CC"/>
+                </a:solidFill>
+                <a:latin typeface="Trebuchet MS"/>
+                <a:ea typeface="Trebuchet MS"/>
+                <a:cs typeface="Trebuchet MS"/>
+                <a:sym typeface="Trebuchet MS"/>
+              </a:rPr>
+              <a:t>Identify the logical user groups, application components, data components, and interfacing systems. Illustrate the collaboration and interaction between the major components.</a:t>
+            </a:r>
+          </a:p>
+        </p:txBody>
+      </p:sp>
+    </p:spTree>
+  </p:cSld>
+  <p:clrMapOvr>
+    <a:masterClrMapping/>
+  </p:clrMapOvr>
+</p:sld>
+</file>
+
+<file path=ppt/slides/slide29.xml><?xml version="1.0" encoding="utf-8"?>
+<p:sld xmlns:a="http://schemas.openxmlformats.org/drawingml/2006/main" xmlns:r="http://schemas.openxmlformats.org/officeDocument/2006/relationships" xmlns:p="http://schemas.openxmlformats.org/presentationml/2006/main">
+  <p:cSld>
+    <p:spTree>
+      <p:nvGrpSpPr>
+        <p:cNvPr id="1" name=""/>
+        <p:cNvGrpSpPr/>
+        <p:nvPr/>
+      </p:nvGrpSpPr>
+      <p:grpSpPr>
+        <a:xfrm>
+          <a:off x="0" y="0"/>
+          <a:ext cx="0" cy="0"/>
+          <a:chOff x="0" y="0"/>
+          <a:chExt cx="0" cy="0"/>
+        </a:xfrm>
+      </p:grpSpPr>
+      <p:sp>
+        <p:nvSpPr>
+          <p:cNvPr id="3" name="TextBox 2">
+            <a:extLst>
+              <a:ext uri="{FF2B5EF4-FFF2-40B4-BE49-F238E27FC236}">
                 <a16:creationId xmlns:a16="http://schemas.microsoft.com/office/drawing/2014/main" id="{B369096E-D876-0913-B779-338A61318392}"/>
               </a:ext>
             </a:extLst>
@@ -10737,7 +11237,7 @@
           <a:lstStyle/>
           <a:p>
             <a:r>
-              <a:rPr lang="en-US" sz="2800" dirty="0">
+              <a:rPr lang="en-US" sz="2800" b="1" dirty="0">
                 <a:solidFill>
                   <a:srgbClr val="FF0000"/>
                 </a:solidFill>
@@ -10748,7 +11248,7 @@
               </a:rPr>
               <a:t>High-Level Design </a:t>
             </a:r>
-            <a:endParaRPr lang="en-IN" sz="2800" dirty="0">
+            <a:endParaRPr lang="en-IN" sz="2800" b="1" dirty="0">
               <a:solidFill>
                 <a:srgbClr val="FF0000"/>
               </a:solidFill>
@@ -10856,7 +11356,215 @@
 </p:sld>
 </file>
 
-<file path=ppt/slides/slide28.xml><?xml version="1.0" encoding="utf-8"?>
+<file path=ppt/slides/slide3.xml><?xml version="1.0" encoding="utf-8"?>
+<p:sld xmlns:a="http://schemas.openxmlformats.org/drawingml/2006/main" xmlns:r="http://schemas.openxmlformats.org/officeDocument/2006/relationships" xmlns:p="http://schemas.openxmlformats.org/presentationml/2006/main">
+  <p:cSld>
+    <p:spTree>
+      <p:nvGrpSpPr>
+        <p:cNvPr id="1" name=""/>
+        <p:cNvGrpSpPr/>
+        <p:nvPr/>
+      </p:nvGrpSpPr>
+      <p:grpSpPr>
+        <a:xfrm>
+          <a:off x="0" y="0"/>
+          <a:ext cx="0" cy="0"/>
+          <a:chOff x="0" y="0"/>
+          <a:chExt cx="0" cy="0"/>
+        </a:xfrm>
+      </p:grpSpPr>
+      <p:sp>
+        <p:nvSpPr>
+          <p:cNvPr id="5" name="Rectangle 4"/>
+          <p:cNvSpPr>
+            <a:spLocks noChangeArrowheads="1"/>
+          </p:cNvSpPr>
+          <p:nvPr/>
+        </p:nvSpPr>
+        <p:spPr bwMode="auto">
+          <a:xfrm>
+            <a:off x="119336" y="644427"/>
+            <a:ext cx="7620000" cy="36513"/>
+          </a:xfrm>
+          <a:prstGeom prst="rect">
+            <a:avLst/>
+          </a:prstGeom>
+          <a:solidFill>
+            <a:srgbClr val="33CCCC"/>
+          </a:solidFill>
+          <a:ln w="9525">
+            <a:noFill/>
+            <a:miter lim="800000"/>
+            <a:headEnd/>
+            <a:tailEnd/>
+          </a:ln>
+        </p:spPr>
+        <p:txBody>
+          <a:bodyPr wrap="none" anchor="ctr"/>
+          <a:lstStyle/>
+          <a:p>
+            <a:endParaRPr lang="en-US"/>
+          </a:p>
+        </p:txBody>
+      </p:sp>
+      <p:sp>
+        <p:nvSpPr>
+          <p:cNvPr id="10" name="Content Placeholder 2"/>
+          <p:cNvSpPr txBox="1">
+            <a:spLocks/>
+          </p:cNvSpPr>
+          <p:nvPr/>
+        </p:nvSpPr>
+        <p:spPr>
+          <a:xfrm>
+            <a:off x="119336" y="680940"/>
+            <a:ext cx="11881320" cy="5994298"/>
+          </a:xfrm>
+          <a:prstGeom prst="rect">
+            <a:avLst/>
+          </a:prstGeom>
+        </p:spPr>
+        <p:txBody>
+          <a:bodyPr/>
+          <a:lstStyle/>
+          <a:p>
+            <a:pPr marL="342891" indent="12700" algn="ctr" eaLnBrk="0" hangingPunct="0">
+              <a:spcBef>
+                <a:spcPct val="20000"/>
+              </a:spcBef>
+              <a:defRPr/>
+            </a:pPr>
+            <a:r>
+              <a:rPr lang="en-US" sz="2400" b="1" kern="0" dirty="0">
+                <a:latin typeface="Trebuchet MS" pitchFamily="34" charset="0"/>
+              </a:rPr>
+              <a:t>“Replay Attacks on CCTV Systems: A Significant Threat”</a:t>
+            </a:r>
+          </a:p>
+          <a:p>
+            <a:pPr marL="342891" indent="12700" algn="ctr" eaLnBrk="0" hangingPunct="0">
+              <a:spcBef>
+                <a:spcPct val="20000"/>
+              </a:spcBef>
+              <a:defRPr/>
+            </a:pPr>
+            <a:endParaRPr lang="en-US" sz="2400" kern="0" dirty="0">
+              <a:latin typeface="Trebuchet MS" pitchFamily="34" charset="0"/>
+            </a:endParaRPr>
+          </a:p>
+          <a:p>
+            <a:r>
+              <a:rPr lang="en-US" sz="2400" dirty="0"/>
+              <a:t>CCTV systems are essential for modern surveillance, yet they are vulnerable to replay attacks, where attackers intercept and resend legitimate data, leading to unauthorized actions. These attacks exploit the lack of robust security measures, particularly in communication protocols that fail to implement strong authentication and encryption​.</a:t>
+            </a:r>
+          </a:p>
+          <a:p>
+            <a:pPr marL="342900" indent="-342900">
+              <a:buFont typeface="Arial" panose="020B0604020202020204" pitchFamily="34" charset="0"/>
+              <a:buChar char="•"/>
+            </a:pPr>
+            <a:endParaRPr lang="en-US" sz="2400" dirty="0"/>
+          </a:p>
+          <a:p>
+            <a:pPr marL="342900" indent="-342900">
+              <a:buFont typeface="Arial" panose="020B0604020202020204" pitchFamily="34" charset="0"/>
+              <a:buChar char="•"/>
+            </a:pPr>
+            <a:r>
+              <a:rPr lang="en-US" sz="2400" dirty="0"/>
+              <a:t>The consequences can be severe, including unauthorized access, manipulation of recorded footage, and compromised integrity of surveillance data. Industries such as banking and transportation face significant risks, as compromised CCTV can undermine public safety and trust​. </a:t>
+            </a:r>
+          </a:p>
+          <a:p>
+            <a:pPr marL="342900" indent="-342900">
+              <a:buFont typeface="Arial" panose="020B0604020202020204" pitchFamily="34" charset="0"/>
+              <a:buChar char="•"/>
+            </a:pPr>
+            <a:endParaRPr lang="en-US" sz="2400" dirty="0"/>
+          </a:p>
+          <a:p>
+            <a:pPr marL="342900" indent="-342900">
+              <a:buFont typeface="Arial" panose="020B0604020202020204" pitchFamily="34" charset="0"/>
+              <a:buChar char="•"/>
+            </a:pPr>
+            <a:r>
+              <a:rPr lang="en-US" sz="2400" dirty="0"/>
+              <a:t>Despite existing security measures, there remains a gap in addressing replay attack vulnerabilities. This project aims to develop an AI-based detection and response system to enhance the security of CCTV networks against these specific threats, ensuring a more reliable surveillance infrastructure</a:t>
+            </a:r>
+            <a:endParaRPr lang="en-IN" sz="2400" dirty="0"/>
+          </a:p>
+          <a:p>
+            <a:pPr marL="342891" indent="12700" eaLnBrk="0" hangingPunct="0">
+              <a:spcBef>
+                <a:spcPct val="20000"/>
+              </a:spcBef>
+              <a:defRPr/>
+            </a:pPr>
+            <a:endParaRPr lang="en-IN" sz="2400" kern="0" dirty="0">
+              <a:latin typeface="Trebuchet MS" pitchFamily="34" charset="0"/>
+            </a:endParaRPr>
+          </a:p>
+        </p:txBody>
+      </p:sp>
+      <p:sp>
+        <p:nvSpPr>
+          <p:cNvPr id="14" name="Text Box 34"/>
+          <p:cNvSpPr txBox="1">
+            <a:spLocks noChangeArrowheads="1"/>
+          </p:cNvSpPr>
+          <p:nvPr/>
+        </p:nvSpPr>
+        <p:spPr bwMode="auto">
+          <a:xfrm>
+            <a:off x="-240704" y="182762"/>
+            <a:ext cx="3139952" cy="461665"/>
+          </a:xfrm>
+          <a:prstGeom prst="rect">
+            <a:avLst/>
+          </a:prstGeom>
+          <a:noFill/>
+          <a:ln w="9525">
+            <a:noFill/>
+            <a:miter lim="800000"/>
+            <a:headEnd/>
+            <a:tailEnd/>
+          </a:ln>
+        </p:spPr>
+        <p:txBody>
+          <a:bodyPr wrap="square">
+            <a:spAutoFit/>
+          </a:bodyPr>
+          <a:lstStyle/>
+          <a:p>
+            <a:pPr marL="342891" indent="-342891" algn="r" eaLnBrk="0" hangingPunct="0">
+              <a:defRPr/>
+            </a:pPr>
+            <a:r>
+              <a:rPr lang="en-US" sz="2400" b="1" dirty="0">
+                <a:solidFill>
+                  <a:srgbClr val="FF0000"/>
+                </a:solidFill>
+                <a:latin typeface="Trebuchet MS" pitchFamily="34" charset="0"/>
+              </a:rPr>
+              <a:t>Problem Statement</a:t>
+            </a:r>
+          </a:p>
+        </p:txBody>
+      </p:sp>
+    </p:spTree>
+    <p:extLst>
+      <p:ext uri="{BB962C8B-B14F-4D97-AF65-F5344CB8AC3E}">
+        <p14:creationId xmlns:p14="http://schemas.microsoft.com/office/powerpoint/2010/main" val="82208823"/>
+      </p:ext>
+    </p:extLst>
+  </p:cSld>
+  <p:clrMapOvr>
+    <a:masterClrMapping/>
+  </p:clrMapOvr>
+</p:sld>
+</file>
+
+<file path=ppt/slides/slide30.xml><?xml version="1.0" encoding="utf-8"?>
 <p:sld xmlns:a="http://schemas.openxmlformats.org/drawingml/2006/main" xmlns:r="http://schemas.openxmlformats.org/officeDocument/2006/relationships" xmlns:p="http://schemas.openxmlformats.org/presentationml/2006/main">
   <p:cSld>
     <p:spTree>
@@ -11179,7 +11887,7 @@
 </p:sld>
 </file>
 
-<file path=ppt/slides/slide29.xml><?xml version="1.0" encoding="utf-8"?>
+<file path=ppt/slides/slide31.xml><?xml version="1.0" encoding="utf-8"?>
 <p:sld xmlns:a="http://schemas.openxmlformats.org/drawingml/2006/main" xmlns:r="http://schemas.openxmlformats.org/officeDocument/2006/relationships" xmlns:p="http://schemas.openxmlformats.org/presentationml/2006/main">
   <p:cSld>
     <p:spTree>
@@ -11267,7 +11975,7 @@
               <a:buSzPct val="80000"/>
             </a:pPr>
             <a:r>
-              <a:rPr lang="en-US" sz="2400" dirty="0">
+              <a:rPr lang="en-US" sz="2400" b="1" dirty="0">
                 <a:solidFill>
                   <a:srgbClr val="FF0000"/>
                 </a:solidFill>
@@ -11349,215 +12057,7 @@
 </p:sld>
 </file>
 
-<file path=ppt/slides/slide3.xml><?xml version="1.0" encoding="utf-8"?>
-<p:sld xmlns:a="http://schemas.openxmlformats.org/drawingml/2006/main" xmlns:r="http://schemas.openxmlformats.org/officeDocument/2006/relationships" xmlns:p="http://schemas.openxmlformats.org/presentationml/2006/main">
-  <p:cSld>
-    <p:spTree>
-      <p:nvGrpSpPr>
-        <p:cNvPr id="1" name=""/>
-        <p:cNvGrpSpPr/>
-        <p:nvPr/>
-      </p:nvGrpSpPr>
-      <p:grpSpPr>
-        <a:xfrm>
-          <a:off x="0" y="0"/>
-          <a:ext cx="0" cy="0"/>
-          <a:chOff x="0" y="0"/>
-          <a:chExt cx="0" cy="0"/>
-        </a:xfrm>
-      </p:grpSpPr>
-      <p:sp>
-        <p:nvSpPr>
-          <p:cNvPr id="5" name="Rectangle 4"/>
-          <p:cNvSpPr>
-            <a:spLocks noChangeArrowheads="1"/>
-          </p:cNvSpPr>
-          <p:nvPr/>
-        </p:nvSpPr>
-        <p:spPr bwMode="auto">
-          <a:xfrm>
-            <a:off x="119336" y="644427"/>
-            <a:ext cx="7620000" cy="36513"/>
-          </a:xfrm>
-          <a:prstGeom prst="rect">
-            <a:avLst/>
-          </a:prstGeom>
-          <a:solidFill>
-            <a:srgbClr val="33CCCC"/>
-          </a:solidFill>
-          <a:ln w="9525">
-            <a:noFill/>
-            <a:miter lim="800000"/>
-            <a:headEnd/>
-            <a:tailEnd/>
-          </a:ln>
-        </p:spPr>
-        <p:txBody>
-          <a:bodyPr wrap="none" anchor="ctr"/>
-          <a:lstStyle/>
-          <a:p>
-            <a:endParaRPr lang="en-US"/>
-          </a:p>
-        </p:txBody>
-      </p:sp>
-      <p:sp>
-        <p:nvSpPr>
-          <p:cNvPr id="10" name="Content Placeholder 2"/>
-          <p:cNvSpPr txBox="1">
-            <a:spLocks/>
-          </p:cNvSpPr>
-          <p:nvPr/>
-        </p:nvSpPr>
-        <p:spPr>
-          <a:xfrm>
-            <a:off x="119336" y="680940"/>
-            <a:ext cx="11881320" cy="5994298"/>
-          </a:xfrm>
-          <a:prstGeom prst="rect">
-            <a:avLst/>
-          </a:prstGeom>
-        </p:spPr>
-        <p:txBody>
-          <a:bodyPr/>
-          <a:lstStyle/>
-          <a:p>
-            <a:pPr marL="342891" indent="12700" algn="ctr" eaLnBrk="0" hangingPunct="0">
-              <a:spcBef>
-                <a:spcPct val="20000"/>
-              </a:spcBef>
-              <a:defRPr/>
-            </a:pPr>
-            <a:r>
-              <a:rPr lang="en-US" sz="2400" kern="0" dirty="0">
-                <a:latin typeface="Trebuchet MS" pitchFamily="34" charset="0"/>
-              </a:rPr>
-              <a:t>“Replay Attacks on CCTV Systems: A Significant Threat”</a:t>
-            </a:r>
-          </a:p>
-          <a:p>
-            <a:pPr marL="342891" indent="12700" algn="ctr" eaLnBrk="0" hangingPunct="0">
-              <a:spcBef>
-                <a:spcPct val="20000"/>
-              </a:spcBef>
-              <a:defRPr/>
-            </a:pPr>
-            <a:endParaRPr lang="en-US" sz="2400" kern="0" dirty="0">
-              <a:latin typeface="Trebuchet MS" pitchFamily="34" charset="0"/>
-            </a:endParaRPr>
-          </a:p>
-          <a:p>
-            <a:r>
-              <a:rPr lang="en-US" sz="2400" dirty="0"/>
-              <a:t>CCTV systems are essential for modern surveillance, yet they are vulnerable to replay attacks, where attackers intercept and resend legitimate data, leading to unauthorized actions. These attacks exploit the lack of robust security measures, particularly in communication protocols that fail to implement strong authentication and encryption​.</a:t>
-            </a:r>
-          </a:p>
-          <a:p>
-            <a:pPr marL="342900" indent="-342900">
-              <a:buFont typeface="Arial" panose="020B0604020202020204" pitchFamily="34" charset="0"/>
-              <a:buChar char="•"/>
-            </a:pPr>
-            <a:endParaRPr lang="en-US" sz="2400" dirty="0"/>
-          </a:p>
-          <a:p>
-            <a:pPr marL="342900" indent="-342900">
-              <a:buFont typeface="Arial" panose="020B0604020202020204" pitchFamily="34" charset="0"/>
-              <a:buChar char="•"/>
-            </a:pPr>
-            <a:r>
-              <a:rPr lang="en-US" sz="2400" dirty="0"/>
-              <a:t>The consequences can be severe, including unauthorized access, manipulation of recorded footage, and compromised integrity of surveillance data. Industries such as banking and transportation face significant risks, as compromised CCTV can undermine public safety and trust​. </a:t>
-            </a:r>
-          </a:p>
-          <a:p>
-            <a:pPr marL="342900" indent="-342900">
-              <a:buFont typeface="Arial" panose="020B0604020202020204" pitchFamily="34" charset="0"/>
-              <a:buChar char="•"/>
-            </a:pPr>
-            <a:endParaRPr lang="en-US" sz="2400" dirty="0"/>
-          </a:p>
-          <a:p>
-            <a:pPr marL="342900" indent="-342900">
-              <a:buFont typeface="Arial" panose="020B0604020202020204" pitchFamily="34" charset="0"/>
-              <a:buChar char="•"/>
-            </a:pPr>
-            <a:r>
-              <a:rPr lang="en-US" sz="2400" dirty="0"/>
-              <a:t>Despite existing security measures, there remains a gap in addressing replay attack vulnerabilities. This project aims to develop an AI-based detection and response system to enhance the security of CCTV networks against these specific threats, ensuring a more reliable surveillance infrastructure</a:t>
-            </a:r>
-            <a:endParaRPr lang="en-IN" sz="2400" dirty="0"/>
-          </a:p>
-          <a:p>
-            <a:pPr marL="342891" indent="12700" eaLnBrk="0" hangingPunct="0">
-              <a:spcBef>
-                <a:spcPct val="20000"/>
-              </a:spcBef>
-              <a:defRPr/>
-            </a:pPr>
-            <a:endParaRPr lang="en-IN" sz="2400" kern="0" dirty="0">
-              <a:latin typeface="Trebuchet MS" pitchFamily="34" charset="0"/>
-            </a:endParaRPr>
-          </a:p>
-        </p:txBody>
-      </p:sp>
-      <p:sp>
-        <p:nvSpPr>
-          <p:cNvPr id="14" name="Text Box 34"/>
-          <p:cNvSpPr txBox="1">
-            <a:spLocks noChangeArrowheads="1"/>
-          </p:cNvSpPr>
-          <p:nvPr/>
-        </p:nvSpPr>
-        <p:spPr bwMode="auto">
-          <a:xfrm>
-            <a:off x="-240704" y="182762"/>
-            <a:ext cx="3139952" cy="461665"/>
-          </a:xfrm>
-          <a:prstGeom prst="rect">
-            <a:avLst/>
-          </a:prstGeom>
-          <a:noFill/>
-          <a:ln w="9525">
-            <a:noFill/>
-            <a:miter lim="800000"/>
-            <a:headEnd/>
-            <a:tailEnd/>
-          </a:ln>
-        </p:spPr>
-        <p:txBody>
-          <a:bodyPr wrap="square">
-            <a:spAutoFit/>
-          </a:bodyPr>
-          <a:lstStyle/>
-          <a:p>
-            <a:pPr marL="342891" indent="-342891" algn="r" eaLnBrk="0" hangingPunct="0">
-              <a:defRPr/>
-            </a:pPr>
-            <a:r>
-              <a:rPr lang="en-US" sz="2400" dirty="0">
-                <a:solidFill>
-                  <a:srgbClr val="FF0000"/>
-                </a:solidFill>
-                <a:latin typeface="Trebuchet MS" pitchFamily="34" charset="0"/>
-              </a:rPr>
-              <a:t>Problem Statement</a:t>
-            </a:r>
-          </a:p>
-        </p:txBody>
-      </p:sp>
-    </p:spTree>
-    <p:extLst>
-      <p:ext uri="{BB962C8B-B14F-4D97-AF65-F5344CB8AC3E}">
-        <p14:creationId xmlns:p14="http://schemas.microsoft.com/office/powerpoint/2010/main" val="82208823"/>
-      </p:ext>
-    </p:extLst>
-  </p:cSld>
-  <p:clrMapOvr>
-    <a:masterClrMapping/>
-  </p:clrMapOvr>
-</p:sld>
-</file>
-
-<file path=ppt/slides/slide30.xml><?xml version="1.0" encoding="utf-8"?>
+<file path=ppt/slides/slide32.xml><?xml version="1.0" encoding="utf-8"?>
 <p:sld xmlns:a="http://schemas.openxmlformats.org/drawingml/2006/main" xmlns:r="http://schemas.openxmlformats.org/officeDocument/2006/relationships" xmlns:p="http://schemas.openxmlformats.org/presentationml/2006/main">
   <p:cSld>
     <p:spTree>
@@ -11645,7 +12145,7 @@
               <a:buSzPct val="80000"/>
             </a:pPr>
             <a:r>
-              <a:rPr lang="en-US" sz="2400" dirty="0">
+              <a:rPr lang="en-US" sz="2400" b="1" dirty="0">
                 <a:solidFill>
                   <a:srgbClr val="FF0000"/>
                 </a:solidFill>
@@ -11655,7 +12155,7 @@
               <a:t>ER Diagram</a:t>
             </a:r>
             <a:r>
-              <a:rPr lang="en-US" sz="1800" dirty="0">
+              <a:rPr lang="en-US" sz="1800" b="1" dirty="0">
                 <a:solidFill>
                   <a:srgbClr val="FF0000"/>
                 </a:solidFill>
@@ -11737,7 +12237,7 @@
 </p:sld>
 </file>
 
-<file path=ppt/slides/slide31.xml><?xml version="1.0" encoding="utf-8"?>
+<file path=ppt/slides/slide33.xml><?xml version="1.0" encoding="utf-8"?>
 <p:sld xmlns:a="http://schemas.openxmlformats.org/drawingml/2006/main" xmlns:r="http://schemas.openxmlformats.org/officeDocument/2006/relationships" xmlns:p="http://schemas.openxmlformats.org/presentationml/2006/main">
   <p:cSld>
     <p:spTree>
@@ -11825,7 +12325,7 @@
               <a:buSzPct val="80000"/>
             </a:pPr>
             <a:r>
-              <a:rPr lang="en-US" sz="2400" dirty="0">
+              <a:rPr lang="en-US" sz="2400" b="1" dirty="0">
                 <a:solidFill>
                   <a:srgbClr val="FF0000"/>
                 </a:solidFill>
@@ -11835,7 +12335,7 @@
               <a:t>USER INTERFACE DIAGRAM</a:t>
             </a:r>
             <a:r>
-              <a:rPr lang="en-US" sz="1400" dirty="0">
+              <a:rPr lang="en-US" sz="1400" b="1" dirty="0">
                 <a:solidFill>
                   <a:srgbClr val="FF0000"/>
                 </a:solidFill>
@@ -11917,7 +12417,7 @@
 </p:sld>
 </file>
 
-<file path=ppt/slides/slide32.xml><?xml version="1.0" encoding="utf-8"?>
+<file path=ppt/slides/slide34.xml><?xml version="1.0" encoding="utf-8"?>
 <p:sld xmlns:a="http://schemas.openxmlformats.org/drawingml/2006/main" xmlns:r="http://schemas.openxmlformats.org/officeDocument/2006/relationships" xmlns:p="http://schemas.openxmlformats.org/presentationml/2006/main">
   <p:cSld>
     <p:spTree>
@@ -12005,7 +12505,7 @@
               <a:buSzPct val="80000"/>
             </a:pPr>
             <a:r>
-              <a:rPr lang="en-US" sz="2800" dirty="0">
+              <a:rPr lang="en-US" sz="2800" b="1" dirty="0">
                 <a:solidFill>
                   <a:srgbClr val="FF0000"/>
                 </a:solidFill>
@@ -12087,7 +12587,7 @@
 </p:sld>
 </file>
 
-<file path=ppt/slides/slide33.xml><?xml version="1.0" encoding="utf-8"?>
+<file path=ppt/slides/slide35.xml><?xml version="1.0" encoding="utf-8"?>
 <p:sld xmlns:a="http://schemas.openxmlformats.org/drawingml/2006/main" xmlns:r="http://schemas.openxmlformats.org/officeDocument/2006/relationships" xmlns:p="http://schemas.openxmlformats.org/presentationml/2006/main">
   <p:cSld>
     <p:spTree>
@@ -12356,7 +12856,7 @@
 </p:sld>
 </file>
 
-<file path=ppt/slides/slide34.xml><?xml version="1.0" encoding="utf-8"?>
+<file path=ppt/slides/slide36.xml><?xml version="1.0" encoding="utf-8"?>
 <p:sld xmlns:a="http://schemas.openxmlformats.org/drawingml/2006/main" xmlns:r="http://schemas.openxmlformats.org/officeDocument/2006/relationships" xmlns:p="http://schemas.openxmlformats.org/presentationml/2006/main">
   <p:cSld>
     <p:spTree>
@@ -12424,7 +12924,7 @@
         <p:spPr>
           <a:xfrm>
             <a:off x="191344" y="260648"/>
-            <a:ext cx="8544272" cy="461665"/>
+            <a:ext cx="9001000" cy="461665"/>
           </a:xfrm>
           <a:prstGeom prst="rect">
             <a:avLst/>
@@ -12447,7 +12947,7 @@
               <a:defRPr/>
             </a:pPr>
             <a:r>
-              <a:rPr lang="en-IN" sz="2400" dirty="0">
+              <a:rPr lang="en-IN" sz="2400" b="1" dirty="0">
                 <a:solidFill>
                   <a:srgbClr val="FF0000"/>
                 </a:solidFill>
@@ -12455,7 +12955,7 @@
               </a:rPr>
               <a:t>Capstone (Phase-I , Phase-II and Phase III) Project Timeline</a:t>
             </a:r>
-            <a:endParaRPr lang="en-US" sz="2400" dirty="0">
+            <a:endParaRPr lang="en-US" sz="2400" b="1" dirty="0">
               <a:solidFill>
                 <a:srgbClr val="FF0000"/>
               </a:solidFill>
@@ -12481,7 +12981,7 @@
         <p:spPr bwMode="auto">
           <a:xfrm>
             <a:off x="335360" y="704056"/>
-            <a:ext cx="7620000" cy="36513"/>
+            <a:ext cx="8424936" cy="45719"/>
           </a:xfrm>
           <a:prstGeom prst="rect">
             <a:avLst/>
@@ -12632,237 +13132,6 @@
         <p14:creationId xmlns:p14="http://schemas.microsoft.com/office/powerpoint/2010/main" val="3635369833"/>
       </p:ext>
     </p:extLst>
-  </p:cSld>
-  <p:clrMapOvr>
-    <a:masterClrMapping/>
-  </p:clrMapOvr>
-</p:sld>
-</file>
-
-<file path=ppt/slides/slide35.xml><?xml version="1.0" encoding="utf-8"?>
-<p:sld xmlns:a="http://schemas.openxmlformats.org/drawingml/2006/main" xmlns:r="http://schemas.openxmlformats.org/officeDocument/2006/relationships" xmlns:p="http://schemas.openxmlformats.org/presentationml/2006/main">
-  <p:cSld>
-    <p:spTree>
-      <p:nvGrpSpPr>
-        <p:cNvPr id="1" name=""/>
-        <p:cNvGrpSpPr/>
-        <p:nvPr/>
-      </p:nvGrpSpPr>
-      <p:grpSpPr>
-        <a:xfrm>
-          <a:off x="0" y="0"/>
-          <a:ext cx="0" cy="0"/>
-          <a:chOff x="0" y="0"/>
-          <a:chExt cx="0" cy="0"/>
-        </a:xfrm>
-      </p:grpSpPr>
-    </p:spTree>
-    <p:extLst>
-      <p:ext uri="{BB962C8B-B14F-4D97-AF65-F5344CB8AC3E}">
-        <p14:creationId xmlns:p14="http://schemas.microsoft.com/office/powerpoint/2010/main" val="2826472973"/>
-      </p:ext>
-    </p:extLst>
-  </p:cSld>
-  <p:clrMapOvr>
-    <a:masterClrMapping/>
-  </p:clrMapOvr>
-</p:sld>
-</file>
-
-<file path=ppt/slides/slide36.xml><?xml version="1.0" encoding="utf-8"?>
-<p:sld xmlns:a="http://schemas.openxmlformats.org/drawingml/2006/main" xmlns:r="http://schemas.openxmlformats.org/officeDocument/2006/relationships" xmlns:p="http://schemas.openxmlformats.org/presentationml/2006/main">
-  <p:cSld>
-    <p:spTree>
-      <p:nvGrpSpPr>
-        <p:cNvPr id="1" name=""/>
-        <p:cNvGrpSpPr/>
-        <p:nvPr/>
-      </p:nvGrpSpPr>
-      <p:grpSpPr>
-        <a:xfrm>
-          <a:off x="0" y="0"/>
-          <a:ext cx="0" cy="0"/>
-          <a:chOff x="0" y="0"/>
-          <a:chExt cx="0" cy="0"/>
-        </a:xfrm>
-      </p:grpSpPr>
-      <p:sp>
-        <p:nvSpPr>
-          <p:cNvPr id="2" name="Rectangle 1"/>
-          <p:cNvSpPr>
-            <a:spLocks noChangeArrowheads="1"/>
-          </p:cNvSpPr>
-          <p:nvPr/>
-        </p:nvSpPr>
-        <p:spPr bwMode="auto">
-          <a:xfrm>
-            <a:off x="3048000" y="1581155"/>
-            <a:ext cx="7620000" cy="36513"/>
-          </a:xfrm>
-          <a:prstGeom prst="rect">
-            <a:avLst/>
-          </a:prstGeom>
-          <a:solidFill>
-            <a:srgbClr val="33CCCC"/>
-          </a:solidFill>
-          <a:ln w="9525">
-            <a:noFill/>
-            <a:miter lim="800000"/>
-            <a:headEnd/>
-            <a:tailEnd/>
-          </a:ln>
-        </p:spPr>
-        <p:txBody>
-          <a:bodyPr wrap="none" anchor="ctr"/>
-          <a:lstStyle/>
-          <a:p>
-            <a:endParaRPr lang="en-US"/>
-          </a:p>
-        </p:txBody>
-      </p:sp>
-      <p:sp>
-        <p:nvSpPr>
-          <p:cNvPr id="3" name="Text Box 34"/>
-          <p:cNvSpPr txBox="1">
-            <a:spLocks noChangeArrowheads="1"/>
-          </p:cNvSpPr>
-          <p:nvPr/>
-        </p:nvSpPr>
-        <p:spPr bwMode="auto">
-          <a:xfrm>
-            <a:off x="2895600" y="1143002"/>
-            <a:ext cx="7772400" cy="461665"/>
-          </a:xfrm>
-          <a:prstGeom prst="rect">
-            <a:avLst/>
-          </a:prstGeom>
-          <a:noFill/>
-          <a:ln w="9525">
-            <a:noFill/>
-            <a:miter lim="800000"/>
-            <a:headEnd/>
-            <a:tailEnd/>
-          </a:ln>
-        </p:spPr>
-        <p:txBody>
-          <a:bodyPr wrap="square">
-            <a:spAutoFit/>
-          </a:bodyPr>
-          <a:lstStyle/>
-          <a:p>
-            <a:pPr marL="342891" indent="-342891" algn="r" eaLnBrk="0" hangingPunct="0">
-              <a:defRPr/>
-            </a:pPr>
-            <a:r>
-              <a:rPr lang="en-US" sz="2400" dirty="0">
-                <a:solidFill>
-                  <a:srgbClr val="FF0000"/>
-                </a:solidFill>
-                <a:latin typeface="Trebuchet MS" pitchFamily="34" charset="0"/>
-              </a:rPr>
-              <a:t>Any other information</a:t>
-            </a:r>
-          </a:p>
-        </p:txBody>
-      </p:sp>
-      <p:sp>
-        <p:nvSpPr>
-          <p:cNvPr id="5" name="TextBox 4">
-            <a:extLst>
-              <a:ext uri="{FF2B5EF4-FFF2-40B4-BE49-F238E27FC236}">
-                <a16:creationId xmlns:a16="http://schemas.microsoft.com/office/drawing/2014/main" id="{EBB10B19-4157-41B3-85CA-452455B519DD}"/>
-              </a:ext>
-            </a:extLst>
-          </p:cNvPr>
-          <p:cNvSpPr txBox="1"/>
-          <p:nvPr/>
-        </p:nvSpPr>
-        <p:spPr>
-          <a:xfrm>
-            <a:off x="2133601" y="1905001"/>
-            <a:ext cx="8839199" cy="2160591"/>
-          </a:xfrm>
-          <a:prstGeom prst="rect">
-            <a:avLst/>
-          </a:prstGeom>
-          <a:noFill/>
-        </p:spPr>
-        <p:txBody>
-          <a:bodyPr wrap="square">
-            <a:spAutoFit/>
-          </a:bodyPr>
-          <a:lstStyle/>
-          <a:p>
-            <a:pPr marL="342891" indent="12700" algn="just" eaLnBrk="0" hangingPunct="0">
-              <a:spcBef>
-                <a:spcPct val="20000"/>
-              </a:spcBef>
-              <a:defRPr/>
-            </a:pPr>
-            <a:r>
-              <a:rPr lang="en-IN" sz="2400" kern="0" dirty="0">
-                <a:solidFill>
-                  <a:srgbClr val="0000FF"/>
-                </a:solidFill>
-                <a:latin typeface="Trebuchet MS" pitchFamily="34" charset="0"/>
-              </a:rPr>
-              <a:t>Provide any other information you wish to add on.</a:t>
-            </a:r>
-          </a:p>
-          <a:p>
-            <a:pPr marL="342891" indent="12700" algn="just" eaLnBrk="0" hangingPunct="0">
-              <a:spcBef>
-                <a:spcPct val="20000"/>
-              </a:spcBef>
-              <a:defRPr/>
-            </a:pPr>
-            <a:r>
-              <a:rPr lang="en-IN" sz="2400" kern="0" dirty="0">
-                <a:solidFill>
-                  <a:srgbClr val="0000FF"/>
-                </a:solidFill>
-                <a:latin typeface="Trebuchet MS" pitchFamily="34" charset="0"/>
-              </a:rPr>
-              <a:t> </a:t>
-            </a:r>
-          </a:p>
-          <a:p>
-            <a:pPr marL="342891" indent="12700" algn="just" eaLnBrk="0" hangingPunct="0">
-              <a:spcBef>
-                <a:spcPct val="20000"/>
-              </a:spcBef>
-              <a:defRPr/>
-            </a:pPr>
-            <a:endParaRPr lang="en-IN" sz="2400" kern="0" dirty="0">
-              <a:solidFill>
-                <a:srgbClr val="0000FF"/>
-              </a:solidFill>
-              <a:latin typeface="Trebuchet MS" pitchFamily="34" charset="0"/>
-            </a:endParaRPr>
-          </a:p>
-          <a:p>
-            <a:pPr marL="342891" indent="12700" algn="just" eaLnBrk="0" hangingPunct="0">
-              <a:spcBef>
-                <a:spcPct val="20000"/>
-              </a:spcBef>
-              <a:defRPr/>
-            </a:pPr>
-            <a:r>
-              <a:rPr lang="en-IN" sz="2400" kern="0" dirty="0">
-                <a:solidFill>
-                  <a:srgbClr val="0000FF"/>
-                </a:solidFill>
-                <a:latin typeface="Trebuchet MS" pitchFamily="34" charset="0"/>
-              </a:rPr>
-              <a:t>Note: Changes can be made in the template, with the consent of the guide for inclusion of any other information.</a:t>
-            </a:r>
-            <a:endParaRPr lang="en-IN" sz="2400" kern="0" dirty="0">
-              <a:latin typeface="Trebuchet MS" pitchFamily="34" charset="0"/>
-            </a:endParaRPr>
-          </a:p>
-        </p:txBody>
-      </p:sp>
-    </p:spTree>
   </p:cSld>
   <p:clrMapOvr>
     <a:masterClrMapping/>
@@ -12889,61 +13158,25 @@
       </p:grpSpPr>
       <p:sp>
         <p:nvSpPr>
-          <p:cNvPr id="2" name="Rectangle 1"/>
-          <p:cNvSpPr>
-            <a:spLocks noChangeArrowheads="1"/>
-          </p:cNvSpPr>
+          <p:cNvPr id="3" name="TextBox 2">
+            <a:extLst>
+              <a:ext uri="{FF2B5EF4-FFF2-40B4-BE49-F238E27FC236}">
+                <a16:creationId xmlns:a16="http://schemas.microsoft.com/office/drawing/2014/main" id="{973DF036-5A77-CAB4-EC57-18EC1BE41969}"/>
+              </a:ext>
+            </a:extLst>
+          </p:cNvPr>
+          <p:cNvSpPr txBox="1"/>
           <p:nvPr/>
         </p:nvSpPr>
-        <p:spPr bwMode="auto">
+        <p:spPr>
           <a:xfrm>
-            <a:off x="3048000" y="1581155"/>
-            <a:ext cx="7620000" cy="36513"/>
-          </a:xfrm>
-          <a:prstGeom prst="rect">
-            <a:avLst/>
-          </a:prstGeom>
-          <a:solidFill>
-            <a:srgbClr val="33CCCC"/>
-          </a:solidFill>
-          <a:ln w="9525">
-            <a:noFill/>
-            <a:miter lim="800000"/>
-            <a:headEnd/>
-            <a:tailEnd/>
-          </a:ln>
-        </p:spPr>
-        <p:txBody>
-          <a:bodyPr wrap="none" anchor="ctr"/>
-          <a:lstStyle/>
-          <a:p>
-            <a:endParaRPr lang="en-US"/>
-          </a:p>
-        </p:txBody>
-      </p:sp>
-      <p:sp>
-        <p:nvSpPr>
-          <p:cNvPr id="3" name="Text Box 34"/>
-          <p:cNvSpPr txBox="1">
-            <a:spLocks noChangeArrowheads="1"/>
-          </p:cNvSpPr>
-          <p:nvPr/>
-        </p:nvSpPr>
-        <p:spPr bwMode="auto">
-          <a:xfrm>
-            <a:off x="2895600" y="1143002"/>
-            <a:ext cx="7772400" cy="461665"/>
+            <a:off x="263352" y="404664"/>
+            <a:ext cx="6097464" cy="584775"/>
           </a:xfrm>
           <a:prstGeom prst="rect">
             <a:avLst/>
           </a:prstGeom>
           <a:noFill/>
-          <a:ln w="9525">
-            <a:noFill/>
-            <a:miter lim="800000"/>
-            <a:headEnd/>
-            <a:tailEnd/>
-          </a:ln>
         </p:spPr>
         <p:txBody>
           <a:bodyPr wrap="square">
@@ -12951,37 +13184,205 @@
           </a:bodyPr>
           <a:lstStyle/>
           <a:p>
-            <a:pPr marL="342900" indent="-342900" algn="r" eaLnBrk="0" hangingPunct="0">
+            <a:r>
+              <a:rPr lang="en-US" sz="3200" b="1" dirty="0">
+                <a:solidFill>
+                  <a:srgbClr val="FF0000"/>
+                </a:solidFill>
+                <a:latin typeface="Trebuchet MS" panose="020B0603020202020204"/>
+                <a:ea typeface="Trebuchet MS" panose="020B0603020202020204"/>
+                <a:cs typeface="Trebuchet MS" panose="020B0603020202020204"/>
+                <a:sym typeface="Trebuchet MS" panose="020B0603020202020204"/>
+              </a:rPr>
+              <a:t>Expected Deliverables</a:t>
+            </a:r>
+            <a:endParaRPr lang="en-IN" sz="3200" b="1" dirty="0"/>
+          </a:p>
+        </p:txBody>
+      </p:sp>
+      <p:cxnSp>
+        <p:nvCxnSpPr>
+          <p:cNvPr id="5" name="Straight Connector 4">
+            <a:extLst>
+              <a:ext uri="{FF2B5EF4-FFF2-40B4-BE49-F238E27FC236}">
+                <a16:creationId xmlns:a16="http://schemas.microsoft.com/office/drawing/2014/main" id="{2CCAB9AB-6A02-9057-EB5D-175D6050F102}"/>
+              </a:ext>
+            </a:extLst>
+          </p:cNvPr>
+          <p:cNvCxnSpPr/>
+          <p:nvPr/>
+        </p:nvCxnSpPr>
+        <p:spPr>
+          <a:xfrm>
+            <a:off x="335360" y="989439"/>
+            <a:ext cx="4248472" cy="0"/>
+          </a:xfrm>
+          <a:prstGeom prst="line">
+            <a:avLst/>
+          </a:prstGeom>
+          <a:ln w="38100">
+            <a:solidFill>
+              <a:srgbClr val="00FFFF"/>
+            </a:solidFill>
+          </a:ln>
+        </p:spPr>
+        <p:style>
+          <a:lnRef idx="1">
+            <a:schemeClr val="accent1"/>
+          </a:lnRef>
+          <a:fillRef idx="0">
+            <a:schemeClr val="accent1"/>
+          </a:fillRef>
+          <a:effectRef idx="0">
+            <a:schemeClr val="accent1"/>
+          </a:effectRef>
+          <a:fontRef idx="minor">
+            <a:schemeClr val="tx1"/>
+          </a:fontRef>
+        </p:style>
+      </p:cxnSp>
+      <p:sp>
+        <p:nvSpPr>
+          <p:cNvPr id="7" name="TextBox 6">
+            <a:extLst>
+              <a:ext uri="{FF2B5EF4-FFF2-40B4-BE49-F238E27FC236}">
+                <a16:creationId xmlns:a16="http://schemas.microsoft.com/office/drawing/2014/main" id="{8C0D3296-199A-069A-1BF0-1A78F82F4144}"/>
+              </a:ext>
+            </a:extLst>
+          </p:cNvPr>
+          <p:cNvSpPr txBox="1"/>
+          <p:nvPr/>
+        </p:nvSpPr>
+        <p:spPr>
+          <a:xfrm>
+            <a:off x="2351584" y="2276872"/>
+            <a:ext cx="5904656" cy="2523768"/>
+          </a:xfrm>
+          <a:prstGeom prst="rect">
+            <a:avLst/>
+          </a:prstGeom>
+          <a:noFill/>
+        </p:spPr>
+        <p:txBody>
+          <a:bodyPr wrap="square">
+            <a:spAutoFit/>
+          </a:bodyPr>
+          <a:lstStyle/>
+          <a:p>
+            <a:pPr marL="685800" indent="-342900" algn="ctr" eaLnBrk="0" hangingPunct="0">
               <a:spcBef>
                 <a:spcPts val="0"/>
               </a:spcBef>
               <a:spcAft>
                 <a:spcPts val="0"/>
               </a:spcAft>
+              <a:buFont typeface="Arial" panose="020B0604020202020204" pitchFamily="34" charset="0"/>
+              <a:buChar char="•"/>
               <a:defRPr/>
             </a:pPr>
             <a:r>
-              <a:rPr lang="en-IN" sz="2400" dirty="0">
-                <a:solidFill>
-                  <a:srgbClr val="FF0000"/>
-                </a:solidFill>
-                <a:latin typeface="Trebuchet MS"/>
+              <a:rPr lang="en-IN" sz="2800" dirty="0">
+                <a:solidFill>
+                  <a:srgbClr val="0033CC"/>
+                </a:solidFill>
+                <a:latin typeface="Trebuchet MS" panose="020B0603020202020204"/>
               </a:rPr>
-              <a:t>Conclusion</a:t>
-            </a:r>
-            <a:endParaRPr lang="en-US" sz="2400" dirty="0">
+              <a:t>Capstone-I deliverables</a:t>
+            </a:r>
+          </a:p>
+          <a:p>
+            <a:pPr marL="685800" indent="-342900" algn="ctr" eaLnBrk="0" hangingPunct="0">
+              <a:spcBef>
+                <a:spcPts val="0"/>
+              </a:spcBef>
+              <a:spcAft>
+                <a:spcPts val="0"/>
+              </a:spcAft>
+              <a:buFont typeface="Arial" panose="020B0604020202020204" pitchFamily="34" charset="0"/>
+              <a:buChar char="•"/>
+              <a:defRPr/>
+            </a:pPr>
+            <a:endParaRPr lang="en-IN" sz="2800" dirty="0">
               <a:solidFill>
-                <a:srgbClr val="FF0000"/>
+                <a:srgbClr val="0033CC"/>
               </a:solidFill>
-              <a:latin typeface="Trebuchet MS"/>
+              <a:latin typeface="Trebuchet MS" panose="020B0603020202020204"/>
             </a:endParaRPr>
+          </a:p>
+          <a:p>
+            <a:pPr marL="685800" indent="-342900" algn="ctr" eaLnBrk="0" hangingPunct="0">
+              <a:spcBef>
+                <a:spcPts val="0"/>
+              </a:spcBef>
+              <a:spcAft>
+                <a:spcPts val="0"/>
+              </a:spcAft>
+              <a:buFont typeface="Arial" panose="020B0604020202020204" pitchFamily="34" charset="0"/>
+              <a:buChar char="•"/>
+              <a:defRPr/>
+            </a:pPr>
+            <a:r>
+              <a:rPr lang="en-IN" sz="2800" dirty="0">
+                <a:solidFill>
+                  <a:srgbClr val="0033CC"/>
+                </a:solidFill>
+                <a:latin typeface="Trebuchet MS" panose="020B0603020202020204"/>
+              </a:rPr>
+              <a:t>Capstone-II deliverables</a:t>
+            </a:r>
+          </a:p>
+          <a:p>
+            <a:pPr marL="685800" indent="-342900" algn="ctr" eaLnBrk="0" hangingPunct="0">
+              <a:spcBef>
+                <a:spcPts val="0"/>
+              </a:spcBef>
+              <a:spcAft>
+                <a:spcPts val="0"/>
+              </a:spcAft>
+              <a:buFont typeface="Arial" panose="020B0604020202020204" pitchFamily="34" charset="0"/>
+              <a:buChar char="•"/>
+              <a:defRPr/>
+            </a:pPr>
+            <a:endParaRPr lang="en-IN" sz="2800" dirty="0">
+              <a:solidFill>
+                <a:srgbClr val="0033CC"/>
+              </a:solidFill>
+              <a:latin typeface="Trebuchet MS" panose="020B0603020202020204"/>
+              <a:sym typeface="Trebuchet MS" panose="020B0603020202020204"/>
+            </a:endParaRPr>
+          </a:p>
+          <a:p>
+            <a:pPr marL="685800" indent="-342900" algn="ctr" eaLnBrk="0" hangingPunct="0">
+              <a:spcBef>
+                <a:spcPts val="0"/>
+              </a:spcBef>
+              <a:spcAft>
+                <a:spcPts val="0"/>
+              </a:spcAft>
+              <a:buFont typeface="Arial" panose="020B0604020202020204" pitchFamily="34" charset="0"/>
+              <a:buChar char="•"/>
+              <a:defRPr/>
+            </a:pPr>
+            <a:r>
+              <a:rPr lang="en-IN" sz="2800" dirty="0">
+                <a:solidFill>
+                  <a:srgbClr val="0033CC"/>
+                </a:solidFill>
+                <a:latin typeface="Trebuchet MS" panose="020B0603020202020204"/>
+              </a:rPr>
+              <a:t>Capstone-III deliverables</a:t>
+            </a:r>
+          </a:p>
+          <a:p>
+            <a:pPr algn="ctr"/>
+            <a:endParaRPr lang="en-IN" dirty="0"/>
           </a:p>
         </p:txBody>
       </p:sp>
     </p:spTree>
     <p:extLst>
       <p:ext uri="{BB962C8B-B14F-4D97-AF65-F5344CB8AC3E}">
-        <p14:creationId xmlns:p14="http://schemas.microsoft.com/office/powerpoint/2010/main" val="2374062742"/>
+        <p14:creationId xmlns:p14="http://schemas.microsoft.com/office/powerpoint/2010/main" val="2826472973"/>
       </p:ext>
     </p:extLst>
   </p:cSld>
@@ -13010,61 +13411,25 @@
       </p:grpSpPr>
       <p:sp>
         <p:nvSpPr>
-          <p:cNvPr id="5" name="Rectangle 4"/>
-          <p:cNvSpPr>
-            <a:spLocks noChangeArrowheads="1"/>
-          </p:cNvSpPr>
+          <p:cNvPr id="3" name="TextBox 2">
+            <a:extLst>
+              <a:ext uri="{FF2B5EF4-FFF2-40B4-BE49-F238E27FC236}">
+                <a16:creationId xmlns:a16="http://schemas.microsoft.com/office/drawing/2014/main" id="{00C0C7CD-0F4F-BA2C-738A-A8F8216BB86C}"/>
+              </a:ext>
+            </a:extLst>
+          </p:cNvPr>
+          <p:cNvSpPr txBox="1"/>
           <p:nvPr/>
         </p:nvSpPr>
-        <p:spPr bwMode="auto">
+        <p:spPr>
           <a:xfrm>
-            <a:off x="3048000" y="1581155"/>
-            <a:ext cx="7620000" cy="36513"/>
-          </a:xfrm>
-          <a:prstGeom prst="rect">
-            <a:avLst/>
-          </a:prstGeom>
-          <a:solidFill>
-            <a:srgbClr val="33CCCC"/>
-          </a:solidFill>
-          <a:ln w="9525">
-            <a:noFill/>
-            <a:miter lim="800000"/>
-            <a:headEnd/>
-            <a:tailEnd/>
-          </a:ln>
-        </p:spPr>
-        <p:txBody>
-          <a:bodyPr wrap="none" anchor="ctr"/>
-          <a:lstStyle/>
-          <a:p>
-            <a:endParaRPr lang="en-US"/>
-          </a:p>
-        </p:txBody>
-      </p:sp>
-      <p:sp>
-        <p:nvSpPr>
-          <p:cNvPr id="13" name="Text Box 34"/>
-          <p:cNvSpPr txBox="1">
-            <a:spLocks noChangeArrowheads="1"/>
-          </p:cNvSpPr>
-          <p:nvPr/>
-        </p:nvSpPr>
-        <p:spPr bwMode="auto">
-          <a:xfrm>
-            <a:off x="2895600" y="1143002"/>
-            <a:ext cx="7772400" cy="461665"/>
+            <a:off x="3143672" y="1348727"/>
+            <a:ext cx="5472608" cy="5262979"/>
           </a:xfrm>
           <a:prstGeom prst="rect">
             <a:avLst/>
           </a:prstGeom>
           <a:noFill/>
-          <a:ln w="9525">
-            <a:noFill/>
-            <a:miter lim="800000"/>
-            <a:headEnd/>
-            <a:tailEnd/>
-          </a:ln>
         </p:spPr>
         <p:txBody>
           <a:bodyPr wrap="square">
@@ -13072,117 +13437,196 @@
           </a:bodyPr>
           <a:lstStyle/>
           <a:p>
-            <a:pPr marL="342891" indent="-342891" algn="r" eaLnBrk="0" hangingPunct="0">
-              <a:defRPr/>
-            </a:pPr>
-            <a:r>
-              <a:rPr lang="en-US" sz="2400" dirty="0">
-                <a:solidFill>
-                  <a:srgbClr val="FF0000"/>
-                </a:solidFill>
-                <a:latin typeface="Trebuchet MS" pitchFamily="34" charset="0"/>
-              </a:rPr>
-              <a:t>References</a:t>
-            </a:r>
-          </a:p>
-        </p:txBody>
-      </p:sp>
-      <p:sp>
-        <p:nvSpPr>
-          <p:cNvPr id="6" name="Content Placeholder 2"/>
-          <p:cNvSpPr txBox="1">
-            <a:spLocks/>
-          </p:cNvSpPr>
+            <a:pPr marL="342900" indent="-342900">
+              <a:buFont typeface="Wingdings" panose="05000000000000000000" pitchFamily="2" charset="2"/>
+              <a:buChar char="ü"/>
+            </a:pPr>
+            <a:r>
+              <a:rPr lang="en-IN" sz="2400" dirty="0"/>
+              <a:t>Literature survey</a:t>
+            </a:r>
+          </a:p>
+          <a:p>
+            <a:pPr marL="342900" indent="-342900">
+              <a:buFont typeface="Wingdings" panose="05000000000000000000" pitchFamily="2" charset="2"/>
+              <a:buChar char="ü"/>
+            </a:pPr>
+            <a:endParaRPr lang="en-IN" sz="2400" dirty="0"/>
+          </a:p>
+          <a:p>
+            <a:pPr marL="342900" indent="-342900">
+              <a:buFont typeface="Wingdings" panose="05000000000000000000" pitchFamily="2" charset="2"/>
+              <a:buChar char="ü"/>
+            </a:pPr>
+            <a:r>
+              <a:rPr lang="en-IN" sz="2400" dirty="0"/>
+              <a:t>Identification of Problem Statement</a:t>
+            </a:r>
+          </a:p>
+          <a:p>
+            <a:pPr marL="342900" indent="-342900">
+              <a:buFont typeface="Wingdings" panose="05000000000000000000" pitchFamily="2" charset="2"/>
+              <a:buChar char="ü"/>
+            </a:pPr>
+            <a:endParaRPr lang="en-IN" sz="2400" dirty="0"/>
+          </a:p>
+          <a:p>
+            <a:pPr marL="342900" indent="-342900">
+              <a:buFont typeface="Wingdings" panose="05000000000000000000" pitchFamily="2" charset="2"/>
+              <a:buChar char="ü"/>
+            </a:pPr>
+            <a:r>
+              <a:rPr lang="en-IN" sz="2400" dirty="0"/>
+              <a:t>Requirements Elicitation</a:t>
+            </a:r>
+          </a:p>
+          <a:p>
+            <a:pPr marL="342900" indent="-342900">
+              <a:buFont typeface="Wingdings" panose="05000000000000000000" pitchFamily="2" charset="2"/>
+              <a:buChar char="ü"/>
+            </a:pPr>
+            <a:endParaRPr lang="en-IN" sz="2400" dirty="0"/>
+          </a:p>
+          <a:p>
+            <a:pPr marL="342900" indent="-342900">
+              <a:buFont typeface="Wingdings" panose="05000000000000000000" pitchFamily="2" charset="2"/>
+              <a:buChar char="ü"/>
+            </a:pPr>
+            <a:r>
+              <a:rPr lang="en-IN" sz="2400" dirty="0"/>
+              <a:t>Feasibility Study</a:t>
+            </a:r>
+          </a:p>
+          <a:p>
+            <a:pPr marL="342900" indent="-342900">
+              <a:buFont typeface="Wingdings" panose="05000000000000000000" pitchFamily="2" charset="2"/>
+              <a:buChar char="ü"/>
+            </a:pPr>
+            <a:endParaRPr lang="en-IN" sz="2400" dirty="0"/>
+          </a:p>
+          <a:p>
+            <a:pPr marL="342900" indent="-342900">
+              <a:buFont typeface="Wingdings" panose="05000000000000000000" pitchFamily="2" charset="2"/>
+              <a:buChar char="ü"/>
+            </a:pPr>
+            <a:r>
+              <a:rPr lang="en-IN" sz="2400" dirty="0"/>
+              <a:t>Setting up a project timeline using Gantt chart </a:t>
+            </a:r>
+          </a:p>
+          <a:p>
+            <a:pPr marL="342900" indent="-342900">
+              <a:buFont typeface="Wingdings" panose="05000000000000000000" pitchFamily="2" charset="2"/>
+              <a:buChar char="ü"/>
+            </a:pPr>
+            <a:endParaRPr lang="en-IN" sz="2400" dirty="0"/>
+          </a:p>
+          <a:p>
+            <a:pPr marL="342900" indent="-342900">
+              <a:buFont typeface="Wingdings" panose="05000000000000000000" pitchFamily="2" charset="2"/>
+              <a:buChar char="ü"/>
+            </a:pPr>
+            <a:r>
+              <a:rPr lang="en-IN" sz="2400" dirty="0"/>
+              <a:t>Creating a summary presentation of our idea</a:t>
+            </a:r>
+          </a:p>
+          <a:p>
+            <a:endParaRPr lang="en-IN" sz="2400" dirty="0"/>
+          </a:p>
+        </p:txBody>
+      </p:sp>
+      <p:sp>
+        <p:nvSpPr>
+          <p:cNvPr id="5" name="TextBox 4">
+            <a:extLst>
+              <a:ext uri="{FF2B5EF4-FFF2-40B4-BE49-F238E27FC236}">
+                <a16:creationId xmlns:a16="http://schemas.microsoft.com/office/drawing/2014/main" id="{44BF5757-F207-12FA-B3C1-EC835CCF410D}"/>
+              </a:ext>
+            </a:extLst>
+          </p:cNvPr>
+          <p:cNvSpPr txBox="1"/>
           <p:nvPr/>
         </p:nvSpPr>
         <p:spPr>
           <a:xfrm>
-            <a:off x="1828800" y="1828800"/>
-            <a:ext cx="8458200" cy="4724400"/>
+            <a:off x="335360" y="260648"/>
+            <a:ext cx="6097464" cy="523220"/>
           </a:xfrm>
           <a:prstGeom prst="rect">
             <a:avLst/>
           </a:prstGeom>
+          <a:noFill/>
         </p:spPr>
         <p:txBody>
-          <a:bodyPr/>
+          <a:bodyPr wrap="square">
+            <a:spAutoFit/>
+          </a:bodyPr>
           <a:lstStyle/>
           <a:p>
-            <a:pPr marL="342900" indent="12700" algn="just" eaLnBrk="0" hangingPunct="0">
-              <a:spcBef>
-                <a:spcPct val="20000"/>
-              </a:spcBef>
-              <a:defRPr/>
-            </a:pPr>
-            <a:endParaRPr lang="en-IN" sz="2400" dirty="0">
+            <a:r>
+              <a:rPr lang="en-IN" sz="2800" b="1" dirty="0">
+                <a:solidFill>
+                  <a:srgbClr val="FF0000"/>
+                </a:solidFill>
+              </a:rPr>
+              <a:t>CAPSTONE I - Deliverables</a:t>
+            </a:r>
+            <a:endParaRPr lang="en-IN" sz="2800" dirty="0">
               <a:solidFill>
-                <a:srgbClr val="0000FF"/>
+                <a:srgbClr val="FF0000"/>
               </a:solidFill>
-              <a:latin typeface="Trebuchet MS" pitchFamily="34" charset="0"/>
             </a:endParaRPr>
           </a:p>
-          <a:p>
-            <a:pPr marL="342900" indent="12700" algn="just" eaLnBrk="0" hangingPunct="0">
-              <a:spcBef>
-                <a:spcPct val="20000"/>
-              </a:spcBef>
-              <a:defRPr/>
-            </a:pPr>
-            <a:endParaRPr lang="en-IN" sz="2400" dirty="0">
-              <a:solidFill>
-                <a:srgbClr val="0000FF"/>
-              </a:solidFill>
-              <a:latin typeface="Trebuchet MS" pitchFamily="34" charset="0"/>
-            </a:endParaRPr>
-          </a:p>
-          <a:p>
-            <a:pPr marL="342900" indent="12700" algn="just" eaLnBrk="0" hangingPunct="0">
-              <a:spcBef>
-                <a:spcPct val="20000"/>
-              </a:spcBef>
-              <a:defRPr/>
-            </a:pPr>
-            <a:r>
-              <a:rPr lang="en-IN" sz="2400" dirty="0">
-                <a:solidFill>
-                  <a:srgbClr val="0000FF"/>
-                </a:solidFill>
-                <a:latin typeface="Trebuchet MS" pitchFamily="34" charset="0"/>
-              </a:rPr>
-              <a:t>Provide references pertaining to your research according to IEEE format.</a:t>
-            </a:r>
-          </a:p>
-          <a:p>
-            <a:pPr marL="1077913" lvl="1" indent="-265113" algn="just" eaLnBrk="0" hangingPunct="0">
-              <a:spcBef>
-                <a:spcPct val="20000"/>
-              </a:spcBef>
-              <a:defRPr/>
-            </a:pPr>
-            <a:endParaRPr lang="en-IN" sz="2400" dirty="0">
-              <a:solidFill>
-                <a:srgbClr val="0000FF"/>
-              </a:solidFill>
-              <a:latin typeface="Trebuchet MS" pitchFamily="34" charset="0"/>
-            </a:endParaRPr>
-          </a:p>
-          <a:p>
-            <a:pPr marL="342900" indent="-342900" eaLnBrk="0" hangingPunct="0">
-              <a:spcBef>
-                <a:spcPct val="20000"/>
-              </a:spcBef>
-              <a:defRPr/>
-            </a:pPr>
-            <a:endParaRPr lang="en-IN" sz="2000" kern="0" dirty="0">
-              <a:latin typeface="Trebuchet MS" pitchFamily="34" charset="0"/>
-            </a:endParaRPr>
-          </a:p>
-        </p:txBody>
-      </p:sp>
+        </p:txBody>
+      </p:sp>
+      <p:cxnSp>
+        <p:nvCxnSpPr>
+          <p:cNvPr id="6" name="Straight Connector 5">
+            <a:extLst>
+              <a:ext uri="{FF2B5EF4-FFF2-40B4-BE49-F238E27FC236}">
+                <a16:creationId xmlns:a16="http://schemas.microsoft.com/office/drawing/2014/main" id="{A0EDAFDE-A39C-32D6-CB29-B30E74811FC6}"/>
+              </a:ext>
+            </a:extLst>
+          </p:cNvPr>
+          <p:cNvCxnSpPr>
+            <a:cxnSpLocks/>
+          </p:cNvCxnSpPr>
+          <p:nvPr/>
+        </p:nvCxnSpPr>
+        <p:spPr>
+          <a:xfrm>
+            <a:off x="479376" y="783868"/>
+            <a:ext cx="4680520" cy="0"/>
+          </a:xfrm>
+          <a:prstGeom prst="line">
+            <a:avLst/>
+          </a:prstGeom>
+          <a:ln w="38100">
+            <a:solidFill>
+              <a:srgbClr val="00FFFF"/>
+            </a:solidFill>
+          </a:ln>
+        </p:spPr>
+        <p:style>
+          <a:lnRef idx="1">
+            <a:schemeClr val="accent1"/>
+          </a:lnRef>
+          <a:fillRef idx="0">
+            <a:schemeClr val="accent1"/>
+          </a:fillRef>
+          <a:effectRef idx="0">
+            <a:schemeClr val="accent1"/>
+          </a:effectRef>
+          <a:fontRef idx="minor">
+            <a:schemeClr val="tx1"/>
+          </a:fontRef>
+        </p:style>
+      </p:cxnSp>
     </p:spTree>
     <p:extLst>
       <p:ext uri="{BB962C8B-B14F-4D97-AF65-F5344CB8AC3E}">
-        <p14:creationId xmlns:p14="http://schemas.microsoft.com/office/powerpoint/2010/main" val="3902358784"/>
+        <p14:creationId xmlns:p14="http://schemas.microsoft.com/office/powerpoint/2010/main" val="2278913531"/>
       </p:ext>
     </p:extLst>
   </p:cSld>
@@ -13211,39 +13655,196 @@
       </p:grpSpPr>
       <p:sp>
         <p:nvSpPr>
-          <p:cNvPr id="4" name="Rectangle 3"/>
-          <p:cNvSpPr/>
+          <p:cNvPr id="3" name="TextBox 2">
+            <a:extLst>
+              <a:ext uri="{FF2B5EF4-FFF2-40B4-BE49-F238E27FC236}">
+                <a16:creationId xmlns:a16="http://schemas.microsoft.com/office/drawing/2014/main" id="{B413CAF7-07C7-67FF-05FD-9008315CF5B0}"/>
+              </a:ext>
+            </a:extLst>
+          </p:cNvPr>
+          <p:cNvSpPr txBox="1"/>
           <p:nvPr/>
         </p:nvSpPr>
         <p:spPr>
           <a:xfrm>
-            <a:off x="4371485" y="3352800"/>
-            <a:ext cx="2506584" cy="707886"/>
+            <a:off x="2927648" y="1988840"/>
+            <a:ext cx="6097464" cy="4154984"/>
           </a:xfrm>
           <a:prstGeom prst="rect">
             <a:avLst/>
           </a:prstGeom>
+          <a:noFill/>
         </p:spPr>
         <p:txBody>
-          <a:bodyPr wrap="none">
+          <a:bodyPr wrap="square">
             <a:spAutoFit/>
           </a:bodyPr>
           <a:lstStyle/>
           <a:p>
-            <a:pPr algn="r"/>
-            <a:r>
-              <a:rPr lang="en-US" sz="4000" dirty="0">
+            <a:pPr marL="342900" indent="-342900">
+              <a:buFont typeface="Courier New" panose="02070309020205020404" pitchFamily="49" charset="0"/>
+              <a:buChar char="o"/>
+            </a:pPr>
+            <a:r>
+              <a:rPr lang="en-IN" sz="2400" dirty="0"/>
+              <a:t>Acquiring/Creating relevant datasets</a:t>
+            </a:r>
+          </a:p>
+          <a:p>
+            <a:pPr marL="342900" indent="-342900">
+              <a:buFont typeface="Courier New" panose="02070309020205020404" pitchFamily="49" charset="0"/>
+              <a:buChar char="o"/>
+            </a:pPr>
+            <a:endParaRPr lang="en-IN" sz="2400" dirty="0"/>
+          </a:p>
+          <a:p>
+            <a:pPr marL="342900" indent="-342900">
+              <a:buFont typeface="Courier New" panose="02070309020205020404" pitchFamily="49" charset="0"/>
+              <a:buChar char="o"/>
+            </a:pPr>
+            <a:r>
+              <a:rPr lang="en-IN" sz="2400" dirty="0"/>
+              <a:t>Choosing the appropriate software tools that will be used for the project</a:t>
+            </a:r>
+          </a:p>
+          <a:p>
+            <a:pPr marL="342900" indent="-342900">
+              <a:buFont typeface="Courier New" panose="02070309020205020404" pitchFamily="49" charset="0"/>
+              <a:buChar char="o"/>
+            </a:pPr>
+            <a:endParaRPr lang="en-IN" sz="2400" dirty="0"/>
+          </a:p>
+          <a:p>
+            <a:pPr marL="342900" indent="-342900">
+              <a:buFont typeface="Courier New" panose="02070309020205020404" pitchFamily="49" charset="0"/>
+              <a:buChar char="o"/>
+            </a:pPr>
+            <a:r>
+              <a:rPr lang="en-IN" sz="2400" dirty="0"/>
+              <a:t>Creating a detailed workflow</a:t>
+            </a:r>
+          </a:p>
+          <a:p>
+            <a:endParaRPr lang="en-IN" sz="2400" dirty="0"/>
+          </a:p>
+          <a:p>
+            <a:pPr marL="342900" indent="-342900">
+              <a:buFont typeface="Courier New" panose="02070309020205020404" pitchFamily="49" charset="0"/>
+              <a:buChar char="o"/>
+            </a:pPr>
+            <a:r>
+              <a:rPr lang="en-IN" sz="2400" dirty="0"/>
+              <a:t>Creating a prototype based on the datasets collected</a:t>
+            </a:r>
+          </a:p>
+          <a:p>
+            <a:endParaRPr lang="en-IN" sz="2400" dirty="0"/>
+          </a:p>
+          <a:p>
+            <a:pPr marL="342900" indent="-342900">
+              <a:buFont typeface="Courier New" panose="02070309020205020404" pitchFamily="49" charset="0"/>
+              <a:buChar char="o"/>
+            </a:pPr>
+            <a:r>
+              <a:rPr lang="en-IN" sz="2400" dirty="0"/>
+              <a:t>High-Level Design</a:t>
+            </a:r>
+          </a:p>
+        </p:txBody>
+      </p:sp>
+      <p:sp>
+        <p:nvSpPr>
+          <p:cNvPr id="5" name="TextBox 4">
+            <a:extLst>
+              <a:ext uri="{FF2B5EF4-FFF2-40B4-BE49-F238E27FC236}">
+                <a16:creationId xmlns:a16="http://schemas.microsoft.com/office/drawing/2014/main" id="{FB4DD24B-7F2B-4B7F-749A-2709D60AFB5B}"/>
+              </a:ext>
+            </a:extLst>
+          </p:cNvPr>
+          <p:cNvSpPr txBox="1"/>
+          <p:nvPr/>
+        </p:nvSpPr>
+        <p:spPr>
+          <a:xfrm>
+            <a:off x="454034" y="332656"/>
+            <a:ext cx="6097464" cy="523220"/>
+          </a:xfrm>
+          <a:prstGeom prst="rect">
+            <a:avLst/>
+          </a:prstGeom>
+          <a:noFill/>
+        </p:spPr>
+        <p:txBody>
+          <a:bodyPr wrap="square">
+            <a:spAutoFit/>
+          </a:bodyPr>
+          <a:lstStyle/>
+          <a:p>
+            <a:r>
+              <a:rPr lang="en-IN" sz="2800" b="1" dirty="0">
                 <a:solidFill>
                   <a:srgbClr val="FF0000"/>
                 </a:solidFill>
-                <a:latin typeface="Trebuchet MS" pitchFamily="34" charset="0"/>
               </a:rPr>
-              <a:t>Thank You</a:t>
-            </a:r>
-          </a:p>
-        </p:txBody>
-      </p:sp>
+              <a:t>CAPSTONE II – DELIVERABLES</a:t>
+            </a:r>
+            <a:endParaRPr lang="en-IN" sz="2800" dirty="0">
+              <a:solidFill>
+                <a:srgbClr val="FF0000"/>
+              </a:solidFill>
+            </a:endParaRPr>
+          </a:p>
+        </p:txBody>
+      </p:sp>
+      <p:cxnSp>
+        <p:nvCxnSpPr>
+          <p:cNvPr id="6" name="Straight Connector 5">
+            <a:extLst>
+              <a:ext uri="{FF2B5EF4-FFF2-40B4-BE49-F238E27FC236}">
+                <a16:creationId xmlns:a16="http://schemas.microsoft.com/office/drawing/2014/main" id="{CBAE3B0C-4861-ECC9-9B84-8BD88CAB24A4}"/>
+              </a:ext>
+            </a:extLst>
+          </p:cNvPr>
+          <p:cNvCxnSpPr>
+            <a:cxnSpLocks/>
+          </p:cNvCxnSpPr>
+          <p:nvPr/>
+        </p:nvCxnSpPr>
+        <p:spPr>
+          <a:xfrm>
+            <a:off x="479376" y="855876"/>
+            <a:ext cx="5760640" cy="0"/>
+          </a:xfrm>
+          <a:prstGeom prst="line">
+            <a:avLst/>
+          </a:prstGeom>
+          <a:ln w="38100">
+            <a:solidFill>
+              <a:srgbClr val="00FFFF"/>
+            </a:solidFill>
+          </a:ln>
+        </p:spPr>
+        <p:style>
+          <a:lnRef idx="1">
+            <a:schemeClr val="accent1"/>
+          </a:lnRef>
+          <a:fillRef idx="0">
+            <a:schemeClr val="accent1"/>
+          </a:fillRef>
+          <a:effectRef idx="0">
+            <a:schemeClr val="accent1"/>
+          </a:effectRef>
+          <a:fontRef idx="minor">
+            <a:schemeClr val="tx1"/>
+          </a:fontRef>
+        </p:style>
+      </p:cxnSp>
     </p:spTree>
+    <p:extLst>
+      <p:ext uri="{BB962C8B-B14F-4D97-AF65-F5344CB8AC3E}">
+        <p14:creationId xmlns:p14="http://schemas.microsoft.com/office/powerpoint/2010/main" val="2360346178"/>
+      </p:ext>
+    </p:extLst>
   </p:cSld>
   <p:clrMapOvr>
     <a:masterClrMapping/>
@@ -13278,7 +13879,7 @@
         </p:nvSpPr>
         <p:spPr bwMode="auto">
           <a:xfrm>
-            <a:off x="19844" y="676436"/>
+            <a:off x="191344" y="669775"/>
             <a:ext cx="7620000" cy="36513"/>
           </a:xfrm>
           <a:prstGeom prst="rect">
@@ -13351,18 +13952,14 @@
             </a:r>
           </a:p>
           <a:p>
-            <a:pPr marL="342900" algn="just" eaLnBrk="0" hangingPunct="0">
+            <a:pPr marL="685800" indent="-342900" algn="just" eaLnBrk="0" hangingPunct="0">
               <a:spcBef>
                 <a:spcPct val="20000"/>
               </a:spcBef>
+              <a:buFontTx/>
+              <a:buChar char="-"/>
               <a:defRPr/>
             </a:pPr>
-            <a:r>
-              <a:rPr lang="en-US" sz="2000" kern="0" dirty="0">
-                <a:latin typeface="Trebuchet MS" panose="020B0603020202020204" pitchFamily="34" charset="0"/>
-              </a:rPr>
-              <a:t>- </a:t>
-            </a:r>
             <a:r>
               <a:rPr lang="en-US" sz="2000" b="1" kern="0" dirty="0">
                 <a:latin typeface="Trebuchet MS" panose="020B0603020202020204" pitchFamily="34" charset="0"/>
@@ -13496,7 +14093,7 @@
         <p:spPr bwMode="auto">
           <a:xfrm>
             <a:off x="0" y="226367"/>
-            <a:ext cx="2851920" cy="461665"/>
+            <a:ext cx="2999656" cy="461665"/>
           </a:xfrm>
           <a:prstGeom prst="rect">
             <a:avLst/>
@@ -13519,7 +14116,7 @@
               <a:defRPr/>
             </a:pPr>
             <a:r>
-              <a:rPr lang="en-US" sz="2400" dirty="0">
+              <a:rPr lang="en-US" sz="2400" b="1" dirty="0">
                 <a:solidFill>
                   <a:srgbClr val="FF0000"/>
                 </a:solidFill>
@@ -13536,6 +14133,2022 @@
         <p14:creationId xmlns:p14="http://schemas.microsoft.com/office/powerpoint/2010/main" val="3811030131"/>
       </p:ext>
     </p:extLst>
+  </p:cSld>
+  <p:clrMapOvr>
+    <a:masterClrMapping/>
+  </p:clrMapOvr>
+</p:sld>
+</file>
+
+<file path=ppt/slides/slide40.xml><?xml version="1.0" encoding="utf-8"?>
+<p:sld xmlns:a="http://schemas.openxmlformats.org/drawingml/2006/main" xmlns:r="http://schemas.openxmlformats.org/officeDocument/2006/relationships" xmlns:p="http://schemas.openxmlformats.org/presentationml/2006/main">
+  <p:cSld>
+    <p:spTree>
+      <p:nvGrpSpPr>
+        <p:cNvPr id="1" name=""/>
+        <p:cNvGrpSpPr/>
+        <p:nvPr/>
+      </p:nvGrpSpPr>
+      <p:grpSpPr>
+        <a:xfrm>
+          <a:off x="0" y="0"/>
+          <a:ext cx="0" cy="0"/>
+          <a:chOff x="0" y="0"/>
+          <a:chExt cx="0" cy="0"/>
+        </a:xfrm>
+      </p:grpSpPr>
+      <p:sp>
+        <p:nvSpPr>
+          <p:cNvPr id="3" name="TextBox 2">
+            <a:extLst>
+              <a:ext uri="{FF2B5EF4-FFF2-40B4-BE49-F238E27FC236}">
+                <a16:creationId xmlns:a16="http://schemas.microsoft.com/office/drawing/2014/main" id="{E81530BD-C666-18FF-69A9-62D3066EC993}"/>
+              </a:ext>
+            </a:extLst>
+          </p:cNvPr>
+          <p:cNvSpPr txBox="1"/>
+          <p:nvPr/>
+        </p:nvSpPr>
+        <p:spPr>
+          <a:xfrm>
+            <a:off x="2855640" y="1124744"/>
+            <a:ext cx="6097464" cy="5632311"/>
+          </a:xfrm>
+          <a:prstGeom prst="rect">
+            <a:avLst/>
+          </a:prstGeom>
+          <a:noFill/>
+        </p:spPr>
+        <p:txBody>
+          <a:bodyPr wrap="square">
+            <a:spAutoFit/>
+          </a:bodyPr>
+          <a:lstStyle/>
+          <a:p>
+            <a:pPr marL="342900" indent="-342900">
+              <a:buFont typeface="Courier New" panose="02070309020205020404" pitchFamily="49" charset="0"/>
+              <a:buChar char="o"/>
+            </a:pPr>
+            <a:r>
+              <a:rPr lang="en-IN" sz="2400" dirty="0"/>
+              <a:t>Refining the project prototype and aligning it with industry level standards.</a:t>
+            </a:r>
+          </a:p>
+          <a:p>
+            <a:pPr marL="342900" indent="-342900">
+              <a:buFont typeface="Courier New" panose="02070309020205020404" pitchFamily="49" charset="0"/>
+              <a:buChar char="o"/>
+            </a:pPr>
+            <a:endParaRPr lang="en-IN" sz="2400" dirty="0"/>
+          </a:p>
+          <a:p>
+            <a:pPr marL="342900" indent="-342900">
+              <a:buFont typeface="Courier New" panose="02070309020205020404" pitchFamily="49" charset="0"/>
+              <a:buChar char="o"/>
+            </a:pPr>
+            <a:r>
+              <a:rPr lang="en-IN" sz="2400" dirty="0"/>
+              <a:t>Summing our project along with all the issues resolved that we had come up in Capstone phase II.</a:t>
+            </a:r>
+          </a:p>
+          <a:p>
+            <a:pPr marL="342900" indent="-342900">
+              <a:buFont typeface="Courier New" panose="02070309020205020404" pitchFamily="49" charset="0"/>
+              <a:buChar char="o"/>
+            </a:pPr>
+            <a:endParaRPr lang="en-IN" sz="2400" dirty="0"/>
+          </a:p>
+          <a:p>
+            <a:pPr marL="342900" indent="-342900">
+              <a:buFont typeface="Courier New" panose="02070309020205020404" pitchFamily="49" charset="0"/>
+              <a:buChar char="o"/>
+            </a:pPr>
+            <a:r>
+              <a:rPr lang="en-IN" sz="2400" dirty="0"/>
+              <a:t>Working in the commercial aspect of our project.</a:t>
+            </a:r>
+          </a:p>
+          <a:p>
+            <a:pPr marL="342900" indent="-342900">
+              <a:buFont typeface="Courier New" panose="02070309020205020404" pitchFamily="49" charset="0"/>
+              <a:buChar char="o"/>
+            </a:pPr>
+            <a:endParaRPr lang="en-IN" sz="2400" dirty="0"/>
+          </a:p>
+          <a:p>
+            <a:pPr marL="342900" indent="-342900">
+              <a:buFont typeface="Courier New" panose="02070309020205020404" pitchFamily="49" charset="0"/>
+              <a:buChar char="o"/>
+            </a:pPr>
+            <a:r>
+              <a:rPr lang="en-IN" sz="2400" dirty="0"/>
+              <a:t>Low-Level Design, Module wise implementation</a:t>
+            </a:r>
+          </a:p>
+          <a:p>
+            <a:pPr marL="342900" indent="-342900">
+              <a:buFont typeface="Courier New" panose="02070309020205020404" pitchFamily="49" charset="0"/>
+              <a:buChar char="o"/>
+            </a:pPr>
+            <a:endParaRPr lang="en-IN" sz="2400" dirty="0"/>
+          </a:p>
+          <a:p>
+            <a:pPr marL="342900" indent="-342900">
+              <a:buFont typeface="Courier New" panose="02070309020205020404" pitchFamily="49" charset="0"/>
+              <a:buChar char="o"/>
+            </a:pPr>
+            <a:r>
+              <a:rPr lang="en-IN" sz="2400" dirty="0"/>
+              <a:t>Making a research paper on our project and publishing it.   </a:t>
+            </a:r>
+          </a:p>
+        </p:txBody>
+      </p:sp>
+      <p:sp>
+        <p:nvSpPr>
+          <p:cNvPr id="7" name="TextBox 6">
+            <a:extLst>
+              <a:ext uri="{FF2B5EF4-FFF2-40B4-BE49-F238E27FC236}">
+                <a16:creationId xmlns:a16="http://schemas.microsoft.com/office/drawing/2014/main" id="{33EE0F26-57DF-A2B8-4411-CBEDE4698A3D}"/>
+              </a:ext>
+            </a:extLst>
+          </p:cNvPr>
+          <p:cNvSpPr txBox="1"/>
+          <p:nvPr/>
+        </p:nvSpPr>
+        <p:spPr>
+          <a:xfrm>
+            <a:off x="407368" y="404664"/>
+            <a:ext cx="6097464" cy="523220"/>
+          </a:xfrm>
+          <a:prstGeom prst="rect">
+            <a:avLst/>
+          </a:prstGeom>
+          <a:noFill/>
+        </p:spPr>
+        <p:txBody>
+          <a:bodyPr wrap="square">
+            <a:spAutoFit/>
+          </a:bodyPr>
+          <a:lstStyle/>
+          <a:p>
+            <a:r>
+              <a:rPr lang="en-IN" sz="2800" b="1" dirty="0">
+                <a:solidFill>
+                  <a:srgbClr val="FF0000"/>
+                </a:solidFill>
+              </a:rPr>
+              <a:t>CAPSTONE III – DELIVERABLES</a:t>
+            </a:r>
+            <a:endParaRPr lang="en-IN" sz="2800" dirty="0">
+              <a:solidFill>
+                <a:srgbClr val="FF0000"/>
+              </a:solidFill>
+            </a:endParaRPr>
+          </a:p>
+        </p:txBody>
+      </p:sp>
+      <p:cxnSp>
+        <p:nvCxnSpPr>
+          <p:cNvPr id="8" name="Straight Connector 7">
+            <a:extLst>
+              <a:ext uri="{FF2B5EF4-FFF2-40B4-BE49-F238E27FC236}">
+                <a16:creationId xmlns:a16="http://schemas.microsoft.com/office/drawing/2014/main" id="{E40932F0-B8A5-BC5A-C34F-A9A9259910A8}"/>
+              </a:ext>
+            </a:extLst>
+          </p:cNvPr>
+          <p:cNvCxnSpPr>
+            <a:cxnSpLocks/>
+          </p:cNvCxnSpPr>
+          <p:nvPr/>
+        </p:nvCxnSpPr>
+        <p:spPr>
+          <a:xfrm>
+            <a:off x="479376" y="927884"/>
+            <a:ext cx="5760640" cy="0"/>
+          </a:xfrm>
+          <a:prstGeom prst="line">
+            <a:avLst/>
+          </a:prstGeom>
+          <a:ln w="38100">
+            <a:solidFill>
+              <a:srgbClr val="00FFFF"/>
+            </a:solidFill>
+          </a:ln>
+        </p:spPr>
+        <p:style>
+          <a:lnRef idx="1">
+            <a:schemeClr val="accent1"/>
+          </a:lnRef>
+          <a:fillRef idx="0">
+            <a:schemeClr val="accent1"/>
+          </a:fillRef>
+          <a:effectRef idx="0">
+            <a:schemeClr val="accent1"/>
+          </a:effectRef>
+          <a:fontRef idx="minor">
+            <a:schemeClr val="tx1"/>
+          </a:fontRef>
+        </p:style>
+      </p:cxnSp>
+    </p:spTree>
+    <p:extLst>
+      <p:ext uri="{BB962C8B-B14F-4D97-AF65-F5344CB8AC3E}">
+        <p14:creationId xmlns:p14="http://schemas.microsoft.com/office/powerpoint/2010/main" val="1397382770"/>
+      </p:ext>
+    </p:extLst>
+  </p:cSld>
+  <p:clrMapOvr>
+    <a:masterClrMapping/>
+  </p:clrMapOvr>
+</p:sld>
+</file>
+
+<file path=ppt/slides/slide41.xml><?xml version="1.0" encoding="utf-8"?>
+<p:sld xmlns:a="http://schemas.openxmlformats.org/drawingml/2006/main" xmlns:r="http://schemas.openxmlformats.org/officeDocument/2006/relationships" xmlns:p="http://schemas.openxmlformats.org/presentationml/2006/main">
+  <p:cSld>
+    <p:spTree>
+      <p:nvGrpSpPr>
+        <p:cNvPr id="1" name=""/>
+        <p:cNvGrpSpPr/>
+        <p:nvPr/>
+      </p:nvGrpSpPr>
+      <p:grpSpPr>
+        <a:xfrm>
+          <a:off x="0" y="0"/>
+          <a:ext cx="0" cy="0"/>
+          <a:chOff x="0" y="0"/>
+          <a:chExt cx="0" cy="0"/>
+        </a:xfrm>
+      </p:grpSpPr>
+      <p:sp>
+        <p:nvSpPr>
+          <p:cNvPr id="3" name="TextBox 2">
+            <a:extLst>
+              <a:ext uri="{FF2B5EF4-FFF2-40B4-BE49-F238E27FC236}">
+                <a16:creationId xmlns:a16="http://schemas.microsoft.com/office/drawing/2014/main" id="{64C09E17-1ED7-F412-D24B-2271C2B60FCE}"/>
+              </a:ext>
+            </a:extLst>
+          </p:cNvPr>
+          <p:cNvSpPr txBox="1"/>
+          <p:nvPr/>
+        </p:nvSpPr>
+        <p:spPr>
+          <a:xfrm>
+            <a:off x="263352" y="182245"/>
+            <a:ext cx="8928992" cy="954107"/>
+          </a:xfrm>
+          <a:prstGeom prst="rect">
+            <a:avLst/>
+          </a:prstGeom>
+          <a:noFill/>
+        </p:spPr>
+        <p:txBody>
+          <a:bodyPr wrap="square">
+            <a:spAutoFit/>
+          </a:bodyPr>
+          <a:lstStyle/>
+          <a:p>
+            <a:r>
+              <a:rPr lang="en-IN" sz="2800" b="1" dirty="0">
+                <a:solidFill>
+                  <a:srgbClr val="FF0000"/>
+                </a:solidFill>
+              </a:rPr>
+              <a:t>TENTATIVE EFFORT TO BE CARRIED OUT BY EACH TEAMMATE</a:t>
+            </a:r>
+          </a:p>
+        </p:txBody>
+      </p:sp>
+      <p:cxnSp>
+        <p:nvCxnSpPr>
+          <p:cNvPr id="4" name="Straight Connector 3">
+            <a:extLst>
+              <a:ext uri="{FF2B5EF4-FFF2-40B4-BE49-F238E27FC236}">
+                <a16:creationId xmlns:a16="http://schemas.microsoft.com/office/drawing/2014/main" id="{A9582A5A-C4A3-CED0-F7DB-C4595DC50B02}"/>
+              </a:ext>
+            </a:extLst>
+          </p:cNvPr>
+          <p:cNvCxnSpPr>
+            <a:cxnSpLocks/>
+          </p:cNvCxnSpPr>
+          <p:nvPr/>
+        </p:nvCxnSpPr>
+        <p:spPr>
+          <a:xfrm>
+            <a:off x="410299" y="659298"/>
+            <a:ext cx="7776864" cy="0"/>
+          </a:xfrm>
+          <a:prstGeom prst="line">
+            <a:avLst/>
+          </a:prstGeom>
+          <a:ln w="38100">
+            <a:solidFill>
+              <a:srgbClr val="00FFFF"/>
+            </a:solidFill>
+          </a:ln>
+        </p:spPr>
+        <p:style>
+          <a:lnRef idx="1">
+            <a:schemeClr val="accent1"/>
+          </a:lnRef>
+          <a:fillRef idx="0">
+            <a:schemeClr val="accent1"/>
+          </a:fillRef>
+          <a:effectRef idx="0">
+            <a:schemeClr val="accent1"/>
+          </a:effectRef>
+          <a:fontRef idx="minor">
+            <a:schemeClr val="tx1"/>
+          </a:fontRef>
+        </p:style>
+      </p:cxnSp>
+      <p:cxnSp>
+        <p:nvCxnSpPr>
+          <p:cNvPr id="6" name="Straight Connector 5">
+            <a:extLst>
+              <a:ext uri="{FF2B5EF4-FFF2-40B4-BE49-F238E27FC236}">
+                <a16:creationId xmlns:a16="http://schemas.microsoft.com/office/drawing/2014/main" id="{0ABC364A-3E37-5490-0DCD-7F3A4546AE55}"/>
+              </a:ext>
+            </a:extLst>
+          </p:cNvPr>
+          <p:cNvCxnSpPr>
+            <a:cxnSpLocks/>
+          </p:cNvCxnSpPr>
+          <p:nvPr/>
+        </p:nvCxnSpPr>
+        <p:spPr>
+          <a:xfrm>
+            <a:off x="410299" y="1052736"/>
+            <a:ext cx="3168352" cy="0"/>
+          </a:xfrm>
+          <a:prstGeom prst="line">
+            <a:avLst/>
+          </a:prstGeom>
+          <a:ln w="38100">
+            <a:solidFill>
+              <a:srgbClr val="00FFFF"/>
+            </a:solidFill>
+          </a:ln>
+        </p:spPr>
+        <p:style>
+          <a:lnRef idx="1">
+            <a:schemeClr val="accent1"/>
+          </a:lnRef>
+          <a:fillRef idx="0">
+            <a:schemeClr val="accent1"/>
+          </a:fillRef>
+          <a:effectRef idx="0">
+            <a:schemeClr val="accent1"/>
+          </a:effectRef>
+          <a:fontRef idx="minor">
+            <a:schemeClr val="tx1"/>
+          </a:fontRef>
+        </p:style>
+      </p:cxnSp>
+      <p:sp>
+        <p:nvSpPr>
+          <p:cNvPr id="9" name="TextBox 8">
+            <a:extLst>
+              <a:ext uri="{FF2B5EF4-FFF2-40B4-BE49-F238E27FC236}">
+                <a16:creationId xmlns:a16="http://schemas.microsoft.com/office/drawing/2014/main" id="{B77855D6-50FB-0816-CBB8-850B4D97BA21}"/>
+              </a:ext>
+            </a:extLst>
+          </p:cNvPr>
+          <p:cNvSpPr txBox="1"/>
+          <p:nvPr/>
+        </p:nvSpPr>
+        <p:spPr>
+          <a:xfrm>
+            <a:off x="263352" y="1650280"/>
+            <a:ext cx="11446341" cy="4154984"/>
+          </a:xfrm>
+          <a:prstGeom prst="rect">
+            <a:avLst/>
+          </a:prstGeom>
+          <a:noFill/>
+        </p:spPr>
+        <p:txBody>
+          <a:bodyPr wrap="square">
+            <a:spAutoFit/>
+          </a:bodyPr>
+          <a:lstStyle/>
+          <a:p>
+            <a:pPr marL="0" indent="0">
+              <a:buNone/>
+            </a:pPr>
+            <a:r>
+              <a:rPr lang="en-US" sz="2400" b="1" u="sng" dirty="0">
+                <a:solidFill>
+                  <a:srgbClr val="FF0000"/>
+                </a:solidFill>
+              </a:rPr>
+              <a:t>Team Member 1</a:t>
+            </a:r>
+            <a:r>
+              <a:rPr lang="en-US" sz="2400" b="1" dirty="0">
+                <a:solidFill>
+                  <a:srgbClr val="FF0000"/>
+                </a:solidFill>
+              </a:rPr>
+              <a:t>: </a:t>
+            </a:r>
+          </a:p>
+          <a:p>
+            <a:pPr marL="0" indent="0">
+              <a:buNone/>
+            </a:pPr>
+            <a:endParaRPr lang="en-US" sz="2400" b="1" dirty="0">
+              <a:solidFill>
+                <a:srgbClr val="FF0000"/>
+              </a:solidFill>
+            </a:endParaRPr>
+          </a:p>
+          <a:p>
+            <a:pPr marL="0" indent="0">
+              <a:buNone/>
+            </a:pPr>
+            <a:r>
+              <a:rPr lang="en-US" sz="2400" b="1" u="sng" dirty="0">
+                <a:solidFill>
+                  <a:srgbClr val="0066FF"/>
+                </a:solidFill>
+              </a:rPr>
+              <a:t>Data Preparation and Simulation</a:t>
+            </a:r>
+            <a:r>
+              <a:rPr lang="en-US" sz="2400" dirty="0"/>
+              <a:t> </a:t>
+            </a:r>
+          </a:p>
+          <a:p>
+            <a:pPr marL="0" indent="0">
+              <a:buNone/>
+            </a:pPr>
+            <a:endParaRPr lang="en-US" sz="2400" dirty="0"/>
+          </a:p>
+          <a:p>
+            <a:pPr>
+              <a:buFont typeface="Wingdings" panose="05000000000000000000" pitchFamily="2" charset="2"/>
+              <a:buChar char="è"/>
+            </a:pPr>
+            <a:r>
+              <a:rPr lang="en-US" sz="2400" b="1" u="sng" dirty="0"/>
+              <a:t>Responsibilities: </a:t>
+            </a:r>
+            <a:r>
+              <a:rPr lang="en-US" sz="2400" dirty="0"/>
+              <a:t>Gather and preprocess datasets for training the AI model, focusing on both normal and replay attack scenarios. Set up a simulated CCTV network environment using tools like GNS3 or Cisco Packet Tracer. Simulate network traffic to mimic real-world conditions and replay attack scenarios. </a:t>
+            </a:r>
+          </a:p>
+          <a:p>
+            <a:endParaRPr lang="en-US" sz="2400" dirty="0"/>
+          </a:p>
+          <a:p>
+            <a:pPr>
+              <a:buFont typeface="Wingdings" panose="05000000000000000000" pitchFamily="2" charset="2"/>
+              <a:buChar char="è"/>
+            </a:pPr>
+            <a:r>
+              <a:rPr lang="en-US" sz="2400" b="1" u="sng" dirty="0"/>
+              <a:t>Key Tasks: </a:t>
+            </a:r>
+            <a:r>
+              <a:rPr lang="en-US" sz="2400" dirty="0"/>
+              <a:t>Identify relevant datasets or create synthetic Datasets. Document the simulation setup process for later integration with the AI model.</a:t>
+            </a:r>
+          </a:p>
+        </p:txBody>
+      </p:sp>
+    </p:spTree>
+    <p:extLst>
+      <p:ext uri="{BB962C8B-B14F-4D97-AF65-F5344CB8AC3E}">
+        <p14:creationId xmlns:p14="http://schemas.microsoft.com/office/powerpoint/2010/main" val="1244772156"/>
+      </p:ext>
+    </p:extLst>
+  </p:cSld>
+  <p:clrMapOvr>
+    <a:masterClrMapping/>
+  </p:clrMapOvr>
+</p:sld>
+</file>
+
+<file path=ppt/slides/slide42.xml><?xml version="1.0" encoding="utf-8"?>
+<p:sld xmlns:a="http://schemas.openxmlformats.org/drawingml/2006/main" xmlns:r="http://schemas.openxmlformats.org/officeDocument/2006/relationships" xmlns:p="http://schemas.openxmlformats.org/presentationml/2006/main">
+  <p:cSld>
+    <p:spTree>
+      <p:nvGrpSpPr>
+        <p:cNvPr id="1" name=""/>
+        <p:cNvGrpSpPr/>
+        <p:nvPr/>
+      </p:nvGrpSpPr>
+      <p:grpSpPr>
+        <a:xfrm>
+          <a:off x="0" y="0"/>
+          <a:ext cx="0" cy="0"/>
+          <a:chOff x="0" y="0"/>
+          <a:chExt cx="0" cy="0"/>
+        </a:xfrm>
+      </p:grpSpPr>
+      <p:sp>
+        <p:nvSpPr>
+          <p:cNvPr id="3" name="TextBox 2">
+            <a:extLst>
+              <a:ext uri="{FF2B5EF4-FFF2-40B4-BE49-F238E27FC236}">
+                <a16:creationId xmlns:a16="http://schemas.microsoft.com/office/drawing/2014/main" id="{63B17897-EE02-9E12-4094-9DEF4D511DBE}"/>
+              </a:ext>
+            </a:extLst>
+          </p:cNvPr>
+          <p:cNvSpPr txBox="1"/>
+          <p:nvPr/>
+        </p:nvSpPr>
+        <p:spPr>
+          <a:xfrm>
+            <a:off x="263352" y="1124744"/>
+            <a:ext cx="11521280" cy="4524315"/>
+          </a:xfrm>
+          <a:prstGeom prst="rect">
+            <a:avLst/>
+          </a:prstGeom>
+          <a:noFill/>
+        </p:spPr>
+        <p:txBody>
+          <a:bodyPr wrap="square">
+            <a:spAutoFit/>
+          </a:bodyPr>
+          <a:lstStyle/>
+          <a:p>
+            <a:pPr marL="0" indent="0">
+              <a:buNone/>
+            </a:pPr>
+            <a:r>
+              <a:rPr lang="en-US" sz="2400" b="1" u="sng" dirty="0">
+                <a:solidFill>
+                  <a:srgbClr val="FF0000"/>
+                </a:solidFill>
+              </a:rPr>
+              <a:t>Team Member 2: </a:t>
+            </a:r>
+          </a:p>
+          <a:p>
+            <a:pPr marL="0" indent="0">
+              <a:buNone/>
+            </a:pPr>
+            <a:endParaRPr lang="en-US" sz="2400" b="1" u="sng" dirty="0">
+              <a:solidFill>
+                <a:srgbClr val="FF0000"/>
+              </a:solidFill>
+            </a:endParaRPr>
+          </a:p>
+          <a:p>
+            <a:pPr marL="0" indent="0">
+              <a:buNone/>
+            </a:pPr>
+            <a:r>
+              <a:rPr lang="en-US" sz="2400" b="1" u="sng" dirty="0">
+                <a:solidFill>
+                  <a:srgbClr val="3399FF"/>
+                </a:solidFill>
+              </a:rPr>
+              <a:t>AI Model Development</a:t>
+            </a:r>
+          </a:p>
+          <a:p>
+            <a:pPr marL="0" indent="0">
+              <a:buNone/>
+            </a:pPr>
+            <a:endParaRPr lang="en-US" sz="2400" b="1" u="sng" dirty="0">
+              <a:solidFill>
+                <a:srgbClr val="3399FF"/>
+              </a:solidFill>
+            </a:endParaRPr>
+          </a:p>
+          <a:p>
+            <a:pPr>
+              <a:buFont typeface="Wingdings" panose="05000000000000000000" pitchFamily="2" charset="2"/>
+              <a:buChar char="è"/>
+            </a:pPr>
+            <a:r>
+              <a:rPr lang="en-US" sz="2400" b="1" u="sng" dirty="0"/>
+              <a:t>Responsibilities: </a:t>
+            </a:r>
+            <a:r>
+              <a:rPr lang="en-US" sz="2400" dirty="0"/>
+              <a:t>Select appropriate machine learning algorithms for detecting replay attacks. Develop and train the AI model using the prepared datasets. Implement features for anomaly detection based on identified behaviors associated with replay attacks. </a:t>
+            </a:r>
+          </a:p>
+          <a:p>
+            <a:endParaRPr lang="en-US" sz="2400" dirty="0"/>
+          </a:p>
+          <a:p>
+            <a:pPr>
+              <a:buFont typeface="Wingdings" panose="05000000000000000000" pitchFamily="2" charset="2"/>
+              <a:buChar char="è"/>
+            </a:pPr>
+            <a:r>
+              <a:rPr lang="en-US" sz="2400" b="1" u="sng" dirty="0"/>
+              <a:t>Key Tasks: </a:t>
+            </a:r>
+            <a:r>
+              <a:rPr lang="en-US" sz="2400" dirty="0"/>
+              <a:t>Experiment with different algorithms (e.g., decision trees, neural networks) to find the most effective for our use case. Document the training process, including evaluation metrics and model performance.</a:t>
+            </a:r>
+          </a:p>
+        </p:txBody>
+      </p:sp>
+    </p:spTree>
+    <p:extLst>
+      <p:ext uri="{BB962C8B-B14F-4D97-AF65-F5344CB8AC3E}">
+        <p14:creationId xmlns:p14="http://schemas.microsoft.com/office/powerpoint/2010/main" val="1372717750"/>
+      </p:ext>
+    </p:extLst>
+  </p:cSld>
+  <p:clrMapOvr>
+    <a:masterClrMapping/>
+  </p:clrMapOvr>
+</p:sld>
+</file>
+
+<file path=ppt/slides/slide43.xml><?xml version="1.0" encoding="utf-8"?>
+<p:sld xmlns:a="http://schemas.openxmlformats.org/drawingml/2006/main" xmlns:r="http://schemas.openxmlformats.org/officeDocument/2006/relationships" xmlns:p="http://schemas.openxmlformats.org/presentationml/2006/main">
+  <p:cSld>
+    <p:spTree>
+      <p:nvGrpSpPr>
+        <p:cNvPr id="1" name=""/>
+        <p:cNvGrpSpPr/>
+        <p:nvPr/>
+      </p:nvGrpSpPr>
+      <p:grpSpPr>
+        <a:xfrm>
+          <a:off x="0" y="0"/>
+          <a:ext cx="0" cy="0"/>
+          <a:chOff x="0" y="0"/>
+          <a:chExt cx="0" cy="0"/>
+        </a:xfrm>
+      </p:grpSpPr>
+      <p:sp>
+        <p:nvSpPr>
+          <p:cNvPr id="3" name="TextBox 2">
+            <a:extLst>
+              <a:ext uri="{FF2B5EF4-FFF2-40B4-BE49-F238E27FC236}">
+                <a16:creationId xmlns:a16="http://schemas.microsoft.com/office/drawing/2014/main" id="{17F66CF4-20BB-B633-2400-7A2233CA532F}"/>
+              </a:ext>
+            </a:extLst>
+          </p:cNvPr>
+          <p:cNvSpPr txBox="1"/>
+          <p:nvPr/>
+        </p:nvSpPr>
+        <p:spPr>
+          <a:xfrm>
+            <a:off x="335360" y="1268760"/>
+            <a:ext cx="11377264" cy="4524315"/>
+          </a:xfrm>
+          <a:prstGeom prst="rect">
+            <a:avLst/>
+          </a:prstGeom>
+          <a:noFill/>
+        </p:spPr>
+        <p:txBody>
+          <a:bodyPr wrap="square">
+            <a:spAutoFit/>
+          </a:bodyPr>
+          <a:lstStyle/>
+          <a:p>
+            <a:pPr marL="0" indent="0">
+              <a:buNone/>
+            </a:pPr>
+            <a:r>
+              <a:rPr lang="en-US" sz="2400" b="1" u="sng" dirty="0">
+                <a:solidFill>
+                  <a:srgbClr val="FF0000"/>
+                </a:solidFill>
+              </a:rPr>
+              <a:t>Team Member 3: </a:t>
+            </a:r>
+          </a:p>
+          <a:p>
+            <a:pPr marL="0" indent="0">
+              <a:buNone/>
+            </a:pPr>
+            <a:endParaRPr lang="en-US" sz="2400" b="1" u="sng" dirty="0">
+              <a:solidFill>
+                <a:srgbClr val="FF0000"/>
+              </a:solidFill>
+            </a:endParaRPr>
+          </a:p>
+          <a:p>
+            <a:pPr marL="0" indent="0">
+              <a:buNone/>
+            </a:pPr>
+            <a:r>
+              <a:rPr lang="en-US" sz="2400" b="1" u="sng" dirty="0">
+                <a:solidFill>
+                  <a:srgbClr val="0066FF"/>
+                </a:solidFill>
+              </a:rPr>
+              <a:t>System Integration</a:t>
+            </a:r>
+          </a:p>
+          <a:p>
+            <a:pPr marL="0" indent="0">
+              <a:buNone/>
+            </a:pPr>
+            <a:endParaRPr lang="en-US" sz="2400" b="1" u="sng" dirty="0">
+              <a:solidFill>
+                <a:srgbClr val="0066FF"/>
+              </a:solidFill>
+            </a:endParaRPr>
+          </a:p>
+          <a:p>
+            <a:pPr>
+              <a:buFont typeface="Wingdings" panose="05000000000000000000" pitchFamily="2" charset="2"/>
+              <a:buChar char="è"/>
+            </a:pPr>
+            <a:r>
+              <a:rPr lang="en-US" sz="2400" b="1" u="sng" dirty="0"/>
+              <a:t>Responsibilities: </a:t>
+            </a:r>
+            <a:r>
+              <a:rPr lang="en-US" sz="2400" dirty="0"/>
+              <a:t>Integrate the trained AI model with the simulated CCTV network. Ensure the model can analyze video streams and network traffic in real-time for replay attack detection. Develop the interface for the automated response system to be triggered when a replay attack is detected. </a:t>
+            </a:r>
+          </a:p>
+          <a:p>
+            <a:endParaRPr lang="en-US" sz="2400" dirty="0"/>
+          </a:p>
+          <a:p>
+            <a:pPr>
+              <a:buFont typeface="Wingdings" panose="05000000000000000000" pitchFamily="2" charset="2"/>
+              <a:buChar char="è"/>
+            </a:pPr>
+            <a:r>
+              <a:rPr lang="en-US" sz="2400" b="1" u="sng" dirty="0"/>
+              <a:t>Key Tasks: </a:t>
+            </a:r>
+            <a:r>
+              <a:rPr lang="en-US" sz="2400" dirty="0"/>
+              <a:t>Work on coding the integration between the AI model and the CCTV simulation. Test the system’s functionality to ensure smooth communication between components.</a:t>
+            </a:r>
+          </a:p>
+        </p:txBody>
+      </p:sp>
+    </p:spTree>
+    <p:extLst>
+      <p:ext uri="{BB962C8B-B14F-4D97-AF65-F5344CB8AC3E}">
+        <p14:creationId xmlns:p14="http://schemas.microsoft.com/office/powerpoint/2010/main" val="2163565618"/>
+      </p:ext>
+    </p:extLst>
+  </p:cSld>
+  <p:clrMapOvr>
+    <a:masterClrMapping/>
+  </p:clrMapOvr>
+</p:sld>
+</file>
+
+<file path=ppt/slides/slide44.xml><?xml version="1.0" encoding="utf-8"?>
+<p:sld xmlns:a="http://schemas.openxmlformats.org/drawingml/2006/main" xmlns:r="http://schemas.openxmlformats.org/officeDocument/2006/relationships" xmlns:p="http://schemas.openxmlformats.org/presentationml/2006/main">
+  <p:cSld>
+    <p:spTree>
+      <p:nvGrpSpPr>
+        <p:cNvPr id="1" name=""/>
+        <p:cNvGrpSpPr/>
+        <p:nvPr/>
+      </p:nvGrpSpPr>
+      <p:grpSpPr>
+        <a:xfrm>
+          <a:off x="0" y="0"/>
+          <a:ext cx="0" cy="0"/>
+          <a:chOff x="0" y="0"/>
+          <a:chExt cx="0" cy="0"/>
+        </a:xfrm>
+      </p:grpSpPr>
+      <p:sp>
+        <p:nvSpPr>
+          <p:cNvPr id="3" name="TextBox 2">
+            <a:extLst>
+              <a:ext uri="{FF2B5EF4-FFF2-40B4-BE49-F238E27FC236}">
+                <a16:creationId xmlns:a16="http://schemas.microsoft.com/office/drawing/2014/main" id="{071250B7-23F5-7A45-BDF2-D300ED1C6CE0}"/>
+              </a:ext>
+            </a:extLst>
+          </p:cNvPr>
+          <p:cNvSpPr txBox="1"/>
+          <p:nvPr/>
+        </p:nvSpPr>
+        <p:spPr>
+          <a:xfrm>
+            <a:off x="119336" y="620688"/>
+            <a:ext cx="11593288" cy="5940088"/>
+          </a:xfrm>
+          <a:prstGeom prst="rect">
+            <a:avLst/>
+          </a:prstGeom>
+          <a:noFill/>
+        </p:spPr>
+        <p:txBody>
+          <a:bodyPr wrap="square">
+            <a:spAutoFit/>
+          </a:bodyPr>
+          <a:lstStyle/>
+          <a:p>
+            <a:pPr marL="0" indent="0">
+              <a:buNone/>
+            </a:pPr>
+            <a:r>
+              <a:rPr lang="en-US" sz="2000" b="1" u="sng" dirty="0">
+                <a:solidFill>
+                  <a:srgbClr val="FF0000"/>
+                </a:solidFill>
+              </a:rPr>
+              <a:t>Team Member 4: </a:t>
+            </a:r>
+          </a:p>
+          <a:p>
+            <a:pPr marL="0" indent="0">
+              <a:buNone/>
+            </a:pPr>
+            <a:endParaRPr lang="en-US" sz="2000" b="1" u="sng" dirty="0">
+              <a:solidFill>
+                <a:srgbClr val="FF0000"/>
+              </a:solidFill>
+            </a:endParaRPr>
+          </a:p>
+          <a:p>
+            <a:pPr marL="0" indent="0">
+              <a:buNone/>
+            </a:pPr>
+            <a:r>
+              <a:rPr lang="en-US" sz="2000" b="1" u="sng" dirty="0">
+                <a:solidFill>
+                  <a:srgbClr val="3399FF"/>
+                </a:solidFill>
+              </a:rPr>
+              <a:t>Testing and Validation</a:t>
+            </a:r>
+          </a:p>
+          <a:p>
+            <a:pPr marL="0" indent="0">
+              <a:buNone/>
+            </a:pPr>
+            <a:endParaRPr lang="en-US" sz="2000" b="1" u="sng" dirty="0">
+              <a:solidFill>
+                <a:srgbClr val="3399FF"/>
+              </a:solidFill>
+            </a:endParaRPr>
+          </a:p>
+          <a:p>
+            <a:pPr>
+              <a:buFont typeface="Wingdings" panose="05000000000000000000" pitchFamily="2" charset="2"/>
+              <a:buChar char="è"/>
+            </a:pPr>
+            <a:r>
+              <a:rPr lang="en-US" sz="2000" b="1" u="sng" dirty="0"/>
+              <a:t>Responsibilities: </a:t>
+            </a:r>
+            <a:r>
+              <a:rPr lang="en-US" sz="2000" dirty="0"/>
+              <a:t>Conduct comprehensive testing of the integrated system to evaluate performance, accuracy, and robustness against replay attacks. Gather user feedback (if applicable) and iteratively refine the system based on test results. Prepare detailed documentation of the testing process, outcomes, and system performance metrics. </a:t>
+            </a:r>
+          </a:p>
+          <a:p>
+            <a:endParaRPr lang="en-US" sz="2000" dirty="0"/>
+          </a:p>
+          <a:p>
+            <a:pPr>
+              <a:buFont typeface="Wingdings" panose="05000000000000000000" pitchFamily="2" charset="2"/>
+              <a:buChar char="è"/>
+            </a:pPr>
+            <a:r>
+              <a:rPr lang="en-US" sz="2000" b="1" u="sng" dirty="0"/>
+              <a:t>Key Tasks: </a:t>
+            </a:r>
+            <a:r>
+              <a:rPr lang="en-US" sz="2000" dirty="0"/>
+              <a:t>Create a testing framework to simulate various replay attack scenarios. Analyze the results and make recommendations for system improvements based on findings. </a:t>
+            </a:r>
+          </a:p>
+          <a:p>
+            <a:pPr>
+              <a:buFont typeface="Wingdings" panose="05000000000000000000" pitchFamily="2" charset="2"/>
+              <a:buChar char="è"/>
+            </a:pPr>
+            <a:endParaRPr lang="en-US" sz="2000" dirty="0"/>
+          </a:p>
+          <a:p>
+            <a:pPr>
+              <a:buFont typeface="Wingdings" panose="05000000000000000000" pitchFamily="2" charset="2"/>
+              <a:buChar char="è"/>
+            </a:pPr>
+            <a:r>
+              <a:rPr lang="en-US" sz="2000" b="1" u="sng" dirty="0"/>
+              <a:t>Collaboration-</a:t>
+            </a:r>
+            <a:r>
+              <a:rPr lang="en-US" sz="2000" dirty="0"/>
+              <a:t> </a:t>
+            </a:r>
+          </a:p>
+          <a:p>
+            <a:pPr>
+              <a:buFont typeface="Wingdings" panose="05000000000000000000" pitchFamily="2" charset="2"/>
+              <a:buChar char="è"/>
+            </a:pPr>
+            <a:endParaRPr lang="en-US" sz="2000" dirty="0"/>
+          </a:p>
+          <a:p>
+            <a:pPr>
+              <a:buFontTx/>
+              <a:buChar char="-"/>
+            </a:pPr>
+            <a:r>
+              <a:rPr lang="en-US" sz="2000" b="1" dirty="0"/>
+              <a:t>Regular Check-Ins</a:t>
+            </a:r>
+            <a:r>
+              <a:rPr lang="en-US" sz="2000" dirty="0"/>
+              <a:t>: Hold weekly meetings to share progress, troubleshoot issues, and adjust responsibilities as needed. </a:t>
+            </a:r>
+          </a:p>
+          <a:p>
+            <a:pPr>
+              <a:buFontTx/>
+              <a:buChar char="-"/>
+            </a:pPr>
+            <a:endParaRPr lang="en-US" sz="2000" dirty="0"/>
+          </a:p>
+          <a:p>
+            <a:pPr>
+              <a:buFontTx/>
+              <a:buChar char="-"/>
+            </a:pPr>
+            <a:r>
+              <a:rPr lang="en-US" sz="2000" b="1" dirty="0"/>
+              <a:t>Shared Documentation</a:t>
+            </a:r>
+            <a:r>
+              <a:rPr lang="en-US" sz="2000" dirty="0"/>
+              <a:t>: Use a collaborative platform (e.g., Google Docs) to maintain documentation on each aspect of implementation, allowing for easy updates and access.</a:t>
+            </a:r>
+            <a:endParaRPr lang="en-IN" sz="2000" dirty="0"/>
+          </a:p>
+        </p:txBody>
+      </p:sp>
+    </p:spTree>
+    <p:extLst>
+      <p:ext uri="{BB962C8B-B14F-4D97-AF65-F5344CB8AC3E}">
+        <p14:creationId xmlns:p14="http://schemas.microsoft.com/office/powerpoint/2010/main" val="2131446910"/>
+      </p:ext>
+    </p:extLst>
+  </p:cSld>
+  <p:clrMapOvr>
+    <a:masterClrMapping/>
+  </p:clrMapOvr>
+</p:sld>
+</file>
+
+<file path=ppt/slides/slide45.xml><?xml version="1.0" encoding="utf-8"?>
+<p:sld xmlns:a="http://schemas.openxmlformats.org/drawingml/2006/main" xmlns:r="http://schemas.openxmlformats.org/officeDocument/2006/relationships" xmlns:p="http://schemas.openxmlformats.org/presentationml/2006/main">
+  <p:cSld>
+    <p:spTree>
+      <p:nvGrpSpPr>
+        <p:cNvPr id="1" name=""/>
+        <p:cNvGrpSpPr/>
+        <p:nvPr/>
+      </p:nvGrpSpPr>
+      <p:grpSpPr>
+        <a:xfrm>
+          <a:off x="0" y="0"/>
+          <a:ext cx="0" cy="0"/>
+          <a:chOff x="0" y="0"/>
+          <a:chExt cx="0" cy="0"/>
+        </a:xfrm>
+      </p:grpSpPr>
+      <p:sp>
+        <p:nvSpPr>
+          <p:cNvPr id="2" name="Rectangle 1"/>
+          <p:cNvSpPr>
+            <a:spLocks noChangeArrowheads="1"/>
+          </p:cNvSpPr>
+          <p:nvPr/>
+        </p:nvSpPr>
+        <p:spPr bwMode="auto">
+          <a:xfrm>
+            <a:off x="3048000" y="1581155"/>
+            <a:ext cx="7620000" cy="36513"/>
+          </a:xfrm>
+          <a:prstGeom prst="rect">
+            <a:avLst/>
+          </a:prstGeom>
+          <a:solidFill>
+            <a:srgbClr val="33CCCC"/>
+          </a:solidFill>
+          <a:ln w="9525">
+            <a:noFill/>
+            <a:miter lim="800000"/>
+            <a:headEnd/>
+            <a:tailEnd/>
+          </a:ln>
+        </p:spPr>
+        <p:txBody>
+          <a:bodyPr wrap="none" anchor="ctr"/>
+          <a:lstStyle/>
+          <a:p>
+            <a:endParaRPr lang="en-US"/>
+          </a:p>
+        </p:txBody>
+      </p:sp>
+      <p:sp>
+        <p:nvSpPr>
+          <p:cNvPr id="3" name="Text Box 34"/>
+          <p:cNvSpPr txBox="1">
+            <a:spLocks noChangeArrowheads="1"/>
+          </p:cNvSpPr>
+          <p:nvPr/>
+        </p:nvSpPr>
+        <p:spPr bwMode="auto">
+          <a:xfrm>
+            <a:off x="2895745" y="975823"/>
+            <a:ext cx="7772400" cy="461665"/>
+          </a:xfrm>
+          <a:prstGeom prst="rect">
+            <a:avLst/>
+          </a:prstGeom>
+          <a:noFill/>
+          <a:ln w="9525">
+            <a:noFill/>
+            <a:miter lim="800000"/>
+            <a:headEnd/>
+            <a:tailEnd/>
+          </a:ln>
+        </p:spPr>
+        <p:txBody>
+          <a:bodyPr wrap="square">
+            <a:spAutoFit/>
+          </a:bodyPr>
+          <a:lstStyle/>
+          <a:p>
+            <a:pPr marL="342891" indent="-342891" algn="r" eaLnBrk="0" hangingPunct="0">
+              <a:defRPr/>
+            </a:pPr>
+            <a:r>
+              <a:rPr lang="en-US" sz="2400" dirty="0">
+                <a:solidFill>
+                  <a:srgbClr val="FF0000"/>
+                </a:solidFill>
+                <a:latin typeface="Trebuchet MS" pitchFamily="34" charset="0"/>
+              </a:rPr>
+              <a:t>Any other information</a:t>
+            </a:r>
+          </a:p>
+        </p:txBody>
+      </p:sp>
+      <p:sp>
+        <p:nvSpPr>
+          <p:cNvPr id="5" name="TextBox 4">
+            <a:extLst>
+              <a:ext uri="{FF2B5EF4-FFF2-40B4-BE49-F238E27FC236}">
+                <a16:creationId xmlns:a16="http://schemas.microsoft.com/office/drawing/2014/main" id="{EBB10B19-4157-41B3-85CA-452455B519DD}"/>
+              </a:ext>
+            </a:extLst>
+          </p:cNvPr>
+          <p:cNvSpPr txBox="1"/>
+          <p:nvPr/>
+        </p:nvSpPr>
+        <p:spPr>
+          <a:xfrm>
+            <a:off x="2133601" y="1905001"/>
+            <a:ext cx="8839199" cy="2160591"/>
+          </a:xfrm>
+          <a:prstGeom prst="rect">
+            <a:avLst/>
+          </a:prstGeom>
+          <a:noFill/>
+        </p:spPr>
+        <p:txBody>
+          <a:bodyPr wrap="square">
+            <a:spAutoFit/>
+          </a:bodyPr>
+          <a:lstStyle/>
+          <a:p>
+            <a:pPr marL="342891" indent="12700" algn="just" eaLnBrk="0" hangingPunct="0">
+              <a:spcBef>
+                <a:spcPct val="20000"/>
+              </a:spcBef>
+              <a:defRPr/>
+            </a:pPr>
+            <a:r>
+              <a:rPr lang="en-IN" sz="2400" kern="0" dirty="0">
+                <a:solidFill>
+                  <a:srgbClr val="0000FF"/>
+                </a:solidFill>
+                <a:latin typeface="Trebuchet MS" pitchFamily="34" charset="0"/>
+              </a:rPr>
+              <a:t>Provide any other information you wish to add on.</a:t>
+            </a:r>
+          </a:p>
+          <a:p>
+            <a:pPr marL="342891" indent="12700" algn="just" eaLnBrk="0" hangingPunct="0">
+              <a:spcBef>
+                <a:spcPct val="20000"/>
+              </a:spcBef>
+              <a:defRPr/>
+            </a:pPr>
+            <a:r>
+              <a:rPr lang="en-IN" sz="2400" kern="0" dirty="0">
+                <a:solidFill>
+                  <a:srgbClr val="0000FF"/>
+                </a:solidFill>
+                <a:latin typeface="Trebuchet MS" pitchFamily="34" charset="0"/>
+              </a:rPr>
+              <a:t> </a:t>
+            </a:r>
+          </a:p>
+          <a:p>
+            <a:pPr marL="342891" indent="12700" algn="just" eaLnBrk="0" hangingPunct="0">
+              <a:spcBef>
+                <a:spcPct val="20000"/>
+              </a:spcBef>
+              <a:defRPr/>
+            </a:pPr>
+            <a:endParaRPr lang="en-IN" sz="2400" kern="0" dirty="0">
+              <a:solidFill>
+                <a:srgbClr val="0000FF"/>
+              </a:solidFill>
+              <a:latin typeface="Trebuchet MS" pitchFamily="34" charset="0"/>
+            </a:endParaRPr>
+          </a:p>
+          <a:p>
+            <a:pPr marL="342891" indent="12700" algn="just" eaLnBrk="0" hangingPunct="0">
+              <a:spcBef>
+                <a:spcPct val="20000"/>
+              </a:spcBef>
+              <a:defRPr/>
+            </a:pPr>
+            <a:r>
+              <a:rPr lang="en-IN" sz="2400" kern="0" dirty="0">
+                <a:solidFill>
+                  <a:srgbClr val="0000FF"/>
+                </a:solidFill>
+                <a:latin typeface="Trebuchet MS" pitchFamily="34" charset="0"/>
+              </a:rPr>
+              <a:t>Note: Changes can be made in the template, with the consent of the guide for inclusion of any other information.</a:t>
+            </a:r>
+            <a:endParaRPr lang="en-IN" sz="2400" kern="0" dirty="0">
+              <a:latin typeface="Trebuchet MS" pitchFamily="34" charset="0"/>
+            </a:endParaRPr>
+          </a:p>
+        </p:txBody>
+      </p:sp>
+    </p:spTree>
+  </p:cSld>
+  <p:clrMapOvr>
+    <a:masterClrMapping/>
+  </p:clrMapOvr>
+</p:sld>
+</file>
+
+<file path=ppt/slides/slide46.xml><?xml version="1.0" encoding="utf-8"?>
+<p:sld xmlns:a="http://schemas.openxmlformats.org/drawingml/2006/main" xmlns:r="http://schemas.openxmlformats.org/officeDocument/2006/relationships" xmlns:p="http://schemas.openxmlformats.org/presentationml/2006/main">
+  <p:cSld>
+    <p:spTree>
+      <p:nvGrpSpPr>
+        <p:cNvPr id="1" name=""/>
+        <p:cNvGrpSpPr/>
+        <p:nvPr/>
+      </p:nvGrpSpPr>
+      <p:grpSpPr>
+        <a:xfrm>
+          <a:off x="0" y="0"/>
+          <a:ext cx="0" cy="0"/>
+          <a:chOff x="0" y="0"/>
+          <a:chExt cx="0" cy="0"/>
+        </a:xfrm>
+      </p:grpSpPr>
+      <p:sp>
+        <p:nvSpPr>
+          <p:cNvPr id="2" name="Text Box 34">
+            <a:extLst>
+              <a:ext uri="{FF2B5EF4-FFF2-40B4-BE49-F238E27FC236}">
+                <a16:creationId xmlns:a16="http://schemas.microsoft.com/office/drawing/2014/main" id="{DB626BF0-EF01-7764-415C-3036D4DD2290}"/>
+              </a:ext>
+            </a:extLst>
+          </p:cNvPr>
+          <p:cNvSpPr txBox="1">
+            <a:spLocks noChangeArrowheads="1"/>
+          </p:cNvSpPr>
+          <p:nvPr/>
+        </p:nvSpPr>
+        <p:spPr bwMode="auto">
+          <a:xfrm>
+            <a:off x="407368" y="286562"/>
+            <a:ext cx="3744416" cy="523220"/>
+          </a:xfrm>
+          <a:prstGeom prst="rect">
+            <a:avLst/>
+          </a:prstGeom>
+          <a:noFill/>
+          <a:ln w="9525">
+            <a:noFill/>
+            <a:miter lim="800000"/>
+          </a:ln>
+        </p:spPr>
+        <p:txBody>
+          <a:bodyPr wrap="square">
+            <a:spAutoFit/>
+          </a:bodyPr>
+          <a:lstStyle>
+            <a:defPPr>
+              <a:defRPr lang="en-US"/>
+            </a:defPPr>
+            <a:lvl1pPr algn="l" rtl="0" fontAlgn="base">
+              <a:spcBef>
+                <a:spcPct val="0"/>
+              </a:spcBef>
+              <a:spcAft>
+                <a:spcPct val="0"/>
+              </a:spcAft>
+              <a:defRPr kern="1200">
+                <a:solidFill>
+                  <a:schemeClr val="tx1"/>
+                </a:solidFill>
+                <a:latin typeface="Arial" panose="020B0604020202020204" pitchFamily="34" charset="0"/>
+                <a:ea typeface="+mn-ea"/>
+                <a:cs typeface="+mn-cs"/>
+              </a:defRPr>
+            </a:lvl1pPr>
+            <a:lvl2pPr marL="457200" algn="l" rtl="0" fontAlgn="base">
+              <a:spcBef>
+                <a:spcPct val="0"/>
+              </a:spcBef>
+              <a:spcAft>
+                <a:spcPct val="0"/>
+              </a:spcAft>
+              <a:defRPr kern="1200">
+                <a:solidFill>
+                  <a:schemeClr val="tx1"/>
+                </a:solidFill>
+                <a:latin typeface="Arial" panose="020B0604020202020204" pitchFamily="34" charset="0"/>
+                <a:ea typeface="+mn-ea"/>
+                <a:cs typeface="+mn-cs"/>
+              </a:defRPr>
+            </a:lvl2pPr>
+            <a:lvl3pPr marL="914400" algn="l" rtl="0" fontAlgn="base">
+              <a:spcBef>
+                <a:spcPct val="0"/>
+              </a:spcBef>
+              <a:spcAft>
+                <a:spcPct val="0"/>
+              </a:spcAft>
+              <a:defRPr kern="1200">
+                <a:solidFill>
+                  <a:schemeClr val="tx1"/>
+                </a:solidFill>
+                <a:latin typeface="Arial" panose="020B0604020202020204" pitchFamily="34" charset="0"/>
+                <a:ea typeface="+mn-ea"/>
+                <a:cs typeface="+mn-cs"/>
+              </a:defRPr>
+            </a:lvl3pPr>
+            <a:lvl4pPr marL="1371600" algn="l" rtl="0" fontAlgn="base">
+              <a:spcBef>
+                <a:spcPct val="0"/>
+              </a:spcBef>
+              <a:spcAft>
+                <a:spcPct val="0"/>
+              </a:spcAft>
+              <a:defRPr kern="1200">
+                <a:solidFill>
+                  <a:schemeClr val="tx1"/>
+                </a:solidFill>
+                <a:latin typeface="Arial" panose="020B0604020202020204" pitchFamily="34" charset="0"/>
+                <a:ea typeface="+mn-ea"/>
+                <a:cs typeface="+mn-cs"/>
+              </a:defRPr>
+            </a:lvl4pPr>
+            <a:lvl5pPr marL="1828800" algn="l" rtl="0" fontAlgn="base">
+              <a:spcBef>
+                <a:spcPct val="0"/>
+              </a:spcBef>
+              <a:spcAft>
+                <a:spcPct val="0"/>
+              </a:spcAft>
+              <a:defRPr kern="1200">
+                <a:solidFill>
+                  <a:schemeClr val="tx1"/>
+                </a:solidFill>
+                <a:latin typeface="Arial" panose="020B0604020202020204" pitchFamily="34" charset="0"/>
+                <a:ea typeface="+mn-ea"/>
+                <a:cs typeface="+mn-cs"/>
+              </a:defRPr>
+            </a:lvl5pPr>
+            <a:lvl6pPr marL="2286000" algn="l" defTabSz="914400" rtl="0" eaLnBrk="1" latinLnBrk="0" hangingPunct="1">
+              <a:defRPr kern="1200">
+                <a:solidFill>
+                  <a:schemeClr val="tx1"/>
+                </a:solidFill>
+                <a:latin typeface="Arial" panose="020B0604020202020204" pitchFamily="34" charset="0"/>
+                <a:ea typeface="+mn-ea"/>
+                <a:cs typeface="+mn-cs"/>
+              </a:defRPr>
+            </a:lvl6pPr>
+            <a:lvl7pPr marL="2743200" algn="l" defTabSz="914400" rtl="0" eaLnBrk="1" latinLnBrk="0" hangingPunct="1">
+              <a:defRPr kern="1200">
+                <a:solidFill>
+                  <a:schemeClr val="tx1"/>
+                </a:solidFill>
+                <a:latin typeface="Arial" panose="020B0604020202020204" pitchFamily="34" charset="0"/>
+                <a:ea typeface="+mn-ea"/>
+                <a:cs typeface="+mn-cs"/>
+              </a:defRPr>
+            </a:lvl7pPr>
+            <a:lvl8pPr marL="3200400" algn="l" defTabSz="914400" rtl="0" eaLnBrk="1" latinLnBrk="0" hangingPunct="1">
+              <a:defRPr kern="1200">
+                <a:solidFill>
+                  <a:schemeClr val="tx1"/>
+                </a:solidFill>
+                <a:latin typeface="Arial" panose="020B0604020202020204" pitchFamily="34" charset="0"/>
+                <a:ea typeface="+mn-ea"/>
+                <a:cs typeface="+mn-cs"/>
+              </a:defRPr>
+            </a:lvl8pPr>
+            <a:lvl9pPr marL="3657600" algn="l" defTabSz="914400" rtl="0" eaLnBrk="1" latinLnBrk="0" hangingPunct="1">
+              <a:defRPr kern="1200">
+                <a:solidFill>
+                  <a:schemeClr val="tx1"/>
+                </a:solidFill>
+                <a:latin typeface="Arial" panose="020B0604020202020204" pitchFamily="34" charset="0"/>
+                <a:ea typeface="+mn-ea"/>
+                <a:cs typeface="+mn-cs"/>
+              </a:defRPr>
+            </a:lvl9pPr>
+          </a:lstStyle>
+          <a:p>
+            <a:pPr marL="342900" indent="-342900" algn="r" eaLnBrk="0" hangingPunct="0">
+              <a:defRPr/>
+            </a:pPr>
+            <a:r>
+              <a:rPr lang="en-US" sz="2800" dirty="0">
+                <a:solidFill>
+                  <a:srgbClr val="FF0000"/>
+                </a:solidFill>
+                <a:latin typeface="Trebuchet MS" panose="020B0603020202020204" pitchFamily="34" charset="0"/>
+              </a:rPr>
+              <a:t>Any other information</a:t>
+            </a:r>
+          </a:p>
+        </p:txBody>
+      </p:sp>
+      <p:sp>
+        <p:nvSpPr>
+          <p:cNvPr id="3" name="Rectangle 2">
+            <a:extLst>
+              <a:ext uri="{FF2B5EF4-FFF2-40B4-BE49-F238E27FC236}">
+                <a16:creationId xmlns:a16="http://schemas.microsoft.com/office/drawing/2014/main" id="{49A8102B-FC05-40D9-13F1-C22F984F833D}"/>
+              </a:ext>
+            </a:extLst>
+          </p:cNvPr>
+          <p:cNvSpPr>
+            <a:spLocks noChangeArrowheads="1"/>
+          </p:cNvSpPr>
+          <p:nvPr/>
+        </p:nvSpPr>
+        <p:spPr bwMode="auto">
+          <a:xfrm>
+            <a:off x="479376" y="757808"/>
+            <a:ext cx="7620000" cy="36513"/>
+          </a:xfrm>
+          <a:prstGeom prst="rect">
+            <a:avLst/>
+          </a:prstGeom>
+          <a:solidFill>
+            <a:srgbClr val="33CCCC"/>
+          </a:solidFill>
+          <a:ln w="9525">
+            <a:noFill/>
+            <a:miter lim="800000"/>
+            <a:headEnd/>
+            <a:tailEnd/>
+          </a:ln>
+        </p:spPr>
+        <p:txBody>
+          <a:bodyPr wrap="none" anchor="ctr"/>
+          <a:lstStyle/>
+          <a:p>
+            <a:endParaRPr lang="en-US"/>
+          </a:p>
+        </p:txBody>
+      </p:sp>
+      <p:sp>
+        <p:nvSpPr>
+          <p:cNvPr id="5" name="TextBox 4">
+            <a:extLst>
+              <a:ext uri="{FF2B5EF4-FFF2-40B4-BE49-F238E27FC236}">
+                <a16:creationId xmlns:a16="http://schemas.microsoft.com/office/drawing/2014/main" id="{16EC34C6-F8FB-6299-FFA9-68A9B99EE76E}"/>
+              </a:ext>
+            </a:extLst>
+          </p:cNvPr>
+          <p:cNvSpPr txBox="1"/>
+          <p:nvPr/>
+        </p:nvSpPr>
+        <p:spPr>
+          <a:xfrm>
+            <a:off x="-168696" y="1257328"/>
+            <a:ext cx="11665296" cy="5262979"/>
+          </a:xfrm>
+          <a:prstGeom prst="rect">
+            <a:avLst/>
+          </a:prstGeom>
+          <a:noFill/>
+        </p:spPr>
+        <p:txBody>
+          <a:bodyPr wrap="square">
+            <a:spAutoFit/>
+          </a:bodyPr>
+          <a:lstStyle/>
+          <a:p>
+            <a:pPr marL="800100" indent="-457200" algn="just" eaLnBrk="0" hangingPunct="0">
+              <a:spcBef>
+                <a:spcPts val="0"/>
+              </a:spcBef>
+              <a:spcAft>
+                <a:spcPts val="0"/>
+              </a:spcAft>
+              <a:buAutoNum type="arabicPeriod"/>
+              <a:defRPr/>
+            </a:pPr>
+            <a:r>
+              <a:rPr lang="en-US" sz="2400" b="1" u="sng" dirty="0">
+                <a:solidFill>
+                  <a:srgbClr val="FF0000"/>
+                </a:solidFill>
+                <a:latin typeface="Trebuchet MS" panose="020B0603020202020204"/>
+                <a:sym typeface="Trebuchet MS" panose="020B0603020202020204"/>
+              </a:rPr>
+              <a:t>User Training</a:t>
+            </a:r>
+            <a:r>
+              <a:rPr lang="en-US" sz="2400" dirty="0">
+                <a:solidFill>
+                  <a:srgbClr val="FF0000"/>
+                </a:solidFill>
+                <a:latin typeface="Trebuchet MS" panose="020B0603020202020204"/>
+                <a:sym typeface="Trebuchet MS" panose="020B0603020202020204"/>
+              </a:rPr>
+              <a:t>:</a:t>
+            </a:r>
+            <a:r>
+              <a:rPr lang="en-US" sz="2400" dirty="0">
+                <a:solidFill>
+                  <a:srgbClr val="0033CC"/>
+                </a:solidFill>
+                <a:latin typeface="Trebuchet MS" panose="020B0603020202020204"/>
+                <a:sym typeface="Trebuchet MS" panose="020B0603020202020204"/>
+              </a:rPr>
+              <a:t> Educate the personnel who will be interacting with the CCTV system about the signs of replay attacks and how to respond to alerts.</a:t>
+            </a:r>
+          </a:p>
+          <a:p>
+            <a:pPr marL="800100" indent="-457200" algn="just" eaLnBrk="0" hangingPunct="0">
+              <a:spcBef>
+                <a:spcPts val="0"/>
+              </a:spcBef>
+              <a:spcAft>
+                <a:spcPts val="0"/>
+              </a:spcAft>
+              <a:buAutoNum type="arabicPeriod"/>
+              <a:defRPr/>
+            </a:pPr>
+            <a:r>
+              <a:rPr lang="en-US" sz="2400" b="1" u="sng" dirty="0">
+                <a:solidFill>
+                  <a:srgbClr val="FF0000"/>
+                </a:solidFill>
+                <a:latin typeface="Trebuchet MS" panose="020B0603020202020204"/>
+                <a:sym typeface="Trebuchet MS" panose="020B0603020202020204"/>
+              </a:rPr>
+              <a:t>Incident Response Plan</a:t>
+            </a:r>
+            <a:r>
+              <a:rPr lang="en-US" sz="2400" dirty="0">
+                <a:solidFill>
+                  <a:srgbClr val="FF0000"/>
+                </a:solidFill>
+                <a:latin typeface="Trebuchet MS" panose="020B0603020202020204"/>
+                <a:sym typeface="Trebuchet MS" panose="020B0603020202020204"/>
+              </a:rPr>
+              <a:t>:</a:t>
+            </a:r>
+            <a:r>
+              <a:rPr lang="en-US" sz="2400" dirty="0">
+                <a:solidFill>
+                  <a:srgbClr val="0033CC"/>
+                </a:solidFill>
+                <a:latin typeface="Trebuchet MS" panose="020B0603020202020204"/>
+                <a:sym typeface="Trebuchet MS" panose="020B0603020202020204"/>
+              </a:rPr>
+              <a:t> Develop a detailed incident response plan to handle detected replay attacks efficiently. This should include steps for isolating affected systems, investigating the breach, and mitigating the damage.</a:t>
+            </a:r>
+          </a:p>
+          <a:p>
+            <a:pPr marL="800100" indent="-457200" algn="just" eaLnBrk="0" hangingPunct="0">
+              <a:spcBef>
+                <a:spcPts val="0"/>
+              </a:spcBef>
+              <a:spcAft>
+                <a:spcPts val="0"/>
+              </a:spcAft>
+              <a:buAutoNum type="arabicPeriod"/>
+              <a:defRPr/>
+            </a:pPr>
+            <a:r>
+              <a:rPr lang="en-US" sz="2400" b="1" u="sng" dirty="0">
+                <a:solidFill>
+                  <a:srgbClr val="FF0000"/>
+                </a:solidFill>
+                <a:latin typeface="Trebuchet MS" panose="020B0603020202020204"/>
+                <a:sym typeface="Trebuchet MS" panose="020B0603020202020204"/>
+              </a:rPr>
+              <a:t>Redundancy and Backup</a:t>
+            </a:r>
+            <a:r>
+              <a:rPr lang="en-US" sz="2400" dirty="0">
+                <a:solidFill>
+                  <a:srgbClr val="FF0000"/>
+                </a:solidFill>
+                <a:latin typeface="Trebuchet MS" panose="020B0603020202020204"/>
+                <a:sym typeface="Trebuchet MS" panose="020B0603020202020204"/>
+              </a:rPr>
+              <a:t>:</a:t>
+            </a:r>
+            <a:r>
+              <a:rPr lang="en-US" sz="2400" dirty="0">
+                <a:solidFill>
+                  <a:srgbClr val="0033CC"/>
+                </a:solidFill>
+                <a:latin typeface="Trebuchet MS" panose="020B0603020202020204"/>
+                <a:sym typeface="Trebuchet MS" panose="020B0603020202020204"/>
+              </a:rPr>
+              <a:t> Implement redundancy in your CCTV infrastructure to ensure there is always a backup in case one system fails. Regular backups of footage can also help verify the integrity of the data.</a:t>
+            </a:r>
+          </a:p>
+          <a:p>
+            <a:pPr marL="800100" indent="-457200" algn="just" eaLnBrk="0" hangingPunct="0">
+              <a:spcBef>
+                <a:spcPts val="0"/>
+              </a:spcBef>
+              <a:spcAft>
+                <a:spcPts val="0"/>
+              </a:spcAft>
+              <a:buAutoNum type="arabicPeriod"/>
+              <a:defRPr/>
+            </a:pPr>
+            <a:r>
+              <a:rPr lang="en-US" sz="2400" b="1" u="sng" dirty="0">
+                <a:solidFill>
+                  <a:srgbClr val="FF0000"/>
+                </a:solidFill>
+                <a:latin typeface="Trebuchet MS" panose="020B0603020202020204"/>
+                <a:sym typeface="Trebuchet MS" panose="020B0603020202020204"/>
+              </a:rPr>
+              <a:t>Detailed Documentation</a:t>
+            </a:r>
+            <a:r>
+              <a:rPr lang="en-US" sz="2400" dirty="0">
+                <a:solidFill>
+                  <a:srgbClr val="0033CC"/>
+                </a:solidFill>
+                <a:latin typeface="Trebuchet MS" panose="020B0603020202020204"/>
+                <a:sym typeface="Trebuchet MS" panose="020B0603020202020204"/>
+              </a:rPr>
+              <a:t>: Maintain comprehensive documentation of the system design, protocols, and updates. This can help in troubleshooting and training new team members.</a:t>
+            </a:r>
+          </a:p>
+          <a:p>
+            <a:pPr marL="800100" indent="-457200" algn="just" eaLnBrk="0" hangingPunct="0">
+              <a:spcBef>
+                <a:spcPts val="0"/>
+              </a:spcBef>
+              <a:spcAft>
+                <a:spcPts val="0"/>
+              </a:spcAft>
+              <a:buAutoNum type="arabicPeriod"/>
+              <a:defRPr/>
+            </a:pPr>
+            <a:r>
+              <a:rPr lang="en-US" sz="2400" b="1" u="sng" dirty="0">
+                <a:solidFill>
+                  <a:srgbClr val="FF0000"/>
+                </a:solidFill>
+                <a:latin typeface="Trebuchet MS" panose="020B0603020202020204"/>
+                <a:sym typeface="Trebuchet MS" panose="020B0603020202020204"/>
+              </a:rPr>
+              <a:t>User Feedback Loop</a:t>
+            </a:r>
+            <a:r>
+              <a:rPr lang="en-US" sz="2400" dirty="0">
+                <a:solidFill>
+                  <a:srgbClr val="0033CC"/>
+                </a:solidFill>
+                <a:latin typeface="Trebuchet MS" panose="020B0603020202020204"/>
+                <a:sym typeface="Trebuchet MS" panose="020B0603020202020204"/>
+              </a:rPr>
+              <a:t>: Incorporate a feedback mechanism where users can report any false positives or system issues, which can be used to improve the AI model.</a:t>
+            </a:r>
+            <a:endParaRPr lang="en-IN" sz="2400" dirty="0">
+              <a:solidFill>
+                <a:srgbClr val="0033CC"/>
+              </a:solidFill>
+              <a:latin typeface="Trebuchet MS" panose="020B0603020202020204"/>
+              <a:sym typeface="Trebuchet MS" panose="020B0603020202020204"/>
+            </a:endParaRPr>
+          </a:p>
+        </p:txBody>
+      </p:sp>
+    </p:spTree>
+    <p:extLst>
+      <p:ext uri="{BB962C8B-B14F-4D97-AF65-F5344CB8AC3E}">
+        <p14:creationId xmlns:p14="http://schemas.microsoft.com/office/powerpoint/2010/main" val="1799791707"/>
+      </p:ext>
+    </p:extLst>
+  </p:cSld>
+  <p:clrMapOvr>
+    <a:masterClrMapping/>
+  </p:clrMapOvr>
+</p:sld>
+</file>
+
+<file path=ppt/slides/slide47.xml><?xml version="1.0" encoding="utf-8"?>
+<p:sld xmlns:a="http://schemas.openxmlformats.org/drawingml/2006/main" xmlns:r="http://schemas.openxmlformats.org/officeDocument/2006/relationships" xmlns:p="http://schemas.openxmlformats.org/presentationml/2006/main">
+  <p:cSld>
+    <p:spTree>
+      <p:nvGrpSpPr>
+        <p:cNvPr id="1" name=""/>
+        <p:cNvGrpSpPr/>
+        <p:nvPr/>
+      </p:nvGrpSpPr>
+      <p:grpSpPr>
+        <a:xfrm>
+          <a:off x="0" y="0"/>
+          <a:ext cx="0" cy="0"/>
+          <a:chOff x="0" y="0"/>
+          <a:chExt cx="0" cy="0"/>
+        </a:xfrm>
+      </p:grpSpPr>
+      <p:sp>
+        <p:nvSpPr>
+          <p:cNvPr id="2" name="Rectangle 1"/>
+          <p:cNvSpPr>
+            <a:spLocks noChangeArrowheads="1"/>
+          </p:cNvSpPr>
+          <p:nvPr/>
+        </p:nvSpPr>
+        <p:spPr bwMode="auto">
+          <a:xfrm>
+            <a:off x="3048000" y="1581155"/>
+            <a:ext cx="7620000" cy="36513"/>
+          </a:xfrm>
+          <a:prstGeom prst="rect">
+            <a:avLst/>
+          </a:prstGeom>
+          <a:solidFill>
+            <a:srgbClr val="33CCCC"/>
+          </a:solidFill>
+          <a:ln w="9525">
+            <a:noFill/>
+            <a:miter lim="800000"/>
+            <a:headEnd/>
+            <a:tailEnd/>
+          </a:ln>
+        </p:spPr>
+        <p:txBody>
+          <a:bodyPr wrap="none" anchor="ctr"/>
+          <a:lstStyle/>
+          <a:p>
+            <a:endParaRPr lang="en-US"/>
+          </a:p>
+        </p:txBody>
+      </p:sp>
+      <p:sp>
+        <p:nvSpPr>
+          <p:cNvPr id="3" name="Text Box 34"/>
+          <p:cNvSpPr txBox="1">
+            <a:spLocks noChangeArrowheads="1"/>
+          </p:cNvSpPr>
+          <p:nvPr/>
+        </p:nvSpPr>
+        <p:spPr bwMode="auto">
+          <a:xfrm>
+            <a:off x="2895600" y="1143002"/>
+            <a:ext cx="7772400" cy="461665"/>
+          </a:xfrm>
+          <a:prstGeom prst="rect">
+            <a:avLst/>
+          </a:prstGeom>
+          <a:noFill/>
+          <a:ln w="9525">
+            <a:noFill/>
+            <a:miter lim="800000"/>
+            <a:headEnd/>
+            <a:tailEnd/>
+          </a:ln>
+        </p:spPr>
+        <p:txBody>
+          <a:bodyPr wrap="square">
+            <a:spAutoFit/>
+          </a:bodyPr>
+          <a:lstStyle/>
+          <a:p>
+            <a:pPr marL="342900" indent="-342900" algn="r" eaLnBrk="0" hangingPunct="0">
+              <a:spcBef>
+                <a:spcPts val="0"/>
+              </a:spcBef>
+              <a:spcAft>
+                <a:spcPts val="0"/>
+              </a:spcAft>
+              <a:defRPr/>
+            </a:pPr>
+            <a:r>
+              <a:rPr lang="en-IN" sz="2400" dirty="0">
+                <a:solidFill>
+                  <a:srgbClr val="FF0000"/>
+                </a:solidFill>
+                <a:latin typeface="Trebuchet MS"/>
+              </a:rPr>
+              <a:t>Conclusion</a:t>
+            </a:r>
+            <a:endParaRPr lang="en-US" sz="2400" dirty="0">
+              <a:solidFill>
+                <a:srgbClr val="FF0000"/>
+              </a:solidFill>
+              <a:latin typeface="Trebuchet MS"/>
+            </a:endParaRPr>
+          </a:p>
+        </p:txBody>
+      </p:sp>
+    </p:spTree>
+    <p:extLst>
+      <p:ext uri="{BB962C8B-B14F-4D97-AF65-F5344CB8AC3E}">
+        <p14:creationId xmlns:p14="http://schemas.microsoft.com/office/powerpoint/2010/main" val="2374062742"/>
+      </p:ext>
+    </p:extLst>
+  </p:cSld>
+  <p:clrMapOvr>
+    <a:masterClrMapping/>
+  </p:clrMapOvr>
+</p:sld>
+</file>
+
+<file path=ppt/slides/slide48.xml><?xml version="1.0" encoding="utf-8"?>
+<p:sld xmlns:a="http://schemas.openxmlformats.org/drawingml/2006/main" xmlns:r="http://schemas.openxmlformats.org/officeDocument/2006/relationships" xmlns:p="http://schemas.openxmlformats.org/presentationml/2006/main">
+  <p:cSld>
+    <p:spTree>
+      <p:nvGrpSpPr>
+        <p:cNvPr id="1" name=""/>
+        <p:cNvGrpSpPr/>
+        <p:nvPr/>
+      </p:nvGrpSpPr>
+      <p:grpSpPr>
+        <a:xfrm>
+          <a:off x="0" y="0"/>
+          <a:ext cx="0" cy="0"/>
+          <a:chOff x="0" y="0"/>
+          <a:chExt cx="0" cy="0"/>
+        </a:xfrm>
+      </p:grpSpPr>
+      <p:sp>
+        <p:nvSpPr>
+          <p:cNvPr id="5" name="Rectangle 4"/>
+          <p:cNvSpPr>
+            <a:spLocks noChangeArrowheads="1"/>
+          </p:cNvSpPr>
+          <p:nvPr/>
+        </p:nvSpPr>
+        <p:spPr bwMode="auto">
+          <a:xfrm>
+            <a:off x="3048000" y="1581155"/>
+            <a:ext cx="7620000" cy="36513"/>
+          </a:xfrm>
+          <a:prstGeom prst="rect">
+            <a:avLst/>
+          </a:prstGeom>
+          <a:solidFill>
+            <a:srgbClr val="33CCCC"/>
+          </a:solidFill>
+          <a:ln w="9525">
+            <a:noFill/>
+            <a:miter lim="800000"/>
+            <a:headEnd/>
+            <a:tailEnd/>
+          </a:ln>
+        </p:spPr>
+        <p:txBody>
+          <a:bodyPr wrap="none" anchor="ctr"/>
+          <a:lstStyle/>
+          <a:p>
+            <a:endParaRPr lang="en-US"/>
+          </a:p>
+        </p:txBody>
+      </p:sp>
+      <p:sp>
+        <p:nvSpPr>
+          <p:cNvPr id="13" name="Text Box 34"/>
+          <p:cNvSpPr txBox="1">
+            <a:spLocks noChangeArrowheads="1"/>
+          </p:cNvSpPr>
+          <p:nvPr/>
+        </p:nvSpPr>
+        <p:spPr bwMode="auto">
+          <a:xfrm>
+            <a:off x="2895600" y="1143002"/>
+            <a:ext cx="7772400" cy="461665"/>
+          </a:xfrm>
+          <a:prstGeom prst="rect">
+            <a:avLst/>
+          </a:prstGeom>
+          <a:noFill/>
+          <a:ln w="9525">
+            <a:noFill/>
+            <a:miter lim="800000"/>
+            <a:headEnd/>
+            <a:tailEnd/>
+          </a:ln>
+        </p:spPr>
+        <p:txBody>
+          <a:bodyPr wrap="square">
+            <a:spAutoFit/>
+          </a:bodyPr>
+          <a:lstStyle/>
+          <a:p>
+            <a:pPr marL="342891" indent="-342891" algn="r" eaLnBrk="0" hangingPunct="0">
+              <a:defRPr/>
+            </a:pPr>
+            <a:r>
+              <a:rPr lang="en-US" sz="2400" dirty="0">
+                <a:solidFill>
+                  <a:srgbClr val="FF0000"/>
+                </a:solidFill>
+                <a:latin typeface="Trebuchet MS" pitchFamily="34" charset="0"/>
+              </a:rPr>
+              <a:t>References</a:t>
+            </a:r>
+          </a:p>
+        </p:txBody>
+      </p:sp>
+      <p:sp>
+        <p:nvSpPr>
+          <p:cNvPr id="6" name="Content Placeholder 2"/>
+          <p:cNvSpPr txBox="1">
+            <a:spLocks/>
+          </p:cNvSpPr>
+          <p:nvPr/>
+        </p:nvSpPr>
+        <p:spPr>
+          <a:xfrm>
+            <a:off x="1828800" y="1828800"/>
+            <a:ext cx="8458200" cy="4724400"/>
+          </a:xfrm>
+          <a:prstGeom prst="rect">
+            <a:avLst/>
+          </a:prstGeom>
+        </p:spPr>
+        <p:txBody>
+          <a:bodyPr/>
+          <a:lstStyle/>
+          <a:p>
+            <a:pPr marL="342900" indent="12700" algn="just" eaLnBrk="0" hangingPunct="0">
+              <a:spcBef>
+                <a:spcPct val="20000"/>
+              </a:spcBef>
+              <a:defRPr/>
+            </a:pPr>
+            <a:endParaRPr lang="en-IN" sz="2400" dirty="0">
+              <a:solidFill>
+                <a:srgbClr val="0000FF"/>
+              </a:solidFill>
+              <a:latin typeface="Trebuchet MS" pitchFamily="34" charset="0"/>
+            </a:endParaRPr>
+          </a:p>
+          <a:p>
+            <a:pPr marL="342900" indent="12700" algn="just" eaLnBrk="0" hangingPunct="0">
+              <a:spcBef>
+                <a:spcPct val="20000"/>
+              </a:spcBef>
+              <a:defRPr/>
+            </a:pPr>
+            <a:endParaRPr lang="en-IN" sz="2400" dirty="0">
+              <a:solidFill>
+                <a:srgbClr val="0000FF"/>
+              </a:solidFill>
+              <a:latin typeface="Trebuchet MS" pitchFamily="34" charset="0"/>
+            </a:endParaRPr>
+          </a:p>
+          <a:p>
+            <a:pPr marL="342900" indent="12700" algn="just" eaLnBrk="0" hangingPunct="0">
+              <a:spcBef>
+                <a:spcPct val="20000"/>
+              </a:spcBef>
+              <a:defRPr/>
+            </a:pPr>
+            <a:r>
+              <a:rPr lang="en-IN" sz="2400" dirty="0">
+                <a:solidFill>
+                  <a:srgbClr val="0000FF"/>
+                </a:solidFill>
+                <a:latin typeface="Trebuchet MS" pitchFamily="34" charset="0"/>
+              </a:rPr>
+              <a:t>Provide references pertaining to your research according to IEEE format.</a:t>
+            </a:r>
+          </a:p>
+          <a:p>
+            <a:pPr marL="1077913" lvl="1" indent="-265113" algn="just" eaLnBrk="0" hangingPunct="0">
+              <a:spcBef>
+                <a:spcPct val="20000"/>
+              </a:spcBef>
+              <a:defRPr/>
+            </a:pPr>
+            <a:endParaRPr lang="en-IN" sz="2400" dirty="0">
+              <a:solidFill>
+                <a:srgbClr val="0000FF"/>
+              </a:solidFill>
+              <a:latin typeface="Trebuchet MS" pitchFamily="34" charset="0"/>
+            </a:endParaRPr>
+          </a:p>
+          <a:p>
+            <a:pPr marL="342900" indent="-342900" eaLnBrk="0" hangingPunct="0">
+              <a:spcBef>
+                <a:spcPct val="20000"/>
+              </a:spcBef>
+              <a:defRPr/>
+            </a:pPr>
+            <a:endParaRPr lang="en-IN" sz="2000" kern="0" dirty="0">
+              <a:latin typeface="Trebuchet MS" pitchFamily="34" charset="0"/>
+            </a:endParaRPr>
+          </a:p>
+        </p:txBody>
+      </p:sp>
+    </p:spTree>
+    <p:extLst>
+      <p:ext uri="{BB962C8B-B14F-4D97-AF65-F5344CB8AC3E}">
+        <p14:creationId xmlns:p14="http://schemas.microsoft.com/office/powerpoint/2010/main" val="3902358784"/>
+      </p:ext>
+    </p:extLst>
+  </p:cSld>
+  <p:clrMapOvr>
+    <a:masterClrMapping/>
+  </p:clrMapOvr>
+</p:sld>
+</file>
+
+<file path=ppt/slides/slide49.xml><?xml version="1.0" encoding="utf-8"?>
+<p:sld xmlns:a="http://schemas.openxmlformats.org/drawingml/2006/main" xmlns:r="http://schemas.openxmlformats.org/officeDocument/2006/relationships" xmlns:p="http://schemas.openxmlformats.org/presentationml/2006/main">
+  <p:cSld>
+    <p:spTree>
+      <p:nvGrpSpPr>
+        <p:cNvPr id="1" name=""/>
+        <p:cNvGrpSpPr/>
+        <p:nvPr/>
+      </p:nvGrpSpPr>
+      <p:grpSpPr>
+        <a:xfrm>
+          <a:off x="0" y="0"/>
+          <a:ext cx="0" cy="0"/>
+          <a:chOff x="0" y="0"/>
+          <a:chExt cx="0" cy="0"/>
+        </a:xfrm>
+      </p:grpSpPr>
+      <p:sp>
+        <p:nvSpPr>
+          <p:cNvPr id="4" name="Rectangle 3"/>
+          <p:cNvSpPr/>
+          <p:nvPr/>
+        </p:nvSpPr>
+        <p:spPr>
+          <a:xfrm>
+            <a:off x="4371485" y="3352800"/>
+            <a:ext cx="2506584" cy="707886"/>
+          </a:xfrm>
+          <a:prstGeom prst="rect">
+            <a:avLst/>
+          </a:prstGeom>
+        </p:spPr>
+        <p:txBody>
+          <a:bodyPr wrap="none">
+            <a:spAutoFit/>
+          </a:bodyPr>
+          <a:lstStyle/>
+          <a:p>
+            <a:pPr algn="r"/>
+            <a:r>
+              <a:rPr lang="en-US" sz="4000" dirty="0">
+                <a:solidFill>
+                  <a:srgbClr val="FF0000"/>
+                </a:solidFill>
+                <a:latin typeface="Trebuchet MS" pitchFamily="34" charset="0"/>
+              </a:rPr>
+              <a:t>Thank You</a:t>
+            </a:r>
+          </a:p>
+        </p:txBody>
+      </p:sp>
+    </p:spTree>
   </p:cSld>
   <p:clrMapOvr>
     <a:masterClrMapping/>
@@ -13570,7 +16183,7 @@
         </p:nvSpPr>
         <p:spPr bwMode="auto">
           <a:xfrm>
-            <a:off x="191344" y="1052736"/>
+            <a:off x="146974" y="920080"/>
             <a:ext cx="7620000" cy="36513"/>
           </a:xfrm>
           <a:prstGeom prst="rect">
@@ -13688,7 +16301,7 @@
         <p:spPr bwMode="auto">
           <a:xfrm>
             <a:off x="0" y="476672"/>
-            <a:ext cx="3788024" cy="461665"/>
+            <a:ext cx="3935760" cy="461665"/>
           </a:xfrm>
           <a:prstGeom prst="rect">
             <a:avLst/>
@@ -13711,7 +16324,7 @@
               <a:defRPr/>
             </a:pPr>
             <a:r>
-              <a:rPr lang="en-US" sz="2400" dirty="0">
+              <a:rPr lang="en-US" sz="2400" b="1" dirty="0">
                 <a:solidFill>
                   <a:srgbClr val="FF0000"/>
                 </a:solidFill>
@@ -13806,7 +16419,11 @@
               <a:buAutoNum type="arabicPeriod"/>
             </a:pPr>
             <a:r>
-              <a:rPr lang="en-IN" sz="2000" b="1" dirty="0"/>
+              <a:rPr lang="en-IN" sz="2000" b="1" dirty="0">
+                <a:solidFill>
+                  <a:srgbClr val="FF0000"/>
+                </a:solidFill>
+              </a:rPr>
               <a:t>Functional Requirements:</a:t>
             </a:r>
           </a:p>
@@ -14002,7 +16619,7 @@
         <p:spPr bwMode="auto">
           <a:xfrm>
             <a:off x="0" y="260648"/>
-            <a:ext cx="4004048" cy="461665"/>
+            <a:ext cx="4223792" cy="461665"/>
           </a:xfrm>
           <a:prstGeom prst="rect">
             <a:avLst/>
@@ -14025,7 +16642,7 @@
               <a:defRPr/>
             </a:pPr>
             <a:r>
-              <a:rPr lang="en-US" sz="2400" dirty="0">
+              <a:rPr lang="en-US" sz="2400" b="1" dirty="0">
                 <a:solidFill>
                   <a:srgbClr val="FF0000"/>
                 </a:solidFill>
@@ -14100,7 +16717,11 @@
               </a:lnSpc>
             </a:pPr>
             <a:r>
-              <a:rPr lang="en-IN" sz="2000" b="1" dirty="0"/>
+              <a:rPr lang="en-IN" sz="2000" b="1" dirty="0">
+                <a:solidFill>
+                  <a:srgbClr val="FF0000"/>
+                </a:solidFill>
+              </a:rPr>
               <a:t>2. Non-Functional Requirements:</a:t>
             </a:r>
           </a:p>
@@ -14292,7 +16913,11 @@
           <a:lstStyle/>
           <a:p>
             <a:r>
-              <a:rPr lang="en-IN" b="1" dirty="0"/>
+              <a:rPr lang="en-IN" b="1" dirty="0">
+                <a:solidFill>
+                  <a:srgbClr val="FF0000"/>
+                </a:solidFill>
+              </a:rPr>
               <a:t>1. Technologies to Be Used:</a:t>
             </a:r>
           </a:p>
@@ -14572,7 +17197,7 @@
         <p:spPr>
           <a:xfrm>
             <a:off x="119336" y="1628800"/>
-            <a:ext cx="11737304" cy="4370427"/>
+            <a:ext cx="11737304" cy="3785652"/>
           </a:xfrm>
           <a:prstGeom prst="rect">
             <a:avLst/>
@@ -14586,12 +17211,16 @@
           <a:lstStyle/>
           <a:p>
             <a:r>
-              <a:rPr lang="en-IN" sz="2000" b="1" dirty="0"/>
+              <a:rPr lang="en-IN" sz="2400" b="1" dirty="0">
+                <a:solidFill>
+                  <a:srgbClr val="FF0000"/>
+                </a:solidFill>
+              </a:rPr>
               <a:t>Hardware Requirements:</a:t>
             </a:r>
           </a:p>
           <a:p>
-            <a:endParaRPr lang="en-IN" sz="2000" b="1" dirty="0"/>
+            <a:endParaRPr lang="en-IN" sz="2400" b="1" dirty="0"/>
           </a:p>
           <a:p>
             <a:pPr marL="285750" indent="-285750">
@@ -14599,10 +17228,10 @@
               <a:buChar char="Ø"/>
             </a:pPr>
             <a:r>
-              <a:rPr lang="en-IN" sz="2000" b="1" dirty="0"/>
+              <a:rPr lang="en-IN" sz="2400" b="1" dirty="0"/>
               <a:t>Cameras:</a:t>
             </a:r>
-            <a:endParaRPr lang="en-IN" sz="2000" dirty="0"/>
+            <a:endParaRPr lang="en-IN" sz="2400" dirty="0"/>
           </a:p>
           <a:p>
             <a:pPr marL="742950" lvl="1" indent="-285750">
@@ -14610,13 +17239,13 @@
               <a:buAutoNum type="arabicPeriod"/>
             </a:pPr>
             <a:r>
-              <a:rPr lang="en-IN" sz="2000" dirty="0"/>
+              <a:rPr lang="en-IN" sz="2400" dirty="0"/>
               <a:t>Web camera that can send live footages to the system via USB-C.</a:t>
             </a:r>
           </a:p>
           <a:p>
             <a:pPr lvl="1"/>
-            <a:endParaRPr lang="en-IN" sz="2000" dirty="0"/>
+            <a:endParaRPr lang="en-IN" sz="2400" dirty="0"/>
           </a:p>
           <a:p>
             <a:pPr marL="285750" indent="-285750">
@@ -14624,10 +17253,10 @@
               <a:buChar char="Ø"/>
             </a:pPr>
             <a:r>
-              <a:rPr lang="en-IN" sz="2000" b="1" dirty="0"/>
+              <a:rPr lang="en-IN" sz="2400" b="1" dirty="0"/>
               <a:t>Processing Unit:</a:t>
             </a:r>
-            <a:endParaRPr lang="en-IN" sz="2000" dirty="0"/>
+            <a:endParaRPr lang="en-IN" sz="2400" dirty="0"/>
           </a:p>
           <a:p>
             <a:pPr marL="742950" lvl="1" indent="-285750">
@@ -14635,7 +17264,7 @@
               <a:buAutoNum type="arabicPeriod"/>
             </a:pPr>
             <a:r>
-              <a:rPr lang="en-IN" sz="2000" dirty="0"/>
+              <a:rPr lang="en-IN" sz="2400" dirty="0"/>
               <a:t>GPU-enabled local system.</a:t>
             </a:r>
           </a:p>
@@ -14644,7 +17273,7 @@
               <a:buFont typeface="+mj-lt"/>
               <a:buAutoNum type="arabicPeriod"/>
             </a:pPr>
-            <a:endParaRPr lang="en-IN" sz="2000" dirty="0"/>
+            <a:endParaRPr lang="en-IN" sz="2400" dirty="0"/>
           </a:p>
           <a:p>
             <a:pPr marL="285750" indent="-285750">
@@ -14652,10 +17281,10 @@
               <a:buChar char="Ø"/>
             </a:pPr>
             <a:r>
-              <a:rPr lang="en-IN" sz="2000" b="1" dirty="0"/>
+              <a:rPr lang="en-IN" sz="2400" b="1" dirty="0"/>
               <a:t>Network:</a:t>
             </a:r>
-            <a:endParaRPr lang="en-IN" sz="2000" dirty="0"/>
+            <a:endParaRPr lang="en-IN" sz="2400" dirty="0"/>
           </a:p>
           <a:p>
             <a:pPr marL="742950" lvl="1" indent="-285750">
@@ -14663,40 +17292,9 @@
               <a:buAutoNum type="arabicPeriod"/>
             </a:pPr>
             <a:r>
-              <a:rPr lang="en-IN" sz="2000" dirty="0"/>
+              <a:rPr lang="en-IN" sz="2400" dirty="0"/>
               <a:t>Gigabit Ethernet for fast, secure transmission.</a:t>
             </a:r>
-          </a:p>
-          <a:p>
-            <a:pPr marL="742950" lvl="1" indent="-285750">
-              <a:buFont typeface="+mj-lt"/>
-              <a:buAutoNum type="arabicPeriod"/>
-            </a:pPr>
-            <a:endParaRPr lang="en-IN" sz="2000" dirty="0"/>
-          </a:p>
-          <a:p>
-            <a:pPr marL="285750" indent="-285750">
-              <a:buFont typeface="Wingdings" panose="05000000000000000000" pitchFamily="2" charset="2"/>
-              <a:buChar char="Ø"/>
-            </a:pPr>
-            <a:r>
-              <a:rPr lang="en-IN" sz="2000" b="1" dirty="0"/>
-              <a:t>Additional Sensors:</a:t>
-            </a:r>
-            <a:endParaRPr lang="en-IN" sz="2000" dirty="0"/>
-          </a:p>
-          <a:p>
-            <a:pPr marL="742950" lvl="1" indent="-285750">
-              <a:buFont typeface="+mj-lt"/>
-              <a:buAutoNum type="arabicPeriod"/>
-            </a:pPr>
-            <a:r>
-              <a:rPr lang="en-IN" sz="2000" dirty="0"/>
-              <a:t>Microphones and environmental sensors for cross-verification.</a:t>
-            </a:r>
-          </a:p>
-          <a:p>
-            <a:endParaRPr lang="en-IN" dirty="0"/>
           </a:p>
         </p:txBody>
       </p:sp>
